--- a/林广和中期答辩.pptx
+++ b/林广和中期答辩.pptx
@@ -5,28 +5,29 @@
     <p:sldMasterId id="2147483654" r:id="rId1"/>
   </p:sldMasterIdLst>
   <p:notesMasterIdLst>
-    <p:notesMasterId r:id="rId18"/>
+    <p:notesMasterId r:id="rId19"/>
   </p:notesMasterIdLst>
   <p:handoutMasterIdLst>
-    <p:handoutMasterId r:id="rId19"/>
+    <p:handoutMasterId r:id="rId20"/>
   </p:handoutMasterIdLst>
   <p:sldIdLst>
     <p:sldId id="256" r:id="rId2"/>
     <p:sldId id="289" r:id="rId3"/>
     <p:sldId id="302" r:id="rId4"/>
-    <p:sldId id="323" r:id="rId5"/>
-    <p:sldId id="322" r:id="rId6"/>
-    <p:sldId id="318" r:id="rId7"/>
-    <p:sldId id="312" r:id="rId8"/>
-    <p:sldId id="315" r:id="rId9"/>
-    <p:sldId id="287" r:id="rId10"/>
-    <p:sldId id="298" r:id="rId11"/>
-    <p:sldId id="304" r:id="rId12"/>
-    <p:sldId id="317" r:id="rId13"/>
-    <p:sldId id="308" r:id="rId14"/>
-    <p:sldId id="320" r:id="rId15"/>
-    <p:sldId id="295" r:id="rId16"/>
-    <p:sldId id="258" r:id="rId17"/>
+    <p:sldId id="322" r:id="rId5"/>
+    <p:sldId id="327" r:id="rId6"/>
+    <p:sldId id="328" r:id="rId7"/>
+    <p:sldId id="330" r:id="rId8"/>
+    <p:sldId id="332" r:id="rId9"/>
+    <p:sldId id="333" r:id="rId10"/>
+    <p:sldId id="334" r:id="rId11"/>
+    <p:sldId id="335" r:id="rId12"/>
+    <p:sldId id="336" r:id="rId13"/>
+    <p:sldId id="337" r:id="rId14"/>
+    <p:sldId id="338" r:id="rId15"/>
+    <p:sldId id="339" r:id="rId16"/>
+    <p:sldId id="295" r:id="rId17"/>
+    <p:sldId id="258" r:id="rId18"/>
   </p:sldIdLst>
   <p:sldSz cx="9144000" cy="6858000" type="screen4x3"/>
   <p:notesSz cx="6858000" cy="9296400"/>
@@ -168,17 +169,18 @@
             <p14:sldId id="256"/>
             <p14:sldId id="289"/>
             <p14:sldId id="302"/>
-            <p14:sldId id="323"/>
             <p14:sldId id="322"/>
-            <p14:sldId id="318"/>
-            <p14:sldId id="312"/>
-            <p14:sldId id="315"/>
-            <p14:sldId id="287"/>
-            <p14:sldId id="298"/>
-            <p14:sldId id="304"/>
-            <p14:sldId id="317"/>
-            <p14:sldId id="308"/>
-            <p14:sldId id="320"/>
+            <p14:sldId id="327"/>
+            <p14:sldId id="328"/>
+            <p14:sldId id="330"/>
+            <p14:sldId id="332"/>
+            <p14:sldId id="333"/>
+            <p14:sldId id="334"/>
+            <p14:sldId id="335"/>
+            <p14:sldId id="336"/>
+            <p14:sldId id="337"/>
+            <p14:sldId id="338"/>
+            <p14:sldId id="339"/>
             <p14:sldId id="295"/>
             <p14:sldId id="258"/>
           </p14:sldIdLst>
@@ -354,7 +356,7 @@
               <a:pPr>
                 <a:defRPr/>
               </a:pPr>
-              <a:t>2017/7/1</a:t>
+              <a:t>2017/7/2</a:t>
             </a:fld>
             <a:endParaRPr lang="zh-CN" altLang="zh-CN"/>
           </a:p>
@@ -633,7 +635,7 @@
               <a:pPr>
                 <a:defRPr/>
               </a:pPr>
-              <a:t>2017/7/1</a:t>
+              <a:t>2017/7/2</a:t>
             </a:fld>
             <a:endParaRPr lang="zh-CN" altLang="zh-CN"/>
           </a:p>
@@ -1001,186 +1003,6 @@
     </a:lvl9pPr>
   </p:notesStyle>
 </p:notesMaster>
-</file>
-
-<file path=ppt/notesSlides/notesSlide1.xml><?xml version="1.0" encoding="utf-8"?>
-<p:notes xmlns:a="http://schemas.openxmlformats.org/drawingml/2006/main" xmlns:r="http://schemas.openxmlformats.org/officeDocument/2006/relationships" xmlns:p="http://schemas.openxmlformats.org/presentationml/2006/main">
-  <p:cSld>
-    <p:spTree>
-      <p:nvGrpSpPr>
-        <p:cNvPr id="1" name=""/>
-        <p:cNvGrpSpPr/>
-        <p:nvPr/>
-      </p:nvGrpSpPr>
-      <p:grpSpPr>
-        <a:xfrm>
-          <a:off x="0" y="0"/>
-          <a:ext cx="0" cy="0"/>
-          <a:chOff x="0" y="0"/>
-          <a:chExt cx="0" cy="0"/>
-        </a:xfrm>
-      </p:grpSpPr>
-      <p:sp>
-        <p:nvSpPr>
-          <p:cNvPr id="2" name="幻灯片图像占位符 1"/>
-          <p:cNvSpPr>
-            <a:spLocks noGrp="1" noRot="1" noChangeAspect="1"/>
-          </p:cNvSpPr>
-          <p:nvPr>
-            <p:ph type="sldImg"/>
-          </p:nvPr>
-        </p:nvSpPr>
-        <p:spPr/>
-      </p:sp>
-      <p:sp>
-        <p:nvSpPr>
-          <p:cNvPr id="3" name="备注占位符 2"/>
-          <p:cNvSpPr>
-            <a:spLocks noGrp="1"/>
-          </p:cNvSpPr>
-          <p:nvPr>
-            <p:ph type="body" idx="1"/>
-          </p:nvPr>
-        </p:nvSpPr>
-        <p:spPr/>
-        <p:txBody>
-          <a:bodyPr/>
-          <a:lstStyle/>
-          <a:p>
-            <a:endParaRPr lang="zh-CN" altLang="en-US" dirty="0"/>
-          </a:p>
-        </p:txBody>
-      </p:sp>
-      <p:sp>
-        <p:nvSpPr>
-          <p:cNvPr id="4" name="灯片编号占位符 3"/>
-          <p:cNvSpPr>
-            <a:spLocks noGrp="1"/>
-          </p:cNvSpPr>
-          <p:nvPr>
-            <p:ph type="sldNum" sz="quarter" idx="10"/>
-          </p:nvPr>
-        </p:nvSpPr>
-        <p:spPr/>
-        <p:txBody>
-          <a:bodyPr/>
-          <a:lstStyle/>
-          <a:p>
-            <a:pPr>
-              <a:defRPr/>
-            </a:pPr>
-            <a:fld id="{B77BF118-BAE7-4E81-85A3-64558548BCF5}" type="slidenum">
-              <a:rPr lang="en-US" altLang="zh-CN" smtClean="0"/>
-              <a:pPr>
-                <a:defRPr/>
-              </a:pPr>
-              <a:t>7</a:t>
-            </a:fld>
-            <a:endParaRPr lang="en-US" altLang="zh-CN"/>
-          </a:p>
-        </p:txBody>
-      </p:sp>
-    </p:spTree>
-    <p:extLst>
-      <p:ext uri="{BB962C8B-B14F-4D97-AF65-F5344CB8AC3E}">
-        <p14:creationId xmlns:p14="http://schemas.microsoft.com/office/powerpoint/2010/main" val="1417094149"/>
-      </p:ext>
-    </p:extLst>
-  </p:cSld>
-  <p:clrMapOvr>
-    <a:masterClrMapping/>
-  </p:clrMapOvr>
-</p:notes>
-</file>
-
-<file path=ppt/notesSlides/notesSlide2.xml><?xml version="1.0" encoding="utf-8"?>
-<p:notes xmlns:a="http://schemas.openxmlformats.org/drawingml/2006/main" xmlns:r="http://schemas.openxmlformats.org/officeDocument/2006/relationships" xmlns:p="http://schemas.openxmlformats.org/presentationml/2006/main">
-  <p:cSld>
-    <p:spTree>
-      <p:nvGrpSpPr>
-        <p:cNvPr id="1" name=""/>
-        <p:cNvGrpSpPr/>
-        <p:nvPr/>
-      </p:nvGrpSpPr>
-      <p:grpSpPr>
-        <a:xfrm>
-          <a:off x="0" y="0"/>
-          <a:ext cx="0" cy="0"/>
-          <a:chOff x="0" y="0"/>
-          <a:chExt cx="0" cy="0"/>
-        </a:xfrm>
-      </p:grpSpPr>
-      <p:sp>
-        <p:nvSpPr>
-          <p:cNvPr id="2" name="幻灯片图像占位符 1"/>
-          <p:cNvSpPr>
-            <a:spLocks noGrp="1" noRot="1" noChangeAspect="1"/>
-          </p:cNvSpPr>
-          <p:nvPr>
-            <p:ph type="sldImg"/>
-          </p:nvPr>
-        </p:nvSpPr>
-        <p:spPr/>
-      </p:sp>
-      <p:sp>
-        <p:nvSpPr>
-          <p:cNvPr id="3" name="备注占位符 2"/>
-          <p:cNvSpPr>
-            <a:spLocks noGrp="1"/>
-          </p:cNvSpPr>
-          <p:nvPr>
-            <p:ph type="body" idx="1"/>
-          </p:nvPr>
-        </p:nvSpPr>
-        <p:spPr/>
-        <p:txBody>
-          <a:bodyPr/>
-          <a:lstStyle/>
-          <a:p>
-            <a:endParaRPr lang="zh-CN" altLang="en-US" dirty="0"/>
-          </a:p>
-        </p:txBody>
-      </p:sp>
-      <p:sp>
-        <p:nvSpPr>
-          <p:cNvPr id="4" name="灯片编号占位符 3"/>
-          <p:cNvSpPr>
-            <a:spLocks noGrp="1"/>
-          </p:cNvSpPr>
-          <p:nvPr>
-            <p:ph type="sldNum" sz="quarter" idx="10"/>
-          </p:nvPr>
-        </p:nvSpPr>
-        <p:spPr/>
-        <p:txBody>
-          <a:bodyPr/>
-          <a:lstStyle/>
-          <a:p>
-            <a:pPr>
-              <a:defRPr/>
-            </a:pPr>
-            <a:fld id="{B77BF118-BAE7-4E81-85A3-64558548BCF5}" type="slidenum">
-              <a:rPr lang="en-US" altLang="zh-CN" smtClean="0"/>
-              <a:pPr>
-                <a:defRPr/>
-              </a:pPr>
-              <a:t>11</a:t>
-            </a:fld>
-            <a:endParaRPr lang="en-US" altLang="zh-CN"/>
-          </a:p>
-        </p:txBody>
-      </p:sp>
-    </p:spTree>
-    <p:extLst>
-      <p:ext uri="{BB962C8B-B14F-4D97-AF65-F5344CB8AC3E}">
-        <p14:creationId xmlns:p14="http://schemas.microsoft.com/office/powerpoint/2010/main" val="3249945757"/>
-      </p:ext>
-    </p:extLst>
-  </p:cSld>
-  <p:clrMapOvr>
-    <a:masterClrMapping/>
-  </p:clrMapOvr>
-</p:notes>
 </file>
 
 <file path=ppt/slideLayouts/slideLayout1.xml><?xml version="1.0" encoding="utf-8"?>
@@ -33271,7 +33093,7 @@
                 <a:buNone/>
                 <a:defRPr/>
               </a:pPr>
-              <a:t>2017/7/1</a:t>
+              <a:t>2017/7/2</a:t>
             </a:fld>
             <a:endParaRPr lang="en-US" altLang="zh-CN" sz="1200" dirty="0">
               <a:solidFill>
@@ -33788,7 +33610,7 @@
         <p:spPr>
           <a:xfrm>
             <a:off x="5228216" y="6024282"/>
-            <a:ext cx="2954655" cy="369332"/>
+            <a:ext cx="2723823" cy="369332"/>
           </a:xfrm>
           <a:prstGeom prst="rect">
             <a:avLst/>
@@ -33809,7 +33631,7 @@
                 <a:latin typeface="黑体" pitchFamily="49" charset="-122"/>
                 <a:ea typeface="黑体" pitchFamily="49" charset="-122"/>
               </a:rPr>
-              <a:t>2016-10-10  </a:t>
+              <a:t>2017-7-2  </a:t>
             </a:r>
             <a:r>
               <a:rPr lang="zh-CN" altLang="en-US" dirty="0" smtClean="0">
@@ -34035,148 +33857,171 @@
             <p:ph idx="1"/>
           </p:nvPr>
         </p:nvSpPr>
-        <p:spPr>
-          <a:xfrm>
-            <a:off x="200465" y="1164688"/>
-            <a:ext cx="8661400" cy="4902200"/>
-          </a:xfrm>
-        </p:spPr>
+        <p:spPr/>
         <p:txBody>
           <a:bodyPr/>
           <a:lstStyle/>
           <a:p>
-            <a:pPr>
-              <a:lnSpc>
-                <a:spcPct val="150000"/>
-              </a:lnSpc>
+            <a:pPr marL="354013" lvl="1" indent="-354013">
+              <a:buClr>
+                <a:srgbClr val="FBB030"/>
+              </a:buClr>
+              <a:buFont typeface="Wingdings" pitchFamily="2" charset="2"/>
+              <a:buChar char="l"/>
             </a:pPr>
             <a:r>
-              <a:rPr lang="zh-CN" altLang="en-US" sz="2400" dirty="0" smtClean="0"/>
-              <a:t>命名实体识别步骤</a:t>
+              <a:rPr lang="zh-CN" altLang="en-US" sz="2400" b="1" dirty="0" smtClean="0">
+                <a:solidFill>
+                  <a:schemeClr val="tx1"/>
+                </a:solidFill>
+                <a:cs typeface="微软雅黑" pitchFamily="34" charset="-122"/>
+              </a:rPr>
+              <a:t>复现</a:t>
             </a:r>
-            <a:endParaRPr lang="en-US" altLang="zh-CN" sz="2400" dirty="0" smtClean="0"/>
+            <a:r>
+              <a:rPr lang="en-US" altLang="zh-CN" sz="2400" b="1" dirty="0" smtClean="0">
+                <a:solidFill>
+                  <a:schemeClr val="tx1"/>
+                </a:solidFill>
+                <a:cs typeface="微软雅黑" pitchFamily="34" charset="-122"/>
+              </a:rPr>
+              <a:t>ACL 2016《End-to-end </a:t>
+            </a:r>
+            <a:r>
+              <a:rPr lang="en-US" altLang="zh-CN" sz="2400" b="1" dirty="0">
+                <a:solidFill>
+                  <a:schemeClr val="tx1"/>
+                </a:solidFill>
+                <a:cs typeface="微软雅黑" pitchFamily="34" charset="-122"/>
+              </a:rPr>
+              <a:t>Sequence Labeling via Bi-directional LSTM-CNNs-CRF </a:t>
+            </a:r>
+            <a:r>
+              <a:rPr lang="en-US" altLang="zh-CN" sz="2400" b="1" dirty="0" smtClean="0">
+                <a:solidFill>
+                  <a:schemeClr val="tx1"/>
+                </a:solidFill>
+                <a:cs typeface="微软雅黑" pitchFamily="34" charset="-122"/>
+              </a:rPr>
+              <a:t>》</a:t>
+            </a:r>
+            <a:endParaRPr lang="en-US" altLang="zh-CN" sz="2200" dirty="0"/>
           </a:p>
           <a:p>
-            <a:pPr lvl="1">
-              <a:lnSpc>
-                <a:spcPct val="150000"/>
-              </a:lnSpc>
+            <a:pPr marL="354013" lvl="1" indent="-354013">
+              <a:buClr>
+                <a:srgbClr val="FBB030"/>
+              </a:buClr>
+              <a:buFont typeface="Wingdings" pitchFamily="2" charset="2"/>
+              <a:buChar char="l"/>
+            </a:pPr>
+            <a:endParaRPr lang="en-US" altLang="zh-CN" sz="2400" b="1" dirty="0" smtClean="0">
+              <a:solidFill>
+                <a:schemeClr val="tx1"/>
+              </a:solidFill>
+              <a:cs typeface="微软雅黑" pitchFamily="34" charset="-122"/>
+            </a:endParaRPr>
+          </a:p>
+          <a:p>
+            <a:pPr marL="354013" lvl="1" indent="-354013">
+              <a:buClr>
+                <a:srgbClr val="FBB030"/>
+              </a:buClr>
+              <a:buFont typeface="Wingdings" pitchFamily="2" charset="2"/>
+              <a:buChar char="l"/>
+            </a:pPr>
+            <a:endParaRPr lang="en-US" altLang="zh-CN" sz="2400" b="1" dirty="0">
+              <a:solidFill>
+                <a:schemeClr val="tx1"/>
+              </a:solidFill>
+              <a:cs typeface="微软雅黑" pitchFamily="34" charset="-122"/>
+            </a:endParaRPr>
+          </a:p>
+          <a:p>
+            <a:pPr marL="354013" lvl="1" indent="-354013">
+              <a:buClr>
+                <a:srgbClr val="FBB030"/>
+              </a:buClr>
+              <a:buFont typeface="Wingdings" pitchFamily="2" charset="2"/>
+              <a:buChar char="l"/>
+            </a:pPr>
+            <a:endParaRPr lang="en-US" altLang="zh-CN" sz="2400" b="1" dirty="0" smtClean="0">
+              <a:solidFill>
+                <a:schemeClr val="tx1"/>
+              </a:solidFill>
+              <a:cs typeface="微软雅黑" pitchFamily="34" charset="-122"/>
+            </a:endParaRPr>
+          </a:p>
+          <a:p>
+            <a:pPr marL="354013" lvl="1" indent="-354013">
+              <a:buClr>
+                <a:srgbClr val="FBB030"/>
+              </a:buClr>
+              <a:buFont typeface="Wingdings" pitchFamily="2" charset="2"/>
+              <a:buChar char="l"/>
+            </a:pPr>
+            <a:endParaRPr lang="en-US" altLang="zh-CN" sz="2400" b="1" dirty="0">
+              <a:solidFill>
+                <a:schemeClr val="tx1"/>
+              </a:solidFill>
+              <a:cs typeface="微软雅黑" pitchFamily="34" charset="-122"/>
+            </a:endParaRPr>
+          </a:p>
+          <a:p>
+            <a:pPr marL="354013" lvl="1" indent="-354013">
+              <a:buClr>
+                <a:srgbClr val="FBB030"/>
+              </a:buClr>
+              <a:buFont typeface="Wingdings" pitchFamily="2" charset="2"/>
+              <a:buChar char="l"/>
+            </a:pPr>
+            <a:endParaRPr lang="en-US" altLang="zh-CN" sz="2400" b="1" dirty="0" smtClean="0">
+              <a:solidFill>
+                <a:schemeClr val="tx1"/>
+              </a:solidFill>
+              <a:cs typeface="微软雅黑" pitchFamily="34" charset="-122"/>
+            </a:endParaRPr>
+          </a:p>
+          <a:p>
+            <a:pPr marL="354013" lvl="1" indent="-354013">
+              <a:buClr>
+                <a:srgbClr val="FBB030"/>
+              </a:buClr>
+              <a:buFont typeface="Wingdings" pitchFamily="2" charset="2"/>
+              <a:buChar char="l"/>
+            </a:pPr>
+            <a:endParaRPr lang="en-US" altLang="zh-CN" sz="2400" b="1" dirty="0">
+              <a:solidFill>
+                <a:schemeClr val="tx1"/>
+              </a:solidFill>
+              <a:cs typeface="微软雅黑" pitchFamily="34" charset="-122"/>
+            </a:endParaRPr>
+          </a:p>
+          <a:p>
+            <a:pPr lvl="1"/>
+            <a:endParaRPr lang="en-US" altLang="zh-CN" sz="2000" dirty="0" smtClean="0">
+              <a:solidFill>
+                <a:schemeClr val="tx2"/>
+              </a:solidFill>
+            </a:endParaRPr>
+          </a:p>
+          <a:p>
+            <a:pPr marL="338138" lvl="1" indent="0">
+              <a:buNone/>
             </a:pPr>
             <a:r>
-              <a:rPr lang="zh-CN" altLang="en-US" sz="2200" dirty="0" smtClean="0"/>
-              <a:t>基础工作</a:t>
+              <a:rPr lang="en-US" altLang="zh-CN" sz="2000" dirty="0" smtClean="0">
+                <a:solidFill>
+                  <a:schemeClr val="tx2"/>
+                </a:solidFill>
+              </a:rPr>
+              <a:t>1</a:t>
             </a:r>
-            <a:endParaRPr lang="en-US" altLang="zh-CN" sz="2200" dirty="0" smtClean="0"/>
-          </a:p>
-          <a:p>
-            <a:pPr marL="795338" lvl="1" indent="-457200">
-              <a:lnSpc>
-                <a:spcPct val="150000"/>
-              </a:lnSpc>
-              <a:spcBef>
-                <a:spcPts val="0"/>
-              </a:spcBef>
-              <a:buFont typeface="+mj-lt"/>
-              <a:buAutoNum type="arabicPeriod"/>
-            </a:pPr>
-            <a:r>
-              <a:rPr lang="zh-CN" altLang="zh-CN" sz="2000" dirty="0" smtClean="0"/>
-              <a:t>对语料进行标注</a:t>
-            </a:r>
-            <a:endParaRPr lang="en-US" altLang="zh-CN" sz="2000" dirty="0" smtClean="0"/>
-          </a:p>
-          <a:p>
-            <a:pPr marL="795338" lvl="1" indent="-457200">
-              <a:lnSpc>
-                <a:spcPct val="150000"/>
-              </a:lnSpc>
-              <a:spcBef>
-                <a:spcPts val="0"/>
-              </a:spcBef>
-              <a:buFont typeface="+mj-lt"/>
-              <a:buAutoNum type="arabicPeriod"/>
-            </a:pPr>
-            <a:r>
-              <a:rPr lang="zh-CN" altLang="zh-CN" sz="2000" dirty="0" smtClean="0"/>
-              <a:t>利用</a:t>
-            </a:r>
-            <a:r>
-              <a:rPr lang="en-US" altLang="zh-CN" sz="2000" dirty="0" smtClean="0"/>
-              <a:t>Word2Vec</a:t>
-            </a:r>
-            <a:r>
-              <a:rPr lang="zh-CN" altLang="en-US" sz="2000" dirty="0" smtClean="0"/>
-              <a:t>进行</a:t>
-            </a:r>
-            <a:r>
-              <a:rPr lang="zh-CN" altLang="zh-CN" sz="2000" dirty="0" smtClean="0"/>
-              <a:t>词向量训练</a:t>
-            </a:r>
-            <a:endParaRPr lang="en-US" altLang="zh-CN" sz="2000" dirty="0"/>
-          </a:p>
-          <a:p>
-            <a:pPr lvl="1">
-              <a:lnSpc>
-                <a:spcPct val="150000"/>
-              </a:lnSpc>
-            </a:pPr>
-            <a:r>
-              <a:rPr lang="zh-CN" altLang="en-US" sz="2200" dirty="0"/>
-              <a:t>核心工作</a:t>
-            </a:r>
-            <a:endParaRPr lang="zh-CN" altLang="zh-CN" sz="2200" dirty="0"/>
-          </a:p>
-          <a:p>
-            <a:pPr marL="795338" lvl="1" indent="-457200">
-              <a:lnSpc>
-                <a:spcPct val="150000"/>
-              </a:lnSpc>
-              <a:spcBef>
-                <a:spcPts val="0"/>
-              </a:spcBef>
-              <a:buFont typeface="+mj-lt"/>
-              <a:buAutoNum type="arabicPeriod"/>
-            </a:pPr>
-            <a:r>
-              <a:rPr lang="zh-CN" altLang="en-US" sz="2000" dirty="0" smtClean="0"/>
-              <a:t>实现</a:t>
-            </a:r>
-            <a:r>
-              <a:rPr lang="zh-CN" altLang="zh-CN" sz="2000" dirty="0" smtClean="0"/>
-              <a:t>字符向量</a:t>
-            </a:r>
-            <a:r>
-              <a:rPr lang="zh-CN" altLang="en-US" sz="2000" dirty="0" smtClean="0"/>
-              <a:t>。</a:t>
-            </a:r>
-          </a:p>
-          <a:p>
-            <a:pPr marL="795338" lvl="1" indent="-457200">
-              <a:lnSpc>
-                <a:spcPct val="150000"/>
-              </a:lnSpc>
-              <a:buFont typeface="+mj-lt"/>
-              <a:buAutoNum type="arabicPeriod"/>
-            </a:pPr>
-            <a:r>
-              <a:rPr lang="zh-CN" altLang="en-US" sz="2000" dirty="0" smtClean="0"/>
-              <a:t>构造句级对数似然函数</a:t>
-            </a:r>
-            <a:endParaRPr lang="en-US" altLang="zh-CN" sz="2400" dirty="0"/>
-          </a:p>
-          <a:p>
-            <a:pPr marL="795338" lvl="1" indent="-457200">
-              <a:lnSpc>
-                <a:spcPct val="150000"/>
-              </a:lnSpc>
-              <a:buFont typeface="+mj-lt"/>
-              <a:buAutoNum type="arabicPeriod"/>
-            </a:pPr>
-            <a:r>
-              <a:rPr lang="zh-CN" altLang="en-US" sz="2000" dirty="0" smtClean="0"/>
-              <a:t>通过维特比算法进行预测</a:t>
-            </a:r>
-            <a:endParaRPr lang="en-US" altLang="zh-CN" sz="2000" dirty="0" smtClean="0"/>
+            <a:endParaRPr lang="zh-CN" altLang="en-US" sz="2000" dirty="0">
+              <a:solidFill>
+                <a:schemeClr val="tx2"/>
+              </a:solidFill>
+            </a:endParaRPr>
           </a:p>
         </p:txBody>
       </p:sp>
@@ -34201,12 +34046,8 @@
           <a:lstStyle/>
           <a:p>
             <a:r>
-              <a:rPr lang="zh-CN" altLang="zh-CN" sz="4000" b="1" dirty="0"/>
-              <a:t>研究</a:t>
-            </a:r>
-            <a:r>
-              <a:rPr lang="zh-CN" altLang="zh-CN" sz="4000" b="1" dirty="0" smtClean="0"/>
-              <a:t>方法</a:t>
+              <a:rPr lang="zh-CN" altLang="en-US" sz="4000" b="1" dirty="0" smtClean="0"/>
+              <a:t>后续工作</a:t>
             </a:r>
             <a:endParaRPr lang="zh-CN" altLang="en-US" sz="4000" b="1" dirty="0"/>
           </a:p>
@@ -34215,13 +34056,21 @@
     </p:spTree>
     <p:extLst>
       <p:ext uri="{BB962C8B-B14F-4D97-AF65-F5344CB8AC3E}">
-        <p14:creationId xmlns:p14="http://schemas.microsoft.com/office/powerpoint/2010/main" val="2124708282"/>
+        <p14:creationId xmlns:p14="http://schemas.microsoft.com/office/powerpoint/2010/main" val="3918246386"/>
       </p:ext>
     </p:extLst>
   </p:cSld>
   <p:clrMapOvr>
     <a:masterClrMapping/>
   </p:clrMapOvr>
+  <mc:AlternateContent xmlns:mc="http://schemas.openxmlformats.org/markup-compatibility/2006" xmlns:p14="http://schemas.microsoft.com/office/powerpoint/2010/main">
+    <mc:Choice Requires="p14">
+      <p:transition spd="slow" p14:dur="2000"/>
+    </mc:Choice>
+    <mc:Fallback xmlns="">
+      <p:transition spd="slow"/>
+    </mc:Fallback>
+  </mc:AlternateContent>
   <p:timing>
     <p:tnLst>
       <p:par>
@@ -34251,12 +34100,43 @@
       </p:grpSpPr>
       <p:sp>
         <p:nvSpPr>
-          <p:cNvPr id="2" name="内容占位符 1"/>
+          <p:cNvPr id="7" name="文本占位符 6"/>
           <p:cNvSpPr>
             <a:spLocks noGrp="1"/>
           </p:cNvSpPr>
           <p:nvPr>
-            <p:ph idx="1"/>
+            <p:ph type="body" idx="1"/>
+          </p:nvPr>
+        </p:nvSpPr>
+        <p:spPr/>
+        <p:txBody>
+          <a:bodyPr/>
+          <a:lstStyle/>
+          <a:p>
+            <a:r>
+              <a:rPr lang="en-US" altLang="zh-CN" sz="1400" b="0" dirty="0"/>
+              <a:t>dos Santos C N, </a:t>
+            </a:r>
+            <a:r>
+              <a:rPr lang="en-US" altLang="zh-CN" sz="1400" b="0" dirty="0" err="1"/>
+              <a:t>Zadrozny</a:t>
+            </a:r>
+            <a:r>
+              <a:rPr lang="en-US" altLang="zh-CN" sz="1400" b="0" dirty="0"/>
+              <a:t> B. Learning Character-level Representations for Part-of-Speech Tagging[C]//ICML. 2014: 1818-1826.</a:t>
+            </a:r>
+            <a:endParaRPr lang="zh-CN" altLang="en-US" sz="1400" b="0" dirty="0"/>
+          </a:p>
+        </p:txBody>
+      </p:sp>
+      <p:sp>
+        <p:nvSpPr>
+          <p:cNvPr id="8" name="内容占位符 7"/>
+          <p:cNvSpPr>
+            <a:spLocks noGrp="1"/>
+          </p:cNvSpPr>
+          <p:nvPr>
+            <p:ph sz="half" idx="2"/>
           </p:nvPr>
         </p:nvSpPr>
         <p:spPr/>
@@ -34272,174 +34152,139 @@
               <a:buChar char="l"/>
             </a:pPr>
             <a:r>
-              <a:rPr lang="zh-CN" altLang="zh-CN" sz="2400" b="1" dirty="0">
-                <a:solidFill>
-                  <a:schemeClr val="tx1"/>
-                </a:solidFill>
-                <a:cs typeface="微软雅黑" pitchFamily="34" charset="-122"/>
-              </a:rPr>
-              <a:t>对语料进行</a:t>
+              <a:rPr lang="en-US" altLang="zh-CN" dirty="0" err="1"/>
+              <a:t>CharWNN</a:t>
             </a:r>
             <a:r>
-              <a:rPr lang="zh-CN" altLang="zh-CN" sz="2400" b="1" dirty="0" smtClean="0">
-                <a:solidFill>
-                  <a:schemeClr val="tx1"/>
-                </a:solidFill>
-                <a:cs typeface="微软雅黑" pitchFamily="34" charset="-122"/>
-              </a:rPr>
-              <a:t>标注</a:t>
+              <a:rPr lang="en-US" altLang="zh-CN" dirty="0"/>
+              <a:t> </a:t>
             </a:r>
-            <a:endParaRPr lang="en-US" altLang="zh-CN" sz="2400" b="1" dirty="0">
-              <a:solidFill>
-                <a:schemeClr val="tx1"/>
-              </a:solidFill>
-              <a:cs typeface="微软雅黑" pitchFamily="34" charset="-122"/>
-            </a:endParaRPr>
+            <a:r>
+              <a:rPr lang="zh-CN" altLang="en-US" dirty="0"/>
+              <a:t>应用于 </a:t>
+            </a:r>
+            <a:r>
+              <a:rPr lang="en-US" altLang="zh-CN" dirty="0" smtClean="0"/>
+              <a:t>POS</a:t>
+            </a:r>
+            <a:endParaRPr lang="en-US" altLang="zh-CN" dirty="0"/>
           </a:p>
           <a:p>
-            <a:pPr lvl="1"/>
-            <a:r>
-              <a:rPr lang="zh-CN" altLang="en-US" sz="2200" dirty="0" smtClean="0"/>
-              <a:t>定义</a:t>
-            </a:r>
-            <a:r>
-              <a:rPr lang="zh-CN" altLang="en-US" sz="2200" dirty="0"/>
-              <a:t>了</a:t>
-            </a:r>
-            <a:r>
-              <a:rPr lang="en-US" altLang="zh-CN" sz="2200" dirty="0"/>
-              <a:t>13</a:t>
-            </a:r>
-            <a:r>
-              <a:rPr lang="zh-CN" altLang="en-US" sz="2200" dirty="0"/>
-              <a:t>种</a:t>
-            </a:r>
-            <a:r>
-              <a:rPr lang="zh-CN" altLang="en-US" sz="2200" dirty="0" smtClean="0"/>
-              <a:t>标记</a:t>
-            </a:r>
-            <a:endParaRPr lang="en-US" altLang="zh-CN" sz="2200" dirty="0" smtClean="0"/>
-          </a:p>
-          <a:p>
-            <a:pPr lvl="1"/>
-            <a:r>
-              <a:rPr lang="zh-CN" altLang="en-US" sz="2200" dirty="0" smtClean="0"/>
-              <a:t>通常采用</a:t>
-            </a:r>
-            <a:r>
-              <a:rPr lang="en-US" altLang="zh-CN" sz="2200" dirty="0" smtClean="0"/>
-              <a:t>IOBES</a:t>
-            </a:r>
-            <a:r>
-              <a:rPr lang="zh-CN" altLang="en-US" sz="2200" dirty="0" smtClean="0"/>
-              <a:t>进行标记</a:t>
-            </a:r>
-            <a:endParaRPr lang="en-US" altLang="zh-CN" sz="2200" dirty="0" smtClean="0"/>
-          </a:p>
-          <a:p>
-            <a:pPr lvl="1"/>
-            <a:r>
-              <a:rPr lang="zh-CN" altLang="en-US" sz="2200" dirty="0" smtClean="0"/>
-              <a:t>结合</a:t>
-            </a:r>
-            <a:r>
-              <a:rPr lang="en-US" altLang="zh-CN" sz="2200" dirty="0" smtClean="0"/>
-              <a:t>PERSON</a:t>
-            </a:r>
-            <a:r>
-              <a:rPr lang="zh-CN" altLang="en-US" sz="2200" dirty="0" smtClean="0"/>
-              <a:t>、</a:t>
-            </a:r>
-            <a:r>
-              <a:rPr lang="en-US" altLang="zh-CN" sz="2200" dirty="0" smtClean="0"/>
-              <a:t>LOCATION</a:t>
-            </a:r>
-            <a:r>
-              <a:rPr lang="zh-CN" altLang="en-US" sz="2200" dirty="0" smtClean="0"/>
-              <a:t>、</a:t>
-            </a:r>
-            <a:r>
-              <a:rPr lang="en-US" altLang="zh-CN" sz="2200" dirty="0" smtClean="0"/>
-              <a:t>ORG</a:t>
-            </a:r>
-          </a:p>
-          <a:p>
-            <a:pPr lvl="1"/>
-            <a:r>
-              <a:rPr lang="zh-CN" altLang="en-US" sz="2200" dirty="0" smtClean="0"/>
-              <a:t>形如</a:t>
-            </a:r>
-            <a:r>
-              <a:rPr lang="en-US" altLang="zh-CN" sz="2200" dirty="0" smtClean="0"/>
-              <a:t>B_X</a:t>
-            </a:r>
-            <a:r>
-              <a:rPr lang="zh-CN" altLang="en-US" sz="2200" dirty="0" smtClean="0"/>
-              <a:t>，</a:t>
-            </a:r>
-            <a:r>
-              <a:rPr lang="en-US" altLang="zh-CN" sz="2200" smtClean="0"/>
-              <a:t>X</a:t>
-            </a:r>
-            <a:r>
-              <a:rPr lang="zh-CN" altLang="en-US" sz="2200" smtClean="0"/>
-              <a:t>，</a:t>
-            </a:r>
-            <a:r>
-              <a:rPr lang="zh-CN" altLang="en-US" sz="2200" dirty="0" smtClean="0"/>
-              <a:t>如</a:t>
-            </a:r>
-            <a:endParaRPr lang="en-US" altLang="zh-CN" sz="2200" dirty="0" smtClean="0"/>
-          </a:p>
-          <a:p>
-            <a:pPr lvl="2"/>
-            <a:r>
-              <a:rPr lang="en-US" altLang="zh-CN" sz="2200" dirty="0" smtClean="0"/>
-              <a:t>B_PERSON:</a:t>
-            </a:r>
-            <a:r>
-              <a:rPr lang="zh-CN" altLang="en-US" sz="2200" dirty="0" smtClean="0"/>
-              <a:t>人名的开始；</a:t>
-            </a:r>
-            <a:endParaRPr lang="en-US" altLang="zh-CN" sz="2200" dirty="0" smtClean="0"/>
-          </a:p>
-          <a:p>
-            <a:pPr marL="914400" lvl="2" indent="0">
+            <a:pPr marL="0" indent="0">
               <a:buNone/>
             </a:pPr>
-            <a:endParaRPr lang="en-US" altLang="zh-CN" sz="2200" dirty="0" smtClean="0"/>
-          </a:p>
-          <a:p>
-            <a:pPr lvl="2"/>
-            <a:r>
-              <a:rPr lang="en-US" altLang="zh-CN" sz="2200" dirty="0" smtClean="0"/>
-              <a:t>LOCATION</a:t>
-            </a:r>
-            <a:r>
-              <a:rPr lang="zh-CN" altLang="en-US" sz="2200" dirty="0" smtClean="0"/>
-              <a:t>：单独的地名</a:t>
-            </a:r>
-            <a:endParaRPr lang="en-US" altLang="zh-CN" sz="2200" dirty="0" smtClean="0"/>
-          </a:p>
-          <a:p>
-            <a:pPr lvl="1"/>
-            <a:endParaRPr lang="en-US" altLang="zh-CN" sz="2000" dirty="0" smtClean="0"/>
-          </a:p>
-          <a:p>
-            <a:pPr marL="338138" lvl="1" indent="0">
-              <a:buNone/>
-            </a:pPr>
-            <a:endParaRPr lang="zh-CN" altLang="en-US" sz="2000" dirty="0">
-              <a:solidFill>
-                <a:schemeClr val="tx2"/>
-              </a:solidFill>
-            </a:endParaRPr>
+            <a:endParaRPr lang="zh-CN" altLang="en-US" dirty="0"/>
           </a:p>
         </p:txBody>
       </p:sp>
       <p:sp>
         <p:nvSpPr>
-          <p:cNvPr id="3" name="标题 2"/>
+          <p:cNvPr id="11" name="文本占位符 10"/>
+          <p:cNvSpPr>
+            <a:spLocks noGrp="1"/>
+          </p:cNvSpPr>
+          <p:nvPr>
+            <p:ph type="body" sz="quarter" idx="3"/>
+          </p:nvPr>
+        </p:nvSpPr>
+        <p:spPr>
+          <a:xfrm>
+            <a:off x="4645025" y="5011947"/>
+            <a:ext cx="4041775" cy="1147726"/>
+          </a:xfrm>
+        </p:spPr>
+        <p:txBody>
+          <a:bodyPr/>
+          <a:lstStyle/>
+          <a:p>
+            <a:r>
+              <a:rPr lang="en-US" altLang="zh-CN" sz="1400" b="0" dirty="0"/>
+              <a:t>dos Santos C, </a:t>
+            </a:r>
+            <a:r>
+              <a:rPr lang="en-US" altLang="zh-CN" sz="1400" b="0" dirty="0" err="1"/>
+              <a:t>Guimaraes</a:t>
+            </a:r>
+            <a:r>
+              <a:rPr lang="en-US" altLang="zh-CN" sz="1400" b="0" dirty="0"/>
+              <a:t> V, </a:t>
+            </a:r>
+            <a:r>
+              <a:rPr lang="en-US" altLang="zh-CN" sz="1400" b="0" dirty="0" err="1"/>
+              <a:t>Niterói</a:t>
+            </a:r>
+            <a:r>
+              <a:rPr lang="en-US" altLang="zh-CN" sz="1400" b="0" dirty="0"/>
+              <a:t> R J, et al. Boosting named entity recognition with neural character </a:t>
+            </a:r>
+            <a:r>
+              <a:rPr lang="en-US" altLang="zh-CN" sz="1400" b="0" dirty="0" err="1" smtClean="0"/>
+              <a:t>embeddings</a:t>
+            </a:r>
+            <a:r>
+              <a:rPr lang="en-US" altLang="zh-CN" sz="1400" b="0" dirty="0" smtClean="0"/>
+              <a:t>[C] //</a:t>
+            </a:r>
+            <a:r>
+              <a:rPr lang="en-US" altLang="zh-CN" sz="1400" b="0" dirty="0"/>
+              <a:t>Proceedings of NEWS 2015 The Fifth Named Entities Workshop. 2015: 25.</a:t>
+            </a:r>
+            <a:endParaRPr lang="zh-CN" altLang="en-US" sz="1400" b="0" dirty="0"/>
+          </a:p>
+        </p:txBody>
+      </p:sp>
+      <p:sp>
+        <p:nvSpPr>
+          <p:cNvPr id="12" name="内容占位符 11"/>
+          <p:cNvSpPr>
+            <a:spLocks noGrp="1"/>
+          </p:cNvSpPr>
+          <p:nvPr>
+            <p:ph sz="quarter" idx="4"/>
+          </p:nvPr>
+        </p:nvSpPr>
+        <p:spPr/>
+        <p:txBody>
+          <a:bodyPr/>
+          <a:lstStyle/>
+          <a:p>
+            <a:pPr marL="354013" lvl="1" indent="-354013">
+              <a:buClr>
+                <a:srgbClr val="FBB030"/>
+              </a:buClr>
+              <a:buFont typeface="Wingdings" pitchFamily="2" charset="2"/>
+              <a:buChar char="l"/>
+            </a:pPr>
+            <a:r>
+              <a:rPr lang="en-US" altLang="zh-CN" dirty="0" err="1"/>
+              <a:t>CharWNN</a:t>
+            </a:r>
+            <a:r>
+              <a:rPr lang="en-US" altLang="zh-CN" dirty="0"/>
+              <a:t> </a:t>
+            </a:r>
+            <a:r>
+              <a:rPr lang="zh-CN" altLang="en-US" dirty="0"/>
+              <a:t>应用于 </a:t>
+            </a:r>
+            <a:r>
+              <a:rPr lang="zh-CN" altLang="en-US" dirty="0" smtClean="0"/>
+              <a:t>西班牙、葡萄牙的</a:t>
+            </a:r>
+            <a:r>
+              <a:rPr lang="en-US" altLang="zh-CN" dirty="0" smtClean="0"/>
+              <a:t>NER</a:t>
+            </a:r>
+            <a:endParaRPr lang="en-US" altLang="zh-CN" dirty="0"/>
+          </a:p>
+          <a:p>
+            <a:endParaRPr lang="zh-CN" altLang="en-US" dirty="0"/>
+          </a:p>
+        </p:txBody>
+      </p:sp>
+      <p:sp>
+        <p:nvSpPr>
+          <p:cNvPr id="4" name="标题 3"/>
           <p:cNvSpPr>
             <a:spLocks noGrp="1"/>
           </p:cNvSpPr>
@@ -34458,16 +34303,44 @@
           <a:lstStyle/>
           <a:p>
             <a:r>
-              <a:rPr lang="zh-CN" altLang="zh-CN" sz="4000" b="1" dirty="0"/>
-              <a:t>研究方法</a:t>
+              <a:rPr lang="zh-CN" altLang="en-US" sz="4000" b="1" dirty="0"/>
+              <a:t>研究</a:t>
             </a:r>
-            <a:endParaRPr lang="zh-CN" altLang="en-US" sz="4000" b="1" dirty="0"/>
+            <a:r>
+              <a:rPr lang="zh-CN" altLang="en-US" sz="4000" b="1" dirty="0" smtClean="0"/>
+              <a:t>思路</a:t>
+            </a:r>
+            <a:endParaRPr lang="en-US" altLang="zh-CN" sz="4000" b="1" dirty="0"/>
           </a:p>
         </p:txBody>
       </p:sp>
       <p:pic>
         <p:nvPicPr>
-          <p:cNvPr id="4" name="图片 3"/>
+          <p:cNvPr id="13" name="图片 12"/>
+          <p:cNvPicPr>
+            <a:picLocks noChangeAspect="1"/>
+          </p:cNvPicPr>
+          <p:nvPr/>
+        </p:nvPicPr>
+        <p:blipFill>
+          <a:blip r:embed="rId2"/>
+          <a:stretch>
+            <a:fillRect/>
+          </a:stretch>
+        </p:blipFill>
+        <p:spPr>
+          <a:xfrm>
+            <a:off x="880897" y="1860509"/>
+            <a:ext cx="2807655" cy="3531001"/>
+          </a:xfrm>
+          <a:prstGeom prst="rect">
+            <a:avLst/>
+          </a:prstGeom>
+        </p:spPr>
+      </p:pic>
+      <p:pic>
+        <p:nvPicPr>
+          <p:cNvPr id="14" name="图片 13"/>
           <p:cNvPicPr>
             <a:picLocks noChangeAspect="1"/>
           </p:cNvPicPr>
@@ -34481,42 +34354,89 @@
         </p:blipFill>
         <p:spPr>
           <a:xfrm>
-            <a:off x="359230" y="4159367"/>
-            <a:ext cx="8626311" cy="466409"/>
+            <a:off x="4927878" y="2232837"/>
+            <a:ext cx="3630440" cy="2779109"/>
           </a:xfrm>
           <a:prstGeom prst="rect">
             <a:avLst/>
           </a:prstGeom>
         </p:spPr>
       </p:pic>
-      <p:pic>
-        <p:nvPicPr>
-          <p:cNvPr id="6" name="图片 5"/>
-          <p:cNvPicPr>
-            <a:picLocks noChangeAspect="1"/>
-          </p:cNvPicPr>
+      <p:sp>
+        <p:nvSpPr>
+          <p:cNvPr id="22" name="右箭头 21"/>
+          <p:cNvSpPr/>
           <p:nvPr/>
-        </p:nvPicPr>
-        <p:blipFill>
-          <a:blip r:embed="rId4"/>
-          <a:stretch>
-            <a:fillRect/>
-          </a:stretch>
-        </p:blipFill>
-        <p:spPr>
+        </p:nvSpPr>
+        <p:spPr bwMode="auto">
           <a:xfrm>
-            <a:off x="359230" y="5195655"/>
-            <a:ext cx="8178714" cy="485864"/>
+            <a:off x="3688552" y="3383693"/>
+            <a:ext cx="978408" cy="484632"/>
           </a:xfrm>
-          <a:prstGeom prst="rect">
+          <a:prstGeom prst="rightArrow">
             <a:avLst/>
           </a:prstGeom>
+          <a:ln>
+            <a:headEnd type="none" w="med" len="med"/>
+            <a:tailEnd type="none" w="med" len="med"/>
+          </a:ln>
         </p:spPr>
-      </p:pic>
+        <p:style>
+          <a:lnRef idx="2">
+            <a:schemeClr val="dk1"/>
+          </a:lnRef>
+          <a:fillRef idx="1">
+            <a:schemeClr val="lt1"/>
+          </a:fillRef>
+          <a:effectRef idx="0">
+            <a:schemeClr val="dk1"/>
+          </a:effectRef>
+          <a:fontRef idx="minor">
+            <a:schemeClr val="dk1"/>
+          </a:fontRef>
+        </p:style>
+        <p:txBody>
+          <a:bodyPr vert="horz" wrap="square" lIns="91440" tIns="45720" rIns="91440" bIns="45720" numCol="1" rtlCol="0" anchor="t" anchorCtr="0" compatLnSpc="1">
+            <a:prstTxWarp prst="textNoShape">
+              <a:avLst/>
+            </a:prstTxWarp>
+            <a:spAutoFit/>
+          </a:bodyPr>
+          <a:lstStyle/>
+          <a:p>
+            <a:pPr marL="355600" marR="0" indent="-355600" algn="l" defTabSz="914400" rtl="0" eaLnBrk="1" fontAlgn="base" latinLnBrk="0" hangingPunct="1">
+              <a:lnSpc>
+                <a:spcPct val="100000"/>
+              </a:lnSpc>
+              <a:spcBef>
+                <a:spcPct val="50000"/>
+              </a:spcBef>
+              <a:spcAft>
+                <a:spcPct val="0"/>
+              </a:spcAft>
+              <a:buClrTx/>
+              <a:buSzTx/>
+              <a:buFontTx/>
+              <a:buChar char="•"/>
+              <a:tabLst/>
+            </a:pPr>
+            <a:endParaRPr kumimoji="0" lang="zh-CN" altLang="en-US" sz="1800" b="0" i="0" u="none" strike="noStrike" cap="none" normalizeH="0" baseline="0" smtClean="0">
+              <a:ln>
+                <a:noFill/>
+              </a:ln>
+              <a:solidFill>
+                <a:srgbClr val="4D4D4D"/>
+              </a:solidFill>
+              <a:effectLst/>
+              <a:latin typeface="Segoe" pitchFamily="34" charset="0"/>
+            </a:endParaRPr>
+          </a:p>
+        </p:txBody>
+      </p:sp>
     </p:spTree>
     <p:extLst>
       <p:ext uri="{BB962C8B-B14F-4D97-AF65-F5344CB8AC3E}">
-        <p14:creationId xmlns:p14="http://schemas.microsoft.com/office/powerpoint/2010/main" val="1956889792"/>
+        <p14:creationId xmlns:p14="http://schemas.microsoft.com/office/powerpoint/2010/main" val="3022793416"/>
       </p:ext>
     </p:extLst>
   </p:cSld>
@@ -34752,8 +34672,8 @@
           <a:lstStyle/>
           <a:p>
             <a:r>
-              <a:rPr lang="zh-CN" altLang="zh-CN" sz="4000" b="1" dirty="0"/>
-              <a:t>研究方法</a:t>
+              <a:rPr lang="zh-CN" altLang="en-US" sz="4000" b="1" dirty="0" smtClean="0"/>
+              <a:t>方案和内容</a:t>
             </a:r>
             <a:endParaRPr lang="zh-CN" altLang="en-US" sz="4000" b="1" dirty="0"/>
           </a:p>
@@ -34784,13 +34704,21 @@
     </p:spTree>
     <p:extLst>
       <p:ext uri="{BB962C8B-B14F-4D97-AF65-F5344CB8AC3E}">
-        <p14:creationId xmlns:p14="http://schemas.microsoft.com/office/powerpoint/2010/main" val="771276642"/>
+        <p14:creationId xmlns:p14="http://schemas.microsoft.com/office/powerpoint/2010/main" val="690629313"/>
       </p:ext>
     </p:extLst>
   </p:cSld>
   <p:clrMapOvr>
     <a:masterClrMapping/>
   </p:clrMapOvr>
+  <mc:AlternateContent xmlns:mc="http://schemas.openxmlformats.org/markup-compatibility/2006">
+    <mc:Choice xmlns:p14="http://schemas.microsoft.com/office/powerpoint/2010/main" Requires="p14">
+      <p:transition spd="slow" p14:dur="2000"/>
+    </mc:Choice>
+    <mc:Fallback>
+      <p:transition spd="slow"/>
+    </mc:Fallback>
+  </mc:AlternateContent>
   <p:timing>
     <p:tnLst>
       <p:par>
@@ -34818,8 +34746,8 @@
           <a:chExt cx="0" cy="0"/>
         </a:xfrm>
       </p:grpSpPr>
-      <mc:AlternateContent xmlns:mc="http://schemas.openxmlformats.org/markup-compatibility/2006" xmlns:a14="http://schemas.microsoft.com/office/drawing/2010/main">
-        <mc:Choice Requires="a14">
+      <mc:AlternateContent xmlns:mc="http://schemas.openxmlformats.org/markup-compatibility/2006">
+        <mc:Choice xmlns:a14="http://schemas.microsoft.com/office/drawing/2010/main" Requires="a14">
           <p:sp>
             <p:nvSpPr>
               <p:cNvPr id="2" name="内容占位符 1"/>
@@ -36708,7 +36636,7 @@
             </p:txBody>
           </p:sp>
         </mc:Choice>
-        <mc:Fallback xmlns="">
+        <mc:Fallback>
           <p:sp>
             <p:nvSpPr>
               <p:cNvPr id="2" name="内容占位符 1"/>
@@ -36763,23 +36691,30 @@
           <a:lstStyle/>
           <a:p>
             <a:r>
-              <a:rPr lang="zh-CN" altLang="zh-CN" sz="4000" b="1" dirty="0"/>
-              <a:t>研究方法</a:t>
+              <a:rPr lang="zh-CN" altLang="en-US" sz="4000" b="1" dirty="0"/>
+              <a:t>方案和内容</a:t>
             </a:r>
-            <a:endParaRPr lang="zh-CN" altLang="en-US" sz="4000" b="1" dirty="0"/>
           </a:p>
         </p:txBody>
       </p:sp>
     </p:spTree>
     <p:extLst>
       <p:ext uri="{BB962C8B-B14F-4D97-AF65-F5344CB8AC3E}">
-        <p14:creationId xmlns:p14="http://schemas.microsoft.com/office/powerpoint/2010/main" val="3313936948"/>
+        <p14:creationId xmlns:p14="http://schemas.microsoft.com/office/powerpoint/2010/main" val="2437597420"/>
       </p:ext>
     </p:extLst>
   </p:cSld>
   <p:clrMapOvr>
     <a:masterClrMapping/>
   </p:clrMapOvr>
+  <mc:AlternateContent xmlns:mc="http://schemas.openxmlformats.org/markup-compatibility/2006">
+    <mc:Choice xmlns:p14="http://schemas.microsoft.com/office/powerpoint/2010/main" Requires="p14">
+      <p:transition spd="slow" p14:dur="2000"/>
+    </mc:Choice>
+    <mc:Fallback>
+      <p:transition spd="slow"/>
+    </mc:Fallback>
+  </mc:AlternateContent>
   <p:timing>
     <p:tnLst>
       <p:par>
@@ -36807,8 +36742,8 @@
           <a:chExt cx="0" cy="0"/>
         </a:xfrm>
       </p:grpSpPr>
-      <mc:AlternateContent xmlns:mc="http://schemas.openxmlformats.org/markup-compatibility/2006" xmlns:a14="http://schemas.microsoft.com/office/drawing/2010/main">
-        <mc:Choice Requires="a14">
+      <mc:AlternateContent xmlns:mc="http://schemas.openxmlformats.org/markup-compatibility/2006">
+        <mc:Choice xmlns:a14="http://schemas.microsoft.com/office/drawing/2010/main" Requires="a14">
           <p:sp>
             <p:nvSpPr>
               <p:cNvPr id="2" name="内容占位符 1"/>
@@ -37223,7 +37158,7 @@
             </p:txBody>
           </p:sp>
         </mc:Choice>
-        <mc:Fallback xmlns="">
+        <mc:Fallback>
           <p:sp>
             <p:nvSpPr>
               <p:cNvPr id="2" name="内容占位符 1"/>
@@ -37278,23 +37213,30 @@
           <a:lstStyle/>
           <a:p>
             <a:r>
-              <a:rPr lang="zh-CN" altLang="zh-CN" sz="4000" b="1" dirty="0"/>
-              <a:t>研究方法</a:t>
+              <a:rPr lang="zh-CN" altLang="en-US" sz="4000" b="1" dirty="0"/>
+              <a:t>方案和内容</a:t>
             </a:r>
-            <a:endParaRPr lang="zh-CN" altLang="en-US" sz="4000" b="1" dirty="0"/>
           </a:p>
         </p:txBody>
       </p:sp>
     </p:spTree>
     <p:extLst>
       <p:ext uri="{BB962C8B-B14F-4D97-AF65-F5344CB8AC3E}">
-        <p14:creationId xmlns:p14="http://schemas.microsoft.com/office/powerpoint/2010/main" val="3565819292"/>
+        <p14:creationId xmlns:p14="http://schemas.microsoft.com/office/powerpoint/2010/main" val="1622247061"/>
       </p:ext>
     </p:extLst>
   </p:cSld>
   <p:clrMapOvr>
     <a:masterClrMapping/>
   </p:clrMapOvr>
+  <mc:AlternateContent xmlns:mc="http://schemas.openxmlformats.org/markup-compatibility/2006">
+    <mc:Choice xmlns:p14="http://schemas.microsoft.com/office/powerpoint/2010/main" Requires="p14">
+      <p:transition spd="slow" p14:dur="2000"/>
+    </mc:Choice>
+    <mc:Fallback>
+      <p:transition spd="slow"/>
+    </mc:Fallback>
+  </mc:AlternateContent>
   <p:timing>
     <p:tnLst>
       <p:par>
@@ -37306,6 +37248,250 @@
 </file>
 
 <file path=ppt/slides/slide15.xml><?xml version="1.0" encoding="utf-8"?>
+<p:sld xmlns:a="http://schemas.openxmlformats.org/drawingml/2006/main" xmlns:r="http://schemas.openxmlformats.org/officeDocument/2006/relationships" xmlns:p="http://schemas.openxmlformats.org/presentationml/2006/main">
+  <p:cSld>
+    <p:spTree>
+      <p:nvGrpSpPr>
+        <p:cNvPr id="1" name=""/>
+        <p:cNvGrpSpPr/>
+        <p:nvPr/>
+      </p:nvGrpSpPr>
+      <p:grpSpPr>
+        <a:xfrm>
+          <a:off x="0" y="0"/>
+          <a:ext cx="0" cy="0"/>
+          <a:chOff x="0" y="0"/>
+          <a:chExt cx="0" cy="0"/>
+        </a:xfrm>
+      </p:grpSpPr>
+      <p:sp>
+        <p:nvSpPr>
+          <p:cNvPr id="2" name="内容占位符 1"/>
+          <p:cNvSpPr>
+            <a:spLocks noGrp="1"/>
+          </p:cNvSpPr>
+          <p:nvPr>
+            <p:ph idx="1"/>
+          </p:nvPr>
+        </p:nvSpPr>
+        <p:spPr/>
+        <p:txBody>
+          <a:bodyPr/>
+          <a:lstStyle/>
+          <a:p>
+            <a:pPr marL="354013" lvl="1" indent="-354013">
+              <a:buClr>
+                <a:srgbClr val="FBB030"/>
+              </a:buClr>
+              <a:buFont typeface="Wingdings" pitchFamily="2" charset="2"/>
+              <a:buChar char="l"/>
+            </a:pPr>
+            <a:r>
+              <a:rPr lang="zh-CN" altLang="en-US" sz="2400" b="1" dirty="0">
+                <a:solidFill>
+                  <a:schemeClr val="tx1"/>
+                </a:solidFill>
+                <a:cs typeface="微软雅黑" pitchFamily="34" charset="-122"/>
+              </a:rPr>
+              <a:t>启发</a:t>
+            </a:r>
+            <a:endParaRPr lang="en-US" altLang="zh-CN" sz="2400" b="1" dirty="0">
+              <a:solidFill>
+                <a:schemeClr val="tx1"/>
+              </a:solidFill>
+              <a:cs typeface="微软雅黑" pitchFamily="34" charset="-122"/>
+            </a:endParaRPr>
+          </a:p>
+          <a:p>
+            <a:pPr marL="873125" lvl="2"/>
+            <a:r>
+              <a:rPr lang="en-US" altLang="zh-CN" sz="2200" dirty="0"/>
+              <a:t>《Transfer Learning for Sequence Tagging with Hierarchical Recurrent Networks》</a:t>
+            </a:r>
+          </a:p>
+          <a:p>
+            <a:pPr marL="873125" lvl="2"/>
+            <a:r>
+              <a:rPr lang="zh-CN" altLang="en-US" sz="2200" dirty="0"/>
+              <a:t>迁移学习</a:t>
+            </a:r>
+            <a:endParaRPr lang="en-US" altLang="zh-CN" sz="2200" dirty="0"/>
+          </a:p>
+          <a:p>
+            <a:pPr marL="354013" lvl="1" indent="-354013">
+              <a:buClr>
+                <a:srgbClr val="FBB030"/>
+              </a:buClr>
+              <a:buFont typeface="Wingdings" pitchFamily="2" charset="2"/>
+              <a:buChar char="l"/>
+            </a:pPr>
+            <a:endParaRPr lang="en-US" altLang="zh-CN" sz="2400" b="1" dirty="0" smtClean="0">
+              <a:solidFill>
+                <a:schemeClr val="tx1"/>
+              </a:solidFill>
+              <a:cs typeface="微软雅黑" pitchFamily="34" charset="-122"/>
+            </a:endParaRPr>
+          </a:p>
+          <a:p>
+            <a:pPr marL="354013" lvl="1" indent="-354013">
+              <a:buClr>
+                <a:srgbClr val="FBB030"/>
+              </a:buClr>
+              <a:buFont typeface="Wingdings" pitchFamily="2" charset="2"/>
+              <a:buChar char="l"/>
+            </a:pPr>
+            <a:endParaRPr lang="en-US" altLang="zh-CN" sz="2400" b="1" dirty="0">
+              <a:solidFill>
+                <a:schemeClr val="tx1"/>
+              </a:solidFill>
+              <a:cs typeface="微软雅黑" pitchFamily="34" charset="-122"/>
+            </a:endParaRPr>
+          </a:p>
+          <a:p>
+            <a:pPr marL="354013" lvl="1" indent="-354013">
+              <a:buClr>
+                <a:srgbClr val="FBB030"/>
+              </a:buClr>
+              <a:buFont typeface="Wingdings" pitchFamily="2" charset="2"/>
+              <a:buChar char="l"/>
+            </a:pPr>
+            <a:endParaRPr lang="en-US" altLang="zh-CN" sz="2400" b="1" dirty="0" smtClean="0">
+              <a:solidFill>
+                <a:schemeClr val="tx1"/>
+              </a:solidFill>
+              <a:cs typeface="微软雅黑" pitchFamily="34" charset="-122"/>
+            </a:endParaRPr>
+          </a:p>
+          <a:p>
+            <a:pPr marL="354013" lvl="1" indent="-354013">
+              <a:buClr>
+                <a:srgbClr val="FBB030"/>
+              </a:buClr>
+              <a:buFont typeface="Wingdings" pitchFamily="2" charset="2"/>
+              <a:buChar char="l"/>
+            </a:pPr>
+            <a:endParaRPr lang="en-US" altLang="zh-CN" sz="2400" b="1" dirty="0">
+              <a:solidFill>
+                <a:schemeClr val="tx1"/>
+              </a:solidFill>
+              <a:cs typeface="微软雅黑" pitchFamily="34" charset="-122"/>
+            </a:endParaRPr>
+          </a:p>
+          <a:p>
+            <a:pPr marL="354013" lvl="1" indent="-354013">
+              <a:buClr>
+                <a:srgbClr val="FBB030"/>
+              </a:buClr>
+              <a:buFont typeface="Wingdings" pitchFamily="2" charset="2"/>
+              <a:buChar char="l"/>
+            </a:pPr>
+            <a:endParaRPr lang="en-US" altLang="zh-CN" sz="2400" b="1" dirty="0" smtClean="0">
+              <a:solidFill>
+                <a:schemeClr val="tx1"/>
+              </a:solidFill>
+              <a:cs typeface="微软雅黑" pitchFamily="34" charset="-122"/>
+            </a:endParaRPr>
+          </a:p>
+          <a:p>
+            <a:pPr marL="354013" lvl="1" indent="-354013">
+              <a:buClr>
+                <a:srgbClr val="FBB030"/>
+              </a:buClr>
+              <a:buFont typeface="Wingdings" pitchFamily="2" charset="2"/>
+              <a:buChar char="l"/>
+            </a:pPr>
+            <a:endParaRPr lang="en-US" altLang="zh-CN" sz="2400" b="1" dirty="0">
+              <a:solidFill>
+                <a:schemeClr val="tx1"/>
+              </a:solidFill>
+              <a:cs typeface="微软雅黑" pitchFamily="34" charset="-122"/>
+            </a:endParaRPr>
+          </a:p>
+          <a:p>
+            <a:pPr lvl="1"/>
+            <a:endParaRPr lang="en-US" altLang="zh-CN" sz="2000" dirty="0" smtClean="0">
+              <a:solidFill>
+                <a:schemeClr val="tx2"/>
+              </a:solidFill>
+            </a:endParaRPr>
+          </a:p>
+          <a:p>
+            <a:pPr marL="338138" lvl="1" indent="0">
+              <a:buNone/>
+            </a:pPr>
+            <a:r>
+              <a:rPr lang="en-US" altLang="zh-CN" sz="2000" dirty="0" smtClean="0">
+                <a:solidFill>
+                  <a:schemeClr val="tx2"/>
+                </a:solidFill>
+              </a:rPr>
+              <a:t>1</a:t>
+            </a:r>
+            <a:endParaRPr lang="zh-CN" altLang="en-US" sz="2000" dirty="0">
+              <a:solidFill>
+                <a:schemeClr val="tx2"/>
+              </a:solidFill>
+            </a:endParaRPr>
+          </a:p>
+        </p:txBody>
+      </p:sp>
+      <p:sp>
+        <p:nvSpPr>
+          <p:cNvPr id="3" name="标题 2"/>
+          <p:cNvSpPr>
+            <a:spLocks noGrp="1"/>
+          </p:cNvSpPr>
+          <p:nvPr>
+            <p:ph type="title"/>
+          </p:nvPr>
+        </p:nvSpPr>
+        <p:spPr>
+          <a:xfrm>
+            <a:off x="359230" y="188914"/>
+            <a:ext cx="5388427" cy="707886"/>
+          </a:xfrm>
+        </p:spPr>
+        <p:txBody>
+          <a:bodyPr/>
+          <a:lstStyle/>
+          <a:p>
+            <a:r>
+              <a:rPr lang="zh-CN" altLang="en-US" sz="4000" b="1" dirty="0" smtClean="0"/>
+              <a:t>后续工作</a:t>
+            </a:r>
+            <a:endParaRPr lang="zh-CN" altLang="en-US" sz="4000" b="1" dirty="0"/>
+          </a:p>
+        </p:txBody>
+      </p:sp>
+    </p:spTree>
+    <p:extLst>
+      <p:ext uri="{BB962C8B-B14F-4D97-AF65-F5344CB8AC3E}">
+        <p14:creationId xmlns:p14="http://schemas.microsoft.com/office/powerpoint/2010/main" val="3396553735"/>
+      </p:ext>
+    </p:extLst>
+  </p:cSld>
+  <p:clrMapOvr>
+    <a:masterClrMapping/>
+  </p:clrMapOvr>
+  <mc:AlternateContent xmlns:mc="http://schemas.openxmlformats.org/markup-compatibility/2006">
+    <mc:Choice xmlns:p14="http://schemas.microsoft.com/office/powerpoint/2010/main" Requires="p14">
+      <p:transition spd="slow" p14:dur="2000"/>
+    </mc:Choice>
+    <mc:Fallback>
+      <p:transition spd="slow"/>
+    </mc:Fallback>
+  </mc:AlternateContent>
+  <p:timing>
+    <p:tnLst>
+      <p:par>
+        <p:cTn id="1" dur="indefinite" restart="never" nodeType="tmRoot"/>
+      </p:par>
+    </p:tnLst>
+  </p:timing>
+</p:sld>
+</file>
+
+<file path=ppt/slides/slide16.xml><?xml version="1.0" encoding="utf-8"?>
 <p:sld xmlns:a="http://schemas.openxmlformats.org/drawingml/2006/main" xmlns:r="http://schemas.openxmlformats.org/officeDocument/2006/relationships" xmlns:p="http://schemas.openxmlformats.org/presentationml/2006/main">
   <p:cSld>
     <p:spTree>
@@ -37350,49 +37536,1414 @@
           </a:p>
         </p:txBody>
       </p:sp>
-      <p:sp>
-        <p:nvSpPr>
-          <p:cNvPr id="2" name="内容占位符 1"/>
-          <p:cNvSpPr>
-            <a:spLocks noGrp="1"/>
-          </p:cNvSpPr>
+      <p:graphicFrame>
+        <p:nvGraphicFramePr>
+          <p:cNvPr id="4" name="内容占位符 3"/>
+          <p:cNvGraphicFramePr>
+            <a:graphicFrameLocks noGrp="1"/>
+          </p:cNvGraphicFramePr>
           <p:nvPr>
             <p:ph idx="1"/>
+            <p:extLst>
+              <p:ext uri="{D42A27DB-BD31-4B8C-83A1-F6EECF244321}">
+                <p14:modId xmlns:p14="http://schemas.microsoft.com/office/powerpoint/2010/main" val="3316475263"/>
+              </p:ext>
+            </p:extLst>
           </p:nvPr>
-        </p:nvSpPr>
-        <p:spPr/>
-        <p:txBody>
-          <a:bodyPr/>
-          <a:lstStyle/>
-          <a:p>
-            <a:endParaRPr lang="zh-CN" altLang="en-US"/>
-          </a:p>
-        </p:txBody>
-      </p:sp>
-      <p:pic>
-        <p:nvPicPr>
-          <p:cNvPr id="6" name="图片 5"/>
-          <p:cNvPicPr>
-            <a:picLocks noChangeAspect="1"/>
-          </p:cNvPicPr>
-          <p:nvPr/>
-        </p:nvPicPr>
-        <p:blipFill>
-          <a:blip r:embed="rId2"/>
-          <a:stretch>
-            <a:fillRect/>
-          </a:stretch>
-        </p:blipFill>
-        <p:spPr>
-          <a:xfrm>
-            <a:off x="359230" y="1450077"/>
-            <a:ext cx="6705600" cy="4686300"/>
-          </a:xfrm>
-          <a:prstGeom prst="rect">
-            <a:avLst/>
-          </a:prstGeom>
-        </p:spPr>
-      </p:pic>
+        </p:nvGraphicFramePr>
+        <p:xfrm>
+          <a:off x="1076952" y="1620109"/>
+          <a:ext cx="6990097" cy="4634936"/>
+        </p:xfrm>
+        <a:graphic>
+          <a:graphicData uri="http://schemas.openxmlformats.org/drawingml/2006/table">
+            <a:tbl>
+              <a:tblPr firstRow="1" firstCol="1" bandRow="1">
+                <a:tableStyleId>{5C22544A-7EE6-4342-B048-85BDC9FD1C3A}</a:tableStyleId>
+              </a:tblPr>
+              <a:tblGrid>
+                <a:gridCol w="670321"/>
+                <a:gridCol w="2902886"/>
+                <a:gridCol w="3416890"/>
+              </a:tblGrid>
+              <a:tr h="301905">
+                <a:tc>
+                  <a:txBody>
+                    <a:bodyPr/>
+                    <a:lstStyle/>
+                    <a:p>
+                      <a:pPr algn="just">
+                        <a:lnSpc>
+                          <a:spcPct val="150000"/>
+                        </a:lnSpc>
+                        <a:spcAft>
+                          <a:spcPts val="0"/>
+                        </a:spcAft>
+                      </a:pPr>
+                      <a:r>
+                        <a:rPr lang="zh-CN" sz="1600" kern="100" dirty="0">
+                          <a:effectLst/>
+                          <a:latin typeface="Times New Roman" panose="02020603050405020304" pitchFamily="18" charset="0"/>
+                          <a:cs typeface="Times New Roman" panose="02020603050405020304" pitchFamily="18" charset="0"/>
+                        </a:rPr>
+                        <a:t>序号</a:t>
+                      </a:r>
+                      <a:endParaRPr lang="zh-CN" sz="1600" kern="100" dirty="0">
+                        <a:effectLst/>
+                        <a:latin typeface="Times New Roman" panose="02020603050405020304" pitchFamily="18" charset="0"/>
+                        <a:ea typeface="宋体" panose="02010600030101010101" pitchFamily="2" charset="-122"/>
+                        <a:cs typeface="Times New Roman" panose="02020603050405020304" pitchFamily="18" charset="0"/>
+                      </a:endParaRPr>
+                    </a:p>
+                  </a:txBody>
+                  <a:tcPr marL="68580" marR="68580" marT="0" marB="0"/>
+                </a:tc>
+                <a:tc>
+                  <a:txBody>
+                    <a:bodyPr/>
+                    <a:lstStyle/>
+                    <a:p>
+                      <a:pPr algn="ctr">
+                        <a:lnSpc>
+                          <a:spcPct val="150000"/>
+                        </a:lnSpc>
+                        <a:spcAft>
+                          <a:spcPts val="0"/>
+                        </a:spcAft>
+                      </a:pPr>
+                      <a:r>
+                        <a:rPr lang="zh-CN" sz="1600" kern="0">
+                          <a:effectLst/>
+                          <a:latin typeface="Times New Roman" panose="02020603050405020304" pitchFamily="18" charset="0"/>
+                          <a:cs typeface="Times New Roman" panose="02020603050405020304" pitchFamily="18" charset="0"/>
+                        </a:rPr>
+                        <a:t>时间</a:t>
+                      </a:r>
+                      <a:endParaRPr lang="zh-CN" sz="1600" kern="100">
+                        <a:effectLst/>
+                        <a:latin typeface="Times New Roman" panose="02020603050405020304" pitchFamily="18" charset="0"/>
+                        <a:ea typeface="宋体" panose="02010600030101010101" pitchFamily="2" charset="-122"/>
+                        <a:cs typeface="Times New Roman" panose="02020603050405020304" pitchFamily="18" charset="0"/>
+                      </a:endParaRPr>
+                    </a:p>
+                  </a:txBody>
+                  <a:tcPr marL="68580" marR="68580" marT="0" marB="0" anchor="ctr"/>
+                </a:tc>
+                <a:tc>
+                  <a:txBody>
+                    <a:bodyPr/>
+                    <a:lstStyle/>
+                    <a:p>
+                      <a:pPr algn="ctr">
+                        <a:lnSpc>
+                          <a:spcPct val="150000"/>
+                        </a:lnSpc>
+                        <a:spcAft>
+                          <a:spcPts val="0"/>
+                        </a:spcAft>
+                      </a:pPr>
+                      <a:r>
+                        <a:rPr lang="zh-CN" sz="1600" kern="0">
+                          <a:effectLst/>
+                          <a:latin typeface="Times New Roman" panose="02020603050405020304" pitchFamily="18" charset="0"/>
+                          <a:cs typeface="Times New Roman" panose="02020603050405020304" pitchFamily="18" charset="0"/>
+                        </a:rPr>
+                        <a:t>任务</a:t>
+                      </a:r>
+                      <a:endParaRPr lang="zh-CN" sz="1600" kern="100">
+                        <a:effectLst/>
+                        <a:latin typeface="Times New Roman" panose="02020603050405020304" pitchFamily="18" charset="0"/>
+                        <a:ea typeface="宋体" panose="02010600030101010101" pitchFamily="2" charset="-122"/>
+                        <a:cs typeface="Times New Roman" panose="02020603050405020304" pitchFamily="18" charset="0"/>
+                      </a:endParaRPr>
+                    </a:p>
+                  </a:txBody>
+                  <a:tcPr marL="68580" marR="68580" marT="0" marB="0" anchor="ctr"/>
+                </a:tc>
+              </a:tr>
+              <a:tr h="301905">
+                <a:tc>
+                  <a:txBody>
+                    <a:bodyPr/>
+                    <a:lstStyle/>
+                    <a:p>
+                      <a:pPr algn="just">
+                        <a:lnSpc>
+                          <a:spcPct val="150000"/>
+                        </a:lnSpc>
+                        <a:spcAft>
+                          <a:spcPts val="0"/>
+                        </a:spcAft>
+                      </a:pPr>
+                      <a:r>
+                        <a:rPr lang="en-US" sz="1600" kern="100">
+                          <a:effectLst/>
+                          <a:latin typeface="Times New Roman" panose="02020603050405020304" pitchFamily="18" charset="0"/>
+                          <a:cs typeface="Times New Roman" panose="02020603050405020304" pitchFamily="18" charset="0"/>
+                        </a:rPr>
+                        <a:t>1</a:t>
+                      </a:r>
+                      <a:endParaRPr lang="zh-CN" sz="1600" kern="100">
+                        <a:effectLst/>
+                        <a:latin typeface="Times New Roman" panose="02020603050405020304" pitchFamily="18" charset="0"/>
+                        <a:ea typeface="宋体" panose="02010600030101010101" pitchFamily="2" charset="-122"/>
+                        <a:cs typeface="Times New Roman" panose="02020603050405020304" pitchFamily="18" charset="0"/>
+                      </a:endParaRPr>
+                    </a:p>
+                  </a:txBody>
+                  <a:tcPr marL="68580" marR="68580" marT="0" marB="0"/>
+                </a:tc>
+                <a:tc>
+                  <a:txBody>
+                    <a:bodyPr/>
+                    <a:lstStyle/>
+                    <a:p>
+                      <a:pPr algn="just">
+                        <a:lnSpc>
+                          <a:spcPct val="150000"/>
+                        </a:lnSpc>
+                        <a:spcAft>
+                          <a:spcPts val="0"/>
+                        </a:spcAft>
+                      </a:pPr>
+                      <a:r>
+                        <a:rPr lang="en-US" sz="1600" kern="0" dirty="0">
+                          <a:effectLst/>
+                          <a:latin typeface="Times New Roman" panose="02020603050405020304" pitchFamily="18" charset="0"/>
+                          <a:cs typeface="Times New Roman" panose="02020603050405020304" pitchFamily="18" charset="0"/>
+                        </a:rPr>
+                        <a:t>2016</a:t>
+                      </a:r>
+                      <a:r>
+                        <a:rPr lang="zh-CN" sz="1600" kern="0" dirty="0">
+                          <a:effectLst/>
+                          <a:latin typeface="Times New Roman" panose="02020603050405020304" pitchFamily="18" charset="0"/>
+                          <a:cs typeface="Times New Roman" panose="02020603050405020304" pitchFamily="18" charset="0"/>
+                        </a:rPr>
+                        <a:t>年</a:t>
+                      </a:r>
+                      <a:r>
+                        <a:rPr lang="en-US" sz="1600" kern="0" dirty="0">
+                          <a:effectLst/>
+                          <a:latin typeface="Times New Roman" panose="02020603050405020304" pitchFamily="18" charset="0"/>
+                          <a:cs typeface="Times New Roman" panose="02020603050405020304" pitchFamily="18" charset="0"/>
+                        </a:rPr>
+                        <a:t>09</a:t>
+                      </a:r>
+                      <a:r>
+                        <a:rPr lang="zh-CN" sz="1600" kern="0" dirty="0">
+                          <a:effectLst/>
+                          <a:latin typeface="Times New Roman" panose="02020603050405020304" pitchFamily="18" charset="0"/>
+                          <a:cs typeface="Times New Roman" panose="02020603050405020304" pitchFamily="18" charset="0"/>
+                        </a:rPr>
+                        <a:t>月—</a:t>
+                      </a:r>
+                      <a:r>
+                        <a:rPr lang="en-US" sz="1600" kern="0" dirty="0">
+                          <a:effectLst/>
+                          <a:latin typeface="Times New Roman" panose="02020603050405020304" pitchFamily="18" charset="0"/>
+                          <a:cs typeface="Times New Roman" panose="02020603050405020304" pitchFamily="18" charset="0"/>
+                        </a:rPr>
+                        <a:t>2016</a:t>
+                      </a:r>
+                      <a:r>
+                        <a:rPr lang="zh-CN" sz="1600" kern="0" dirty="0">
+                          <a:effectLst/>
+                          <a:latin typeface="Times New Roman" panose="02020603050405020304" pitchFamily="18" charset="0"/>
+                          <a:cs typeface="Times New Roman" panose="02020603050405020304" pitchFamily="18" charset="0"/>
+                        </a:rPr>
+                        <a:t>年</a:t>
+                      </a:r>
+                      <a:r>
+                        <a:rPr lang="en-US" sz="1600" kern="0" dirty="0">
+                          <a:effectLst/>
+                          <a:latin typeface="Times New Roman" panose="02020603050405020304" pitchFamily="18" charset="0"/>
+                          <a:cs typeface="Times New Roman" panose="02020603050405020304" pitchFamily="18" charset="0"/>
+                        </a:rPr>
+                        <a:t>10</a:t>
+                      </a:r>
+                      <a:r>
+                        <a:rPr lang="zh-CN" sz="1600" kern="0" dirty="0">
+                          <a:effectLst/>
+                          <a:latin typeface="Times New Roman" panose="02020603050405020304" pitchFamily="18" charset="0"/>
+                          <a:cs typeface="Times New Roman" panose="02020603050405020304" pitchFamily="18" charset="0"/>
+                        </a:rPr>
+                        <a:t>月</a:t>
+                      </a:r>
+                      <a:endParaRPr lang="zh-CN" sz="1600" kern="100" dirty="0">
+                        <a:effectLst/>
+                        <a:latin typeface="Times New Roman" panose="02020603050405020304" pitchFamily="18" charset="0"/>
+                        <a:ea typeface="宋体" panose="02010600030101010101" pitchFamily="2" charset="-122"/>
+                        <a:cs typeface="Times New Roman" panose="02020603050405020304" pitchFamily="18" charset="0"/>
+                      </a:endParaRPr>
+                    </a:p>
+                  </a:txBody>
+                  <a:tcPr marL="68580" marR="68580" marT="0" marB="0" anchor="ctr"/>
+                </a:tc>
+                <a:tc>
+                  <a:txBody>
+                    <a:bodyPr/>
+                    <a:lstStyle/>
+                    <a:p>
+                      <a:pPr algn="just">
+                        <a:lnSpc>
+                          <a:spcPct val="150000"/>
+                        </a:lnSpc>
+                        <a:spcAft>
+                          <a:spcPts val="0"/>
+                        </a:spcAft>
+                      </a:pPr>
+                      <a:r>
+                        <a:rPr lang="zh-CN" sz="1600" kern="0">
+                          <a:effectLst/>
+                          <a:latin typeface="Times New Roman" panose="02020603050405020304" pitchFamily="18" charset="0"/>
+                          <a:cs typeface="Times New Roman" panose="02020603050405020304" pitchFamily="18" charset="0"/>
+                        </a:rPr>
+                        <a:t>阅读文献和查阅资料</a:t>
+                      </a:r>
+                      <a:endParaRPr lang="zh-CN" sz="1600" kern="100">
+                        <a:effectLst/>
+                        <a:latin typeface="Times New Roman" panose="02020603050405020304" pitchFamily="18" charset="0"/>
+                        <a:ea typeface="宋体" panose="02010600030101010101" pitchFamily="2" charset="-122"/>
+                        <a:cs typeface="Times New Roman" panose="02020603050405020304" pitchFamily="18" charset="0"/>
+                      </a:endParaRPr>
+                    </a:p>
+                  </a:txBody>
+                  <a:tcPr marL="68580" marR="68580" marT="0" marB="0" anchor="ctr"/>
+                </a:tc>
+              </a:tr>
+              <a:tr h="301905">
+                <a:tc>
+                  <a:txBody>
+                    <a:bodyPr/>
+                    <a:lstStyle/>
+                    <a:p>
+                      <a:pPr algn="just">
+                        <a:lnSpc>
+                          <a:spcPct val="150000"/>
+                        </a:lnSpc>
+                        <a:spcAft>
+                          <a:spcPts val="0"/>
+                        </a:spcAft>
+                      </a:pPr>
+                      <a:r>
+                        <a:rPr lang="en-US" sz="1600" kern="100">
+                          <a:effectLst/>
+                          <a:latin typeface="Times New Roman" panose="02020603050405020304" pitchFamily="18" charset="0"/>
+                          <a:cs typeface="Times New Roman" panose="02020603050405020304" pitchFamily="18" charset="0"/>
+                        </a:rPr>
+                        <a:t>2</a:t>
+                      </a:r>
+                      <a:endParaRPr lang="zh-CN" sz="1600" kern="100">
+                        <a:effectLst/>
+                        <a:latin typeface="Times New Roman" panose="02020603050405020304" pitchFamily="18" charset="0"/>
+                        <a:ea typeface="宋体" panose="02010600030101010101" pitchFamily="2" charset="-122"/>
+                        <a:cs typeface="Times New Roman" panose="02020603050405020304" pitchFamily="18" charset="0"/>
+                      </a:endParaRPr>
+                    </a:p>
+                  </a:txBody>
+                  <a:tcPr marL="68580" marR="68580" marT="0" marB="0"/>
+                </a:tc>
+                <a:tc>
+                  <a:txBody>
+                    <a:bodyPr/>
+                    <a:lstStyle/>
+                    <a:p>
+                      <a:pPr algn="just">
+                        <a:lnSpc>
+                          <a:spcPct val="150000"/>
+                        </a:lnSpc>
+                        <a:spcAft>
+                          <a:spcPts val="0"/>
+                        </a:spcAft>
+                      </a:pPr>
+                      <a:r>
+                        <a:rPr lang="en-US" sz="1600" kern="0" dirty="0">
+                          <a:effectLst/>
+                          <a:latin typeface="Times New Roman" panose="02020603050405020304" pitchFamily="18" charset="0"/>
+                          <a:cs typeface="Times New Roman" panose="02020603050405020304" pitchFamily="18" charset="0"/>
+                        </a:rPr>
+                        <a:t>2016</a:t>
+                      </a:r>
+                      <a:r>
+                        <a:rPr lang="zh-CN" sz="1600" kern="0" dirty="0">
+                          <a:effectLst/>
+                          <a:latin typeface="Times New Roman" panose="02020603050405020304" pitchFamily="18" charset="0"/>
+                          <a:cs typeface="Times New Roman" panose="02020603050405020304" pitchFamily="18" charset="0"/>
+                        </a:rPr>
+                        <a:t>年</a:t>
+                      </a:r>
+                      <a:r>
+                        <a:rPr lang="en-US" sz="1600" kern="0" dirty="0">
+                          <a:effectLst/>
+                          <a:latin typeface="Times New Roman" panose="02020603050405020304" pitchFamily="18" charset="0"/>
+                          <a:cs typeface="Times New Roman" panose="02020603050405020304" pitchFamily="18" charset="0"/>
+                        </a:rPr>
+                        <a:t>11</a:t>
+                      </a:r>
+                      <a:r>
+                        <a:rPr lang="zh-CN" sz="1600" kern="0" dirty="0">
+                          <a:effectLst/>
+                          <a:latin typeface="Times New Roman" panose="02020603050405020304" pitchFamily="18" charset="0"/>
+                          <a:cs typeface="Times New Roman" panose="02020603050405020304" pitchFamily="18" charset="0"/>
+                        </a:rPr>
+                        <a:t>月</a:t>
+                      </a:r>
+                      <a:endParaRPr lang="zh-CN" sz="1600" kern="100" dirty="0">
+                        <a:effectLst/>
+                        <a:latin typeface="Times New Roman" panose="02020603050405020304" pitchFamily="18" charset="0"/>
+                        <a:ea typeface="宋体" panose="02010600030101010101" pitchFamily="2" charset="-122"/>
+                        <a:cs typeface="Times New Roman" panose="02020603050405020304" pitchFamily="18" charset="0"/>
+                      </a:endParaRPr>
+                    </a:p>
+                  </a:txBody>
+                  <a:tcPr marL="68580" marR="68580" marT="0" marB="0" anchor="ctr"/>
+                </a:tc>
+                <a:tc>
+                  <a:txBody>
+                    <a:bodyPr/>
+                    <a:lstStyle/>
+                    <a:p>
+                      <a:pPr algn="just">
+                        <a:lnSpc>
+                          <a:spcPct val="150000"/>
+                        </a:lnSpc>
+                        <a:spcAft>
+                          <a:spcPts val="0"/>
+                        </a:spcAft>
+                      </a:pPr>
+                      <a:r>
+                        <a:rPr lang="zh-CN" sz="1600" kern="0">
+                          <a:effectLst/>
+                          <a:latin typeface="Times New Roman" panose="02020603050405020304" pitchFamily="18" charset="0"/>
+                          <a:cs typeface="Times New Roman" panose="02020603050405020304" pitchFamily="18" charset="0"/>
+                        </a:rPr>
+                        <a:t>方案设计</a:t>
+                      </a:r>
+                      <a:endParaRPr lang="zh-CN" sz="1600" kern="100">
+                        <a:effectLst/>
+                        <a:latin typeface="Times New Roman" panose="02020603050405020304" pitchFamily="18" charset="0"/>
+                        <a:ea typeface="宋体" panose="02010600030101010101" pitchFamily="2" charset="-122"/>
+                        <a:cs typeface="Times New Roman" panose="02020603050405020304" pitchFamily="18" charset="0"/>
+                      </a:endParaRPr>
+                    </a:p>
+                  </a:txBody>
+                  <a:tcPr marL="68580" marR="68580" marT="0" marB="0" anchor="ctr"/>
+                </a:tc>
+              </a:tr>
+              <a:tr h="647579">
+                <a:tc>
+                  <a:txBody>
+                    <a:bodyPr/>
+                    <a:lstStyle/>
+                    <a:p>
+                      <a:pPr algn="just">
+                        <a:lnSpc>
+                          <a:spcPct val="150000"/>
+                        </a:lnSpc>
+                        <a:spcAft>
+                          <a:spcPts val="0"/>
+                        </a:spcAft>
+                      </a:pPr>
+                      <a:r>
+                        <a:rPr lang="en-US" sz="1600" kern="100">
+                          <a:effectLst/>
+                          <a:latin typeface="Times New Roman" panose="02020603050405020304" pitchFamily="18" charset="0"/>
+                          <a:cs typeface="Times New Roman" panose="02020603050405020304" pitchFamily="18" charset="0"/>
+                        </a:rPr>
+                        <a:t>3</a:t>
+                      </a:r>
+                      <a:endParaRPr lang="zh-CN" sz="1600" kern="100">
+                        <a:effectLst/>
+                        <a:latin typeface="Times New Roman" panose="02020603050405020304" pitchFamily="18" charset="0"/>
+                        <a:ea typeface="宋体" panose="02010600030101010101" pitchFamily="2" charset="-122"/>
+                        <a:cs typeface="Times New Roman" panose="02020603050405020304" pitchFamily="18" charset="0"/>
+                      </a:endParaRPr>
+                    </a:p>
+                  </a:txBody>
+                  <a:tcPr marL="68580" marR="68580" marT="0" marB="0"/>
+                </a:tc>
+                <a:tc>
+                  <a:txBody>
+                    <a:bodyPr/>
+                    <a:lstStyle/>
+                    <a:p>
+                      <a:pPr algn="just">
+                        <a:lnSpc>
+                          <a:spcPct val="150000"/>
+                        </a:lnSpc>
+                        <a:spcAft>
+                          <a:spcPts val="0"/>
+                        </a:spcAft>
+                      </a:pPr>
+                      <a:r>
+                        <a:rPr lang="en-US" sz="1600" kern="0">
+                          <a:effectLst/>
+                          <a:latin typeface="Times New Roman" panose="02020603050405020304" pitchFamily="18" charset="0"/>
+                          <a:cs typeface="Times New Roman" panose="02020603050405020304" pitchFamily="18" charset="0"/>
+                        </a:rPr>
+                        <a:t>2016</a:t>
+                      </a:r>
+                      <a:r>
+                        <a:rPr lang="zh-CN" sz="1600" kern="0">
+                          <a:effectLst/>
+                          <a:latin typeface="Times New Roman" panose="02020603050405020304" pitchFamily="18" charset="0"/>
+                          <a:cs typeface="Times New Roman" panose="02020603050405020304" pitchFamily="18" charset="0"/>
+                        </a:rPr>
+                        <a:t>年</a:t>
+                      </a:r>
+                      <a:r>
+                        <a:rPr lang="en-US" sz="1600" kern="0">
+                          <a:effectLst/>
+                          <a:latin typeface="Times New Roman" panose="02020603050405020304" pitchFamily="18" charset="0"/>
+                          <a:cs typeface="Times New Roman" panose="02020603050405020304" pitchFamily="18" charset="0"/>
+                        </a:rPr>
+                        <a:t>12</a:t>
+                      </a:r>
+                      <a:r>
+                        <a:rPr lang="zh-CN" sz="1600" kern="0">
+                          <a:effectLst/>
+                          <a:latin typeface="Times New Roman" panose="02020603050405020304" pitchFamily="18" charset="0"/>
+                          <a:cs typeface="Times New Roman" panose="02020603050405020304" pitchFamily="18" charset="0"/>
+                        </a:rPr>
+                        <a:t>月</a:t>
+                      </a:r>
+                      <a:endParaRPr lang="zh-CN" sz="1600" kern="100">
+                        <a:effectLst/>
+                        <a:latin typeface="Times New Roman" panose="02020603050405020304" pitchFamily="18" charset="0"/>
+                        <a:ea typeface="宋体" panose="02010600030101010101" pitchFamily="2" charset="-122"/>
+                        <a:cs typeface="Times New Roman" panose="02020603050405020304" pitchFamily="18" charset="0"/>
+                      </a:endParaRPr>
+                    </a:p>
+                  </a:txBody>
+                  <a:tcPr marL="68580" marR="68580" marT="0" marB="0" anchor="ctr"/>
+                </a:tc>
+                <a:tc>
+                  <a:txBody>
+                    <a:bodyPr/>
+                    <a:lstStyle/>
+                    <a:p>
+                      <a:pPr algn="just">
+                        <a:lnSpc>
+                          <a:spcPct val="150000"/>
+                        </a:lnSpc>
+                        <a:spcAft>
+                          <a:spcPts val="0"/>
+                        </a:spcAft>
+                      </a:pPr>
+                      <a:r>
+                        <a:rPr lang="zh-CN" sz="1600" kern="100">
+                          <a:effectLst/>
+                          <a:latin typeface="Times New Roman" panose="02020603050405020304" pitchFamily="18" charset="0"/>
+                          <a:cs typeface="Times New Roman" panose="02020603050405020304" pitchFamily="18" charset="0"/>
+                        </a:rPr>
+                        <a:t>搭建爬虫框架，语料采集，数据清洗</a:t>
+                      </a:r>
+                      <a:endParaRPr lang="zh-CN" sz="1600" kern="100">
+                        <a:effectLst/>
+                        <a:latin typeface="Times New Roman" panose="02020603050405020304" pitchFamily="18" charset="0"/>
+                        <a:ea typeface="宋体" panose="02010600030101010101" pitchFamily="2" charset="-122"/>
+                        <a:cs typeface="Times New Roman" panose="02020603050405020304" pitchFamily="18" charset="0"/>
+                      </a:endParaRPr>
+                    </a:p>
+                  </a:txBody>
+                  <a:tcPr marL="68580" marR="68580" marT="0" marB="0" anchor="ctr"/>
+                </a:tc>
+              </a:tr>
+              <a:tr h="647579">
+                <a:tc>
+                  <a:txBody>
+                    <a:bodyPr/>
+                    <a:lstStyle/>
+                    <a:p>
+                      <a:pPr algn="just">
+                        <a:lnSpc>
+                          <a:spcPct val="150000"/>
+                        </a:lnSpc>
+                        <a:spcAft>
+                          <a:spcPts val="0"/>
+                        </a:spcAft>
+                      </a:pPr>
+                      <a:r>
+                        <a:rPr lang="en-US" sz="1600" kern="100">
+                          <a:effectLst/>
+                          <a:latin typeface="Times New Roman" panose="02020603050405020304" pitchFamily="18" charset="0"/>
+                          <a:cs typeface="Times New Roman" panose="02020603050405020304" pitchFamily="18" charset="0"/>
+                        </a:rPr>
+                        <a:t>4</a:t>
+                      </a:r>
+                      <a:endParaRPr lang="zh-CN" sz="1600" kern="100">
+                        <a:effectLst/>
+                        <a:latin typeface="Times New Roman" panose="02020603050405020304" pitchFamily="18" charset="0"/>
+                        <a:ea typeface="宋体" panose="02010600030101010101" pitchFamily="2" charset="-122"/>
+                        <a:cs typeface="Times New Roman" panose="02020603050405020304" pitchFamily="18" charset="0"/>
+                      </a:endParaRPr>
+                    </a:p>
+                  </a:txBody>
+                  <a:tcPr marL="68580" marR="68580" marT="0" marB="0"/>
+                </a:tc>
+                <a:tc>
+                  <a:txBody>
+                    <a:bodyPr/>
+                    <a:lstStyle/>
+                    <a:p>
+                      <a:pPr algn="just">
+                        <a:lnSpc>
+                          <a:spcPct val="150000"/>
+                        </a:lnSpc>
+                        <a:spcAft>
+                          <a:spcPts val="0"/>
+                        </a:spcAft>
+                      </a:pPr>
+                      <a:r>
+                        <a:rPr lang="en-US" sz="1600" kern="0">
+                          <a:effectLst/>
+                          <a:latin typeface="Times New Roman" panose="02020603050405020304" pitchFamily="18" charset="0"/>
+                          <a:cs typeface="Times New Roman" panose="02020603050405020304" pitchFamily="18" charset="0"/>
+                        </a:rPr>
+                        <a:t>2016</a:t>
+                      </a:r>
+                      <a:r>
+                        <a:rPr lang="zh-CN" sz="1600" kern="0">
+                          <a:effectLst/>
+                          <a:latin typeface="Times New Roman" panose="02020603050405020304" pitchFamily="18" charset="0"/>
+                          <a:cs typeface="Times New Roman" panose="02020603050405020304" pitchFamily="18" charset="0"/>
+                        </a:rPr>
+                        <a:t>年</a:t>
+                      </a:r>
+                      <a:r>
+                        <a:rPr lang="en-US" sz="1600" kern="0">
+                          <a:effectLst/>
+                          <a:latin typeface="Times New Roman" panose="02020603050405020304" pitchFamily="18" charset="0"/>
+                          <a:cs typeface="Times New Roman" panose="02020603050405020304" pitchFamily="18" charset="0"/>
+                        </a:rPr>
+                        <a:t>12</a:t>
+                      </a:r>
+                      <a:r>
+                        <a:rPr lang="zh-CN" sz="1600" kern="0">
+                          <a:effectLst/>
+                          <a:latin typeface="Times New Roman" panose="02020603050405020304" pitchFamily="18" charset="0"/>
+                          <a:cs typeface="Times New Roman" panose="02020603050405020304" pitchFamily="18" charset="0"/>
+                        </a:rPr>
+                        <a:t>月—</a:t>
+                      </a:r>
+                      <a:r>
+                        <a:rPr lang="en-US" sz="1600" kern="0">
+                          <a:effectLst/>
+                          <a:latin typeface="Times New Roman" panose="02020603050405020304" pitchFamily="18" charset="0"/>
+                          <a:cs typeface="Times New Roman" panose="02020603050405020304" pitchFamily="18" charset="0"/>
+                        </a:rPr>
+                        <a:t>2017</a:t>
+                      </a:r>
+                      <a:r>
+                        <a:rPr lang="zh-CN" sz="1600" kern="0">
+                          <a:effectLst/>
+                          <a:latin typeface="Times New Roman" panose="02020603050405020304" pitchFamily="18" charset="0"/>
+                          <a:cs typeface="Times New Roman" panose="02020603050405020304" pitchFamily="18" charset="0"/>
+                        </a:rPr>
+                        <a:t>年</a:t>
+                      </a:r>
+                      <a:r>
+                        <a:rPr lang="en-US" sz="1600" kern="0">
+                          <a:effectLst/>
+                          <a:latin typeface="Times New Roman" panose="02020603050405020304" pitchFamily="18" charset="0"/>
+                          <a:cs typeface="Times New Roman" panose="02020603050405020304" pitchFamily="18" charset="0"/>
+                        </a:rPr>
+                        <a:t>01</a:t>
+                      </a:r>
+                      <a:r>
+                        <a:rPr lang="zh-CN" sz="1600" kern="0">
+                          <a:effectLst/>
+                          <a:latin typeface="Times New Roman" panose="02020603050405020304" pitchFamily="18" charset="0"/>
+                          <a:cs typeface="Times New Roman" panose="02020603050405020304" pitchFamily="18" charset="0"/>
+                        </a:rPr>
+                        <a:t>月</a:t>
+                      </a:r>
+                      <a:r>
+                        <a:rPr lang="en-US" sz="1600" kern="0">
+                          <a:effectLst/>
+                          <a:latin typeface="Times New Roman" panose="02020603050405020304" pitchFamily="18" charset="0"/>
+                          <a:cs typeface="Times New Roman" panose="02020603050405020304" pitchFamily="18" charset="0"/>
+                        </a:rPr>
+                        <a:t> 2017</a:t>
+                      </a:r>
+                      <a:r>
+                        <a:rPr lang="zh-CN" sz="1600" kern="0">
+                          <a:effectLst/>
+                          <a:latin typeface="Times New Roman" panose="02020603050405020304" pitchFamily="18" charset="0"/>
+                          <a:cs typeface="Times New Roman" panose="02020603050405020304" pitchFamily="18" charset="0"/>
+                        </a:rPr>
+                        <a:t>年</a:t>
+                      </a:r>
+                      <a:r>
+                        <a:rPr lang="en-US" sz="1600" kern="0">
+                          <a:effectLst/>
+                          <a:latin typeface="Times New Roman" panose="02020603050405020304" pitchFamily="18" charset="0"/>
+                          <a:cs typeface="Times New Roman" panose="02020603050405020304" pitchFamily="18" charset="0"/>
+                        </a:rPr>
+                        <a:t>03</a:t>
+                      </a:r>
+                      <a:r>
+                        <a:rPr lang="zh-CN" sz="1600" kern="0">
+                          <a:effectLst/>
+                          <a:latin typeface="Times New Roman" panose="02020603050405020304" pitchFamily="18" charset="0"/>
+                          <a:cs typeface="Times New Roman" panose="02020603050405020304" pitchFamily="18" charset="0"/>
+                        </a:rPr>
+                        <a:t>月</a:t>
+                      </a:r>
+                      <a:endParaRPr lang="zh-CN" sz="1600" kern="100">
+                        <a:effectLst/>
+                        <a:latin typeface="Times New Roman" panose="02020603050405020304" pitchFamily="18" charset="0"/>
+                        <a:ea typeface="宋体" panose="02010600030101010101" pitchFamily="2" charset="-122"/>
+                        <a:cs typeface="Times New Roman" panose="02020603050405020304" pitchFamily="18" charset="0"/>
+                      </a:endParaRPr>
+                    </a:p>
+                  </a:txBody>
+                  <a:tcPr marL="68580" marR="68580" marT="0" marB="0" anchor="ctr"/>
+                </a:tc>
+                <a:tc>
+                  <a:txBody>
+                    <a:bodyPr/>
+                    <a:lstStyle/>
+                    <a:p>
+                      <a:pPr algn="just">
+                        <a:lnSpc>
+                          <a:spcPct val="150000"/>
+                        </a:lnSpc>
+                        <a:spcAft>
+                          <a:spcPts val="0"/>
+                        </a:spcAft>
+                      </a:pPr>
+                      <a:r>
+                        <a:rPr lang="zh-CN" sz="1600" kern="100">
+                          <a:effectLst/>
+                          <a:latin typeface="Times New Roman" panose="02020603050405020304" pitchFamily="18" charset="0"/>
+                          <a:cs typeface="Times New Roman" panose="02020603050405020304" pitchFamily="18" charset="0"/>
+                        </a:rPr>
+                        <a:t>语料标注工作</a:t>
+                      </a:r>
+                      <a:endParaRPr lang="zh-CN" sz="1600" kern="100">
+                        <a:effectLst/>
+                        <a:latin typeface="Times New Roman" panose="02020603050405020304" pitchFamily="18" charset="0"/>
+                        <a:ea typeface="宋体" panose="02010600030101010101" pitchFamily="2" charset="-122"/>
+                        <a:cs typeface="Times New Roman" panose="02020603050405020304" pitchFamily="18" charset="0"/>
+                      </a:endParaRPr>
+                    </a:p>
+                  </a:txBody>
+                  <a:tcPr marL="68580" marR="68580" marT="0" marB="0" anchor="ctr"/>
+                </a:tc>
+              </a:tr>
+              <a:tr h="301905">
+                <a:tc>
+                  <a:txBody>
+                    <a:bodyPr/>
+                    <a:lstStyle/>
+                    <a:p>
+                      <a:pPr algn="just">
+                        <a:lnSpc>
+                          <a:spcPct val="150000"/>
+                        </a:lnSpc>
+                        <a:spcAft>
+                          <a:spcPts val="0"/>
+                        </a:spcAft>
+                      </a:pPr>
+                      <a:r>
+                        <a:rPr lang="en-US" sz="1600" kern="100">
+                          <a:effectLst/>
+                          <a:latin typeface="Times New Roman" panose="02020603050405020304" pitchFamily="18" charset="0"/>
+                          <a:cs typeface="Times New Roman" panose="02020603050405020304" pitchFamily="18" charset="0"/>
+                        </a:rPr>
+                        <a:t>5</a:t>
+                      </a:r>
+                      <a:endParaRPr lang="zh-CN" sz="1600" kern="100">
+                        <a:effectLst/>
+                        <a:latin typeface="Times New Roman" panose="02020603050405020304" pitchFamily="18" charset="0"/>
+                        <a:ea typeface="宋体" panose="02010600030101010101" pitchFamily="2" charset="-122"/>
+                        <a:cs typeface="Times New Roman" panose="02020603050405020304" pitchFamily="18" charset="0"/>
+                      </a:endParaRPr>
+                    </a:p>
+                  </a:txBody>
+                  <a:tcPr marL="68580" marR="68580" marT="0" marB="0"/>
+                </a:tc>
+                <a:tc>
+                  <a:txBody>
+                    <a:bodyPr/>
+                    <a:lstStyle/>
+                    <a:p>
+                      <a:pPr algn="just">
+                        <a:lnSpc>
+                          <a:spcPct val="150000"/>
+                        </a:lnSpc>
+                        <a:spcAft>
+                          <a:spcPts val="0"/>
+                        </a:spcAft>
+                      </a:pPr>
+                      <a:r>
+                        <a:rPr lang="en-US" sz="1600" kern="0">
+                          <a:effectLst/>
+                          <a:latin typeface="Times New Roman" panose="02020603050405020304" pitchFamily="18" charset="0"/>
+                          <a:cs typeface="Times New Roman" panose="02020603050405020304" pitchFamily="18" charset="0"/>
+                        </a:rPr>
+                        <a:t>2017</a:t>
+                      </a:r>
+                      <a:r>
+                        <a:rPr lang="zh-CN" sz="1600" kern="0">
+                          <a:effectLst/>
+                          <a:latin typeface="Times New Roman" panose="02020603050405020304" pitchFamily="18" charset="0"/>
+                          <a:cs typeface="Times New Roman" panose="02020603050405020304" pitchFamily="18" charset="0"/>
+                        </a:rPr>
+                        <a:t>年</a:t>
+                      </a:r>
+                      <a:r>
+                        <a:rPr lang="en-US" sz="1600" kern="0">
+                          <a:effectLst/>
+                          <a:latin typeface="Times New Roman" panose="02020603050405020304" pitchFamily="18" charset="0"/>
+                          <a:cs typeface="Times New Roman" panose="02020603050405020304" pitchFamily="18" charset="0"/>
+                        </a:rPr>
+                        <a:t>04</a:t>
+                      </a:r>
+                      <a:r>
+                        <a:rPr lang="zh-CN" sz="1600" kern="0">
+                          <a:effectLst/>
+                          <a:latin typeface="Times New Roman" panose="02020603050405020304" pitchFamily="18" charset="0"/>
+                          <a:cs typeface="Times New Roman" panose="02020603050405020304" pitchFamily="18" charset="0"/>
+                        </a:rPr>
+                        <a:t>月</a:t>
+                      </a:r>
+                      <a:endParaRPr lang="zh-CN" sz="1600" kern="100">
+                        <a:effectLst/>
+                        <a:latin typeface="Times New Roman" panose="02020603050405020304" pitchFamily="18" charset="0"/>
+                        <a:ea typeface="宋体" panose="02010600030101010101" pitchFamily="2" charset="-122"/>
+                        <a:cs typeface="Times New Roman" panose="02020603050405020304" pitchFamily="18" charset="0"/>
+                      </a:endParaRPr>
+                    </a:p>
+                  </a:txBody>
+                  <a:tcPr marL="68580" marR="68580" marT="0" marB="0" anchor="ctr"/>
+                </a:tc>
+                <a:tc>
+                  <a:txBody>
+                    <a:bodyPr/>
+                    <a:lstStyle/>
+                    <a:p>
+                      <a:pPr algn="just">
+                        <a:lnSpc>
+                          <a:spcPct val="150000"/>
+                        </a:lnSpc>
+                        <a:spcAft>
+                          <a:spcPts val="0"/>
+                        </a:spcAft>
+                      </a:pPr>
+                      <a:r>
+                        <a:rPr lang="zh-CN" sz="1600" kern="100">
+                          <a:effectLst/>
+                          <a:latin typeface="Times New Roman" panose="02020603050405020304" pitchFamily="18" charset="0"/>
+                          <a:cs typeface="Times New Roman" panose="02020603050405020304" pitchFamily="18" charset="0"/>
+                        </a:rPr>
+                        <a:t>调研</a:t>
+                      </a:r>
+                      <a:r>
+                        <a:rPr lang="en-US" sz="1600" kern="100">
+                          <a:effectLst/>
+                          <a:latin typeface="Times New Roman" panose="02020603050405020304" pitchFamily="18" charset="0"/>
+                          <a:cs typeface="Times New Roman" panose="02020603050405020304" pitchFamily="18" charset="0"/>
+                        </a:rPr>
+                        <a:t>CRF</a:t>
+                      </a:r>
+                      <a:r>
+                        <a:rPr lang="zh-CN" sz="1600" kern="100">
+                          <a:effectLst/>
+                          <a:latin typeface="Times New Roman" panose="02020603050405020304" pitchFamily="18" charset="0"/>
+                          <a:cs typeface="Times New Roman" panose="02020603050405020304" pitchFamily="18" charset="0"/>
+                        </a:rPr>
+                        <a:t>层原理</a:t>
+                      </a:r>
+                      <a:endParaRPr lang="zh-CN" sz="1600" kern="100">
+                        <a:effectLst/>
+                        <a:latin typeface="Times New Roman" panose="02020603050405020304" pitchFamily="18" charset="0"/>
+                        <a:ea typeface="宋体" panose="02010600030101010101" pitchFamily="2" charset="-122"/>
+                        <a:cs typeface="Times New Roman" panose="02020603050405020304" pitchFamily="18" charset="0"/>
+                      </a:endParaRPr>
+                    </a:p>
+                  </a:txBody>
+                  <a:tcPr marL="68580" marR="68580" marT="0" marB="0" anchor="ctr"/>
+                </a:tc>
+              </a:tr>
+              <a:tr h="301905">
+                <a:tc>
+                  <a:txBody>
+                    <a:bodyPr/>
+                    <a:lstStyle/>
+                    <a:p>
+                      <a:pPr algn="just">
+                        <a:lnSpc>
+                          <a:spcPct val="150000"/>
+                        </a:lnSpc>
+                        <a:spcAft>
+                          <a:spcPts val="0"/>
+                        </a:spcAft>
+                      </a:pPr>
+                      <a:r>
+                        <a:rPr lang="en-US" sz="1600" kern="100">
+                          <a:effectLst/>
+                          <a:latin typeface="Times New Roman" panose="02020603050405020304" pitchFamily="18" charset="0"/>
+                          <a:cs typeface="Times New Roman" panose="02020603050405020304" pitchFamily="18" charset="0"/>
+                        </a:rPr>
+                        <a:t>6</a:t>
+                      </a:r>
+                      <a:endParaRPr lang="zh-CN" sz="1600" kern="100">
+                        <a:effectLst/>
+                        <a:latin typeface="Times New Roman" panose="02020603050405020304" pitchFamily="18" charset="0"/>
+                        <a:ea typeface="宋体" panose="02010600030101010101" pitchFamily="2" charset="-122"/>
+                        <a:cs typeface="Times New Roman" panose="02020603050405020304" pitchFamily="18" charset="0"/>
+                      </a:endParaRPr>
+                    </a:p>
+                  </a:txBody>
+                  <a:tcPr marL="68580" marR="68580" marT="0" marB="0"/>
+                </a:tc>
+                <a:tc>
+                  <a:txBody>
+                    <a:bodyPr/>
+                    <a:lstStyle/>
+                    <a:p>
+                      <a:pPr algn="just">
+                        <a:lnSpc>
+                          <a:spcPct val="150000"/>
+                        </a:lnSpc>
+                        <a:spcAft>
+                          <a:spcPts val="0"/>
+                        </a:spcAft>
+                      </a:pPr>
+                      <a:r>
+                        <a:rPr lang="en-US" sz="1600" kern="0">
+                          <a:effectLst/>
+                          <a:latin typeface="Times New Roman" panose="02020603050405020304" pitchFamily="18" charset="0"/>
+                          <a:cs typeface="Times New Roman" panose="02020603050405020304" pitchFamily="18" charset="0"/>
+                        </a:rPr>
+                        <a:t>2017</a:t>
+                      </a:r>
+                      <a:r>
+                        <a:rPr lang="zh-CN" sz="1600" kern="0">
+                          <a:effectLst/>
+                          <a:latin typeface="Times New Roman" panose="02020603050405020304" pitchFamily="18" charset="0"/>
+                          <a:cs typeface="Times New Roman" panose="02020603050405020304" pitchFamily="18" charset="0"/>
+                        </a:rPr>
+                        <a:t>年</a:t>
+                      </a:r>
+                      <a:r>
+                        <a:rPr lang="en-US" sz="1600" kern="0">
+                          <a:effectLst/>
+                          <a:latin typeface="Times New Roman" panose="02020603050405020304" pitchFamily="18" charset="0"/>
+                          <a:cs typeface="Times New Roman" panose="02020603050405020304" pitchFamily="18" charset="0"/>
+                        </a:rPr>
+                        <a:t>05</a:t>
+                      </a:r>
+                      <a:r>
+                        <a:rPr lang="zh-CN" sz="1600" kern="0">
+                          <a:effectLst/>
+                          <a:latin typeface="Times New Roman" panose="02020603050405020304" pitchFamily="18" charset="0"/>
+                          <a:cs typeface="Times New Roman" panose="02020603050405020304" pitchFamily="18" charset="0"/>
+                        </a:rPr>
+                        <a:t>月—</a:t>
+                      </a:r>
+                      <a:r>
+                        <a:rPr lang="en-US" sz="1600" kern="0">
+                          <a:effectLst/>
+                          <a:latin typeface="Times New Roman" panose="02020603050405020304" pitchFamily="18" charset="0"/>
+                          <a:cs typeface="Times New Roman" panose="02020603050405020304" pitchFamily="18" charset="0"/>
+                        </a:rPr>
+                        <a:t>2017</a:t>
+                      </a:r>
+                      <a:r>
+                        <a:rPr lang="zh-CN" sz="1600" kern="0">
+                          <a:effectLst/>
+                          <a:latin typeface="Times New Roman" panose="02020603050405020304" pitchFamily="18" charset="0"/>
+                          <a:cs typeface="Times New Roman" panose="02020603050405020304" pitchFamily="18" charset="0"/>
+                        </a:rPr>
+                        <a:t>年</a:t>
+                      </a:r>
+                      <a:r>
+                        <a:rPr lang="en-US" sz="1600" kern="0">
+                          <a:effectLst/>
+                          <a:latin typeface="Times New Roman" panose="02020603050405020304" pitchFamily="18" charset="0"/>
+                          <a:cs typeface="Times New Roman" panose="02020603050405020304" pitchFamily="18" charset="0"/>
+                        </a:rPr>
+                        <a:t>7</a:t>
+                      </a:r>
+                      <a:r>
+                        <a:rPr lang="zh-CN" sz="1600" kern="0">
+                          <a:effectLst/>
+                          <a:latin typeface="Times New Roman" panose="02020603050405020304" pitchFamily="18" charset="0"/>
+                          <a:cs typeface="Times New Roman" panose="02020603050405020304" pitchFamily="18" charset="0"/>
+                        </a:rPr>
+                        <a:t>月</a:t>
+                      </a:r>
+                      <a:endParaRPr lang="zh-CN" sz="1600" kern="100">
+                        <a:effectLst/>
+                        <a:latin typeface="Times New Roman" panose="02020603050405020304" pitchFamily="18" charset="0"/>
+                        <a:ea typeface="宋体" panose="02010600030101010101" pitchFamily="2" charset="-122"/>
+                        <a:cs typeface="Times New Roman" panose="02020603050405020304" pitchFamily="18" charset="0"/>
+                      </a:endParaRPr>
+                    </a:p>
+                  </a:txBody>
+                  <a:tcPr marL="68580" marR="68580" marT="0" marB="0" anchor="ctr"/>
+                </a:tc>
+                <a:tc>
+                  <a:txBody>
+                    <a:bodyPr/>
+                    <a:lstStyle/>
+                    <a:p>
+                      <a:pPr algn="just">
+                        <a:lnSpc>
+                          <a:spcPct val="150000"/>
+                        </a:lnSpc>
+                        <a:spcAft>
+                          <a:spcPts val="0"/>
+                        </a:spcAft>
+                      </a:pPr>
+                      <a:r>
+                        <a:rPr lang="zh-CN" sz="1600" kern="100">
+                          <a:effectLst/>
+                          <a:latin typeface="Times New Roman" panose="02020603050405020304" pitchFamily="18" charset="0"/>
+                          <a:cs typeface="Times New Roman" panose="02020603050405020304" pitchFamily="18" charset="0"/>
+                        </a:rPr>
+                        <a:t>复现文献</a:t>
+                      </a:r>
+                      <a:r>
+                        <a:rPr lang="en-US" sz="1600" kern="100">
+                          <a:effectLst/>
+                          <a:latin typeface="Times New Roman" panose="02020603050405020304" pitchFamily="18" charset="0"/>
+                          <a:cs typeface="Times New Roman" panose="02020603050405020304" pitchFamily="18" charset="0"/>
+                        </a:rPr>
+                        <a:t>[12]</a:t>
+                      </a:r>
+                      <a:r>
+                        <a:rPr lang="zh-CN" sz="1600" kern="100">
+                          <a:effectLst/>
+                          <a:latin typeface="Times New Roman" panose="02020603050405020304" pitchFamily="18" charset="0"/>
+                          <a:cs typeface="Times New Roman" panose="02020603050405020304" pitchFamily="18" charset="0"/>
+                        </a:rPr>
+                        <a:t>实验</a:t>
+                      </a:r>
+                      <a:endParaRPr lang="zh-CN" sz="1600" kern="100">
+                        <a:effectLst/>
+                        <a:latin typeface="Times New Roman" panose="02020603050405020304" pitchFamily="18" charset="0"/>
+                        <a:ea typeface="宋体" panose="02010600030101010101" pitchFamily="2" charset="-122"/>
+                        <a:cs typeface="Times New Roman" panose="02020603050405020304" pitchFamily="18" charset="0"/>
+                      </a:endParaRPr>
+                    </a:p>
+                  </a:txBody>
+                  <a:tcPr marL="68580" marR="68580" marT="0" marB="0" anchor="ctr"/>
+                </a:tc>
+              </a:tr>
+              <a:tr h="993254">
+                <a:tc>
+                  <a:txBody>
+                    <a:bodyPr/>
+                    <a:lstStyle/>
+                    <a:p>
+                      <a:pPr algn="just">
+                        <a:lnSpc>
+                          <a:spcPct val="150000"/>
+                        </a:lnSpc>
+                        <a:spcAft>
+                          <a:spcPts val="0"/>
+                        </a:spcAft>
+                      </a:pPr>
+                      <a:r>
+                        <a:rPr lang="en-US" sz="1600" kern="100">
+                          <a:effectLst/>
+                          <a:latin typeface="Times New Roman" panose="02020603050405020304" pitchFamily="18" charset="0"/>
+                          <a:cs typeface="Times New Roman" panose="02020603050405020304" pitchFamily="18" charset="0"/>
+                        </a:rPr>
+                        <a:t>7</a:t>
+                      </a:r>
+                      <a:endParaRPr lang="zh-CN" sz="1600" kern="100">
+                        <a:effectLst/>
+                        <a:latin typeface="Times New Roman" panose="02020603050405020304" pitchFamily="18" charset="0"/>
+                        <a:ea typeface="宋体" panose="02010600030101010101" pitchFamily="2" charset="-122"/>
+                        <a:cs typeface="Times New Roman" panose="02020603050405020304" pitchFamily="18" charset="0"/>
+                      </a:endParaRPr>
+                    </a:p>
+                  </a:txBody>
+                  <a:tcPr marL="68580" marR="68580" marT="0" marB="0"/>
+                </a:tc>
+                <a:tc>
+                  <a:txBody>
+                    <a:bodyPr/>
+                    <a:lstStyle/>
+                    <a:p>
+                      <a:pPr algn="just">
+                        <a:lnSpc>
+                          <a:spcPct val="150000"/>
+                        </a:lnSpc>
+                        <a:spcAft>
+                          <a:spcPts val="0"/>
+                        </a:spcAft>
+                      </a:pPr>
+                      <a:r>
+                        <a:rPr lang="en-US" sz="1600" kern="0">
+                          <a:effectLst/>
+                          <a:latin typeface="Times New Roman" panose="02020603050405020304" pitchFamily="18" charset="0"/>
+                          <a:cs typeface="Times New Roman" panose="02020603050405020304" pitchFamily="18" charset="0"/>
+                        </a:rPr>
+                        <a:t>2017</a:t>
+                      </a:r>
+                      <a:r>
+                        <a:rPr lang="zh-CN" sz="1600" kern="0">
+                          <a:effectLst/>
+                          <a:latin typeface="Times New Roman" panose="02020603050405020304" pitchFamily="18" charset="0"/>
+                          <a:cs typeface="Times New Roman" panose="02020603050405020304" pitchFamily="18" charset="0"/>
+                        </a:rPr>
+                        <a:t>年</a:t>
+                      </a:r>
+                      <a:r>
+                        <a:rPr lang="en-US" sz="1600" kern="0">
+                          <a:effectLst/>
+                          <a:latin typeface="Times New Roman" panose="02020603050405020304" pitchFamily="18" charset="0"/>
+                          <a:cs typeface="Times New Roman" panose="02020603050405020304" pitchFamily="18" charset="0"/>
+                        </a:rPr>
+                        <a:t>8</a:t>
+                      </a:r>
+                      <a:r>
+                        <a:rPr lang="zh-CN" sz="1600" kern="0">
+                          <a:effectLst/>
+                          <a:latin typeface="Times New Roman" panose="02020603050405020304" pitchFamily="18" charset="0"/>
+                          <a:cs typeface="Times New Roman" panose="02020603050405020304" pitchFamily="18" charset="0"/>
+                        </a:rPr>
+                        <a:t>月—</a:t>
+                      </a:r>
+                      <a:r>
+                        <a:rPr lang="en-US" sz="1600" kern="0">
+                          <a:effectLst/>
+                          <a:latin typeface="Times New Roman" panose="02020603050405020304" pitchFamily="18" charset="0"/>
+                          <a:cs typeface="Times New Roman" panose="02020603050405020304" pitchFamily="18" charset="0"/>
+                        </a:rPr>
+                        <a:t>2018</a:t>
+                      </a:r>
+                      <a:r>
+                        <a:rPr lang="zh-CN" sz="1600" kern="0">
+                          <a:effectLst/>
+                          <a:latin typeface="Times New Roman" panose="02020603050405020304" pitchFamily="18" charset="0"/>
+                          <a:cs typeface="Times New Roman" panose="02020603050405020304" pitchFamily="18" charset="0"/>
+                        </a:rPr>
+                        <a:t>年</a:t>
+                      </a:r>
+                      <a:r>
+                        <a:rPr lang="en-US" sz="1600" kern="0">
+                          <a:effectLst/>
+                          <a:latin typeface="Times New Roman" panose="02020603050405020304" pitchFamily="18" charset="0"/>
+                          <a:cs typeface="Times New Roman" panose="02020603050405020304" pitchFamily="18" charset="0"/>
+                        </a:rPr>
+                        <a:t>03</a:t>
+                      </a:r>
+                      <a:r>
+                        <a:rPr lang="zh-CN" sz="1600" kern="0">
+                          <a:effectLst/>
+                          <a:latin typeface="Times New Roman" panose="02020603050405020304" pitchFamily="18" charset="0"/>
+                          <a:cs typeface="Times New Roman" panose="02020603050405020304" pitchFamily="18" charset="0"/>
+                        </a:rPr>
+                        <a:t>月</a:t>
+                      </a:r>
+                      <a:endParaRPr lang="zh-CN" sz="1600" kern="100">
+                        <a:effectLst/>
+                        <a:latin typeface="Times New Roman" panose="02020603050405020304" pitchFamily="18" charset="0"/>
+                        <a:ea typeface="宋体" panose="02010600030101010101" pitchFamily="2" charset="-122"/>
+                        <a:cs typeface="Times New Roman" panose="02020603050405020304" pitchFamily="18" charset="0"/>
+                      </a:endParaRPr>
+                    </a:p>
+                  </a:txBody>
+                  <a:tcPr marL="68580" marR="68580" marT="0" marB="0" anchor="ctr"/>
+                </a:tc>
+                <a:tc>
+                  <a:txBody>
+                    <a:bodyPr/>
+                    <a:lstStyle/>
+                    <a:p>
+                      <a:pPr algn="just">
+                        <a:lnSpc>
+                          <a:spcPct val="150000"/>
+                        </a:lnSpc>
+                        <a:spcAft>
+                          <a:spcPts val="0"/>
+                        </a:spcAft>
+                      </a:pPr>
+                      <a:r>
+                        <a:rPr lang="zh-CN" sz="1600" kern="100">
+                          <a:effectLst/>
+                          <a:latin typeface="Times New Roman" panose="02020603050405020304" pitchFamily="18" charset="0"/>
+                          <a:cs typeface="Times New Roman" panose="02020603050405020304" pitchFamily="18" charset="0"/>
+                        </a:rPr>
+                        <a:t>结合自己标注的语料，配合之后的调研工作，将新想法进行新的实验，训练和测试，优化</a:t>
+                      </a:r>
+                      <a:r>
+                        <a:rPr lang="en-US" sz="1600" kern="100">
+                          <a:effectLst/>
+                          <a:latin typeface="Times New Roman" panose="02020603050405020304" pitchFamily="18" charset="0"/>
+                          <a:cs typeface="Times New Roman" panose="02020603050405020304" pitchFamily="18" charset="0"/>
+                        </a:rPr>
+                        <a:t>NER</a:t>
+                      </a:r>
+                      <a:r>
+                        <a:rPr lang="zh-CN" sz="1600" kern="100">
+                          <a:effectLst/>
+                          <a:latin typeface="Times New Roman" panose="02020603050405020304" pitchFamily="18" charset="0"/>
+                          <a:cs typeface="Times New Roman" panose="02020603050405020304" pitchFamily="18" charset="0"/>
+                        </a:rPr>
+                        <a:t>模型。</a:t>
+                      </a:r>
+                      <a:endParaRPr lang="zh-CN" sz="1600" kern="100">
+                        <a:effectLst/>
+                        <a:latin typeface="Times New Roman" panose="02020603050405020304" pitchFamily="18" charset="0"/>
+                        <a:ea typeface="宋体" panose="02010600030101010101" pitchFamily="2" charset="-122"/>
+                        <a:cs typeface="Times New Roman" panose="02020603050405020304" pitchFamily="18" charset="0"/>
+                      </a:endParaRPr>
+                    </a:p>
+                  </a:txBody>
+                  <a:tcPr marL="68580" marR="68580" marT="0" marB="0" anchor="ctr"/>
+                </a:tc>
+              </a:tr>
+              <a:tr h="301905">
+                <a:tc>
+                  <a:txBody>
+                    <a:bodyPr/>
+                    <a:lstStyle/>
+                    <a:p>
+                      <a:pPr algn="just">
+                        <a:lnSpc>
+                          <a:spcPct val="150000"/>
+                        </a:lnSpc>
+                        <a:spcAft>
+                          <a:spcPts val="0"/>
+                        </a:spcAft>
+                      </a:pPr>
+                      <a:r>
+                        <a:rPr lang="en-US" sz="1600" kern="100">
+                          <a:effectLst/>
+                          <a:latin typeface="Times New Roman" panose="02020603050405020304" pitchFamily="18" charset="0"/>
+                          <a:cs typeface="Times New Roman" panose="02020603050405020304" pitchFamily="18" charset="0"/>
+                        </a:rPr>
+                        <a:t>8</a:t>
+                      </a:r>
+                      <a:endParaRPr lang="zh-CN" sz="1600" kern="100">
+                        <a:effectLst/>
+                        <a:latin typeface="Times New Roman" panose="02020603050405020304" pitchFamily="18" charset="0"/>
+                        <a:ea typeface="宋体" panose="02010600030101010101" pitchFamily="2" charset="-122"/>
+                        <a:cs typeface="Times New Roman" panose="02020603050405020304" pitchFamily="18" charset="0"/>
+                      </a:endParaRPr>
+                    </a:p>
+                  </a:txBody>
+                  <a:tcPr marL="68580" marR="68580" marT="0" marB="0"/>
+                </a:tc>
+                <a:tc>
+                  <a:txBody>
+                    <a:bodyPr/>
+                    <a:lstStyle/>
+                    <a:p>
+                      <a:pPr algn="just">
+                        <a:lnSpc>
+                          <a:spcPct val="150000"/>
+                        </a:lnSpc>
+                        <a:spcAft>
+                          <a:spcPts val="0"/>
+                        </a:spcAft>
+                      </a:pPr>
+                      <a:r>
+                        <a:rPr lang="en-US" sz="1600" kern="0">
+                          <a:effectLst/>
+                          <a:latin typeface="Times New Roman" panose="02020603050405020304" pitchFamily="18" charset="0"/>
+                          <a:cs typeface="Times New Roman" panose="02020603050405020304" pitchFamily="18" charset="0"/>
+                        </a:rPr>
+                        <a:t>2017</a:t>
+                      </a:r>
+                      <a:r>
+                        <a:rPr lang="zh-CN" sz="1600" kern="0">
+                          <a:effectLst/>
+                          <a:latin typeface="Times New Roman" panose="02020603050405020304" pitchFamily="18" charset="0"/>
+                          <a:cs typeface="Times New Roman" panose="02020603050405020304" pitchFamily="18" charset="0"/>
+                        </a:rPr>
+                        <a:t>年</a:t>
+                      </a:r>
+                      <a:r>
+                        <a:rPr lang="en-US" sz="1600" kern="0">
+                          <a:effectLst/>
+                          <a:latin typeface="Times New Roman" panose="02020603050405020304" pitchFamily="18" charset="0"/>
+                          <a:cs typeface="Times New Roman" panose="02020603050405020304" pitchFamily="18" charset="0"/>
+                        </a:rPr>
+                        <a:t>04</a:t>
+                      </a:r>
+                      <a:r>
+                        <a:rPr lang="zh-CN" sz="1600" kern="0">
+                          <a:effectLst/>
+                          <a:latin typeface="Times New Roman" panose="02020603050405020304" pitchFamily="18" charset="0"/>
+                          <a:cs typeface="Times New Roman" panose="02020603050405020304" pitchFamily="18" charset="0"/>
+                        </a:rPr>
+                        <a:t>月</a:t>
+                      </a:r>
+                      <a:endParaRPr lang="zh-CN" sz="1600" kern="100">
+                        <a:effectLst/>
+                        <a:latin typeface="Times New Roman" panose="02020603050405020304" pitchFamily="18" charset="0"/>
+                        <a:ea typeface="宋体" panose="02010600030101010101" pitchFamily="2" charset="-122"/>
+                        <a:cs typeface="Times New Roman" panose="02020603050405020304" pitchFamily="18" charset="0"/>
+                      </a:endParaRPr>
+                    </a:p>
+                  </a:txBody>
+                  <a:tcPr marL="68580" marR="68580" marT="0" marB="0" anchor="ctr"/>
+                </a:tc>
+                <a:tc>
+                  <a:txBody>
+                    <a:bodyPr/>
+                    <a:lstStyle/>
+                    <a:p>
+                      <a:pPr algn="just">
+                        <a:lnSpc>
+                          <a:spcPct val="150000"/>
+                        </a:lnSpc>
+                        <a:spcAft>
+                          <a:spcPts val="0"/>
+                        </a:spcAft>
+                      </a:pPr>
+                      <a:r>
+                        <a:rPr lang="zh-CN" sz="1600" kern="0">
+                          <a:effectLst/>
+                          <a:latin typeface="Times New Roman" panose="02020603050405020304" pitchFamily="18" charset="0"/>
+                          <a:cs typeface="Times New Roman" panose="02020603050405020304" pitchFamily="18" charset="0"/>
+                        </a:rPr>
+                        <a:t>整理实验结论，完成论文初稿</a:t>
+                      </a:r>
+                      <a:endParaRPr lang="zh-CN" sz="1600" kern="100">
+                        <a:effectLst/>
+                        <a:latin typeface="Times New Roman" panose="02020603050405020304" pitchFamily="18" charset="0"/>
+                        <a:ea typeface="宋体" panose="02010600030101010101" pitchFamily="2" charset="-122"/>
+                        <a:cs typeface="Times New Roman" panose="02020603050405020304" pitchFamily="18" charset="0"/>
+                      </a:endParaRPr>
+                    </a:p>
+                  </a:txBody>
+                  <a:tcPr marL="68580" marR="68580" marT="0" marB="0" anchor="ctr"/>
+                </a:tc>
+              </a:tr>
+              <a:tr h="301905">
+                <a:tc>
+                  <a:txBody>
+                    <a:bodyPr/>
+                    <a:lstStyle/>
+                    <a:p>
+                      <a:pPr algn="just">
+                        <a:lnSpc>
+                          <a:spcPct val="150000"/>
+                        </a:lnSpc>
+                        <a:spcAft>
+                          <a:spcPts val="0"/>
+                        </a:spcAft>
+                      </a:pPr>
+                      <a:r>
+                        <a:rPr lang="en-US" sz="1600" kern="100">
+                          <a:effectLst/>
+                          <a:latin typeface="Times New Roman" panose="02020603050405020304" pitchFamily="18" charset="0"/>
+                          <a:cs typeface="Times New Roman" panose="02020603050405020304" pitchFamily="18" charset="0"/>
+                        </a:rPr>
+                        <a:t>9</a:t>
+                      </a:r>
+                      <a:endParaRPr lang="zh-CN" sz="1600" kern="100">
+                        <a:effectLst/>
+                        <a:latin typeface="Times New Roman" panose="02020603050405020304" pitchFamily="18" charset="0"/>
+                        <a:ea typeface="宋体" panose="02010600030101010101" pitchFamily="2" charset="-122"/>
+                        <a:cs typeface="Times New Roman" panose="02020603050405020304" pitchFamily="18" charset="0"/>
+                      </a:endParaRPr>
+                    </a:p>
+                  </a:txBody>
+                  <a:tcPr marL="68580" marR="68580" marT="0" marB="0"/>
+                </a:tc>
+                <a:tc>
+                  <a:txBody>
+                    <a:bodyPr/>
+                    <a:lstStyle/>
+                    <a:p>
+                      <a:pPr algn="just">
+                        <a:lnSpc>
+                          <a:spcPct val="150000"/>
+                        </a:lnSpc>
+                        <a:spcAft>
+                          <a:spcPts val="0"/>
+                        </a:spcAft>
+                      </a:pPr>
+                      <a:r>
+                        <a:rPr lang="en-US" sz="1600" kern="0" dirty="0">
+                          <a:effectLst/>
+                          <a:latin typeface="Times New Roman" panose="02020603050405020304" pitchFamily="18" charset="0"/>
+                          <a:cs typeface="Times New Roman" panose="02020603050405020304" pitchFamily="18" charset="0"/>
+                        </a:rPr>
+                        <a:t>2017</a:t>
+                      </a:r>
+                      <a:r>
+                        <a:rPr lang="zh-CN" sz="1600" kern="0" dirty="0">
+                          <a:effectLst/>
+                          <a:latin typeface="Times New Roman" panose="02020603050405020304" pitchFamily="18" charset="0"/>
+                          <a:cs typeface="Times New Roman" panose="02020603050405020304" pitchFamily="18" charset="0"/>
+                        </a:rPr>
+                        <a:t>年</a:t>
+                      </a:r>
+                      <a:r>
+                        <a:rPr lang="en-US" sz="1600" kern="0" dirty="0">
+                          <a:effectLst/>
+                          <a:latin typeface="Times New Roman" panose="02020603050405020304" pitchFamily="18" charset="0"/>
+                          <a:cs typeface="Times New Roman" panose="02020603050405020304" pitchFamily="18" charset="0"/>
+                        </a:rPr>
+                        <a:t>06</a:t>
+                      </a:r>
+                      <a:r>
+                        <a:rPr lang="zh-CN" sz="1600" kern="0" dirty="0">
+                          <a:effectLst/>
+                          <a:latin typeface="Times New Roman" panose="02020603050405020304" pitchFamily="18" charset="0"/>
+                          <a:cs typeface="Times New Roman" panose="02020603050405020304" pitchFamily="18" charset="0"/>
+                        </a:rPr>
+                        <a:t>月</a:t>
+                      </a:r>
+                      <a:endParaRPr lang="zh-CN" sz="1600" kern="100" dirty="0">
+                        <a:effectLst/>
+                        <a:latin typeface="Times New Roman" panose="02020603050405020304" pitchFamily="18" charset="0"/>
+                        <a:ea typeface="宋体" panose="02010600030101010101" pitchFamily="2" charset="-122"/>
+                        <a:cs typeface="Times New Roman" panose="02020603050405020304" pitchFamily="18" charset="0"/>
+                      </a:endParaRPr>
+                    </a:p>
+                  </a:txBody>
+                  <a:tcPr marL="68580" marR="68580" marT="0" marB="0" anchor="ctr"/>
+                </a:tc>
+                <a:tc>
+                  <a:txBody>
+                    <a:bodyPr/>
+                    <a:lstStyle/>
+                    <a:p>
+                      <a:pPr algn="just">
+                        <a:lnSpc>
+                          <a:spcPct val="150000"/>
+                        </a:lnSpc>
+                        <a:spcAft>
+                          <a:spcPts val="0"/>
+                        </a:spcAft>
+                      </a:pPr>
+                      <a:r>
+                        <a:rPr lang="zh-CN" sz="1600" kern="0" dirty="0">
+                          <a:effectLst/>
+                          <a:latin typeface="Times New Roman" panose="02020603050405020304" pitchFamily="18" charset="0"/>
+                          <a:cs typeface="Times New Roman" panose="02020603050405020304" pitchFamily="18" charset="0"/>
+                        </a:rPr>
+                        <a:t>完成论文终稿</a:t>
+                      </a:r>
+                      <a:endParaRPr lang="zh-CN" sz="1600" kern="100" dirty="0">
+                        <a:effectLst/>
+                        <a:latin typeface="Times New Roman" panose="02020603050405020304" pitchFamily="18" charset="0"/>
+                        <a:ea typeface="宋体" panose="02010600030101010101" pitchFamily="2" charset="-122"/>
+                        <a:cs typeface="Times New Roman" panose="02020603050405020304" pitchFamily="18" charset="0"/>
+                      </a:endParaRPr>
+                    </a:p>
+                  </a:txBody>
+                  <a:tcPr marL="68580" marR="68580" marT="0" marB="0" anchor="ctr"/>
+                </a:tc>
+              </a:tr>
+            </a:tbl>
+          </a:graphicData>
+        </a:graphic>
+      </p:graphicFrame>
     </p:spTree>
     <p:extLst>
       <p:ext uri="{BB962C8B-B14F-4D97-AF65-F5344CB8AC3E}">
@@ -37413,7 +38964,7 @@
 </p:sld>
 </file>
 
-<file path=ppt/slides/slide16.xml><?xml version="1.0" encoding="utf-8"?>
+<file path=ppt/slides/slide17.xml><?xml version="1.0" encoding="utf-8"?>
 <p:sld xmlns:a="http://schemas.openxmlformats.org/drawingml/2006/main" xmlns:r="http://schemas.openxmlformats.org/officeDocument/2006/relationships" xmlns:p="http://schemas.openxmlformats.org/presentationml/2006/main">
   <p:cSld>
     <p:spTree>
@@ -37511,39 +39062,61 @@
             </a:r>
             <a:r>
               <a:rPr lang="zh-CN" altLang="en-US" sz="3200" dirty="0"/>
-              <a:t>目标和内容</a:t>
+              <a:t>背景及</a:t>
             </a:r>
+            <a:r>
+              <a:rPr lang="zh-CN" altLang="en-US" sz="3200" dirty="0" smtClean="0"/>
+              <a:t>意义</a:t>
+            </a:r>
+            <a:endParaRPr lang="en-US" altLang="zh-CN" sz="3200" dirty="0" smtClean="0"/>
+          </a:p>
+          <a:p>
+            <a:endParaRPr lang="en-US" altLang="zh-CN" sz="3200" dirty="0"/>
+          </a:p>
+          <a:p>
+            <a:r>
+              <a:rPr lang="zh-CN" altLang="en-US" sz="3200" dirty="0" smtClean="0"/>
+              <a:t> 研究</a:t>
+            </a:r>
+            <a:r>
+              <a:rPr lang="zh-CN" altLang="en-US" sz="3200" dirty="0"/>
+              <a:t>目标和</a:t>
+            </a:r>
+            <a:r>
+              <a:rPr lang="zh-CN" altLang="en-US" sz="3200" dirty="0" smtClean="0"/>
+              <a:t>内容</a:t>
+            </a:r>
+            <a:endParaRPr lang="en-US" altLang="zh-CN" sz="3200" dirty="0" smtClean="0"/>
+          </a:p>
+          <a:p>
             <a:endParaRPr lang="en-US" altLang="zh-CN" sz="3200" dirty="0" smtClean="0"/>
           </a:p>
           <a:p>
             <a:r>
               <a:rPr lang="zh-CN" altLang="en-US" sz="3200" dirty="0" smtClean="0"/>
-              <a:t> </a:t>
+              <a:t> 已</a:t>
             </a:r>
             <a:r>
               <a:rPr lang="zh-CN" altLang="en-US" sz="3200" dirty="0" smtClean="0"/>
-              <a:t>方案和内容</a:t>
+              <a:t>完成</a:t>
             </a:r>
+            <a:r>
+              <a:rPr lang="zh-CN" altLang="en-US" sz="3200" dirty="0" smtClean="0"/>
+              <a:t>工作</a:t>
+            </a:r>
+            <a:endParaRPr lang="en-US" altLang="zh-CN" sz="3200" dirty="0" smtClean="0"/>
+          </a:p>
+          <a:p>
             <a:endParaRPr lang="en-US" altLang="zh-CN" sz="3200" dirty="0" smtClean="0"/>
           </a:p>
           <a:p>
             <a:r>
               <a:rPr lang="zh-CN" altLang="en-US" sz="3200" dirty="0" smtClean="0"/>
-              <a:t> 已完成工作</a:t>
+              <a:t> 后续</a:t>
             </a:r>
-            <a:endParaRPr lang="en-US" altLang="zh-CN" sz="3200" dirty="0" smtClean="0"/>
-          </a:p>
-          <a:p>
             <a:r>
               <a:rPr lang="zh-CN" altLang="en-US" sz="3200" dirty="0" smtClean="0"/>
-              <a:t> 成果小结</a:t>
-            </a:r>
-            <a:endParaRPr lang="en-US" altLang="zh-CN" sz="3200" dirty="0" smtClean="0"/>
-          </a:p>
-          <a:p>
-            <a:r>
-              <a:rPr lang="zh-CN" altLang="en-US" sz="3200" dirty="0" smtClean="0"/>
-              <a:t> 后续工作</a:t>
+              <a:t>工作</a:t>
             </a:r>
             <a:endParaRPr lang="zh-CN" altLang="en-US" sz="3200" dirty="0"/>
           </a:p>
@@ -37937,440 +39510,6 @@
 </file>
 
 <file path=ppt/slides/slide4.xml><?xml version="1.0" encoding="utf-8"?>
-<p:sld xmlns:a="http://schemas.openxmlformats.org/drawingml/2006/main" xmlns:r="http://schemas.openxmlformats.org/officeDocument/2006/relationships" xmlns:p="http://schemas.openxmlformats.org/presentationml/2006/main" show="0">
-  <p:cSld>
-    <p:spTree>
-      <p:nvGrpSpPr>
-        <p:cNvPr id="1" name=""/>
-        <p:cNvGrpSpPr/>
-        <p:nvPr/>
-      </p:nvGrpSpPr>
-      <p:grpSpPr>
-        <a:xfrm>
-          <a:off x="0" y="0"/>
-          <a:ext cx="0" cy="0"/>
-          <a:chOff x="0" y="0"/>
-          <a:chExt cx="0" cy="0"/>
-        </a:xfrm>
-      </p:grpSpPr>
-      <p:sp>
-        <p:nvSpPr>
-          <p:cNvPr id="2" name="内容占位符 1"/>
-          <p:cNvSpPr>
-            <a:spLocks noGrp="1"/>
-          </p:cNvSpPr>
-          <p:nvPr>
-            <p:ph idx="1"/>
-          </p:nvPr>
-        </p:nvSpPr>
-        <p:spPr>
-          <a:xfrm>
-            <a:off x="228600" y="1245577"/>
-            <a:ext cx="8661400" cy="4902200"/>
-          </a:xfrm>
-        </p:spPr>
-        <p:txBody>
-          <a:bodyPr/>
-          <a:lstStyle/>
-          <a:p>
-            <a:pPr marL="457200" lvl="1" indent="-457200">
-              <a:lnSpc>
-                <a:spcPct val="125000"/>
-              </a:lnSpc>
-              <a:spcBef>
-                <a:spcPct val="50000"/>
-              </a:spcBef>
-              <a:buClr>
-                <a:schemeClr val="accent6"/>
-              </a:buClr>
-              <a:buFont typeface="Wingdings" panose="05000000000000000000" pitchFamily="2" charset="2"/>
-              <a:buChar char="l"/>
-            </a:pPr>
-            <a:r>
-              <a:rPr lang="en-US" altLang="zh-CN" sz="2200" dirty="0"/>
-              <a:t>Ando </a:t>
-            </a:r>
-            <a:r>
-              <a:rPr lang="zh-CN" altLang="en-US" sz="2200" dirty="0"/>
-              <a:t>和</a:t>
-            </a:r>
-            <a:r>
-              <a:rPr lang="en-US" altLang="zh-CN" sz="2200" dirty="0"/>
-              <a:t> Zhang</a:t>
-            </a:r>
-            <a:r>
-              <a:rPr lang="zh-CN" altLang="en-US" sz="2200" dirty="0"/>
-              <a:t>（</a:t>
-            </a:r>
-            <a:r>
-              <a:rPr lang="en-US" altLang="zh-CN" sz="2200" dirty="0"/>
-              <a:t> 2005</a:t>
-            </a:r>
-            <a:r>
-              <a:rPr lang="zh-CN" altLang="en-US" sz="2200" dirty="0"/>
-              <a:t>）</a:t>
-            </a:r>
-            <a:r>
-              <a:rPr lang="en-US" altLang="zh-CN" sz="2200" dirty="0"/>
-              <a:t> </a:t>
-            </a:r>
-            <a:r>
-              <a:rPr lang="zh-CN" altLang="en-US" sz="2200" dirty="0"/>
-              <a:t>采用</a:t>
-            </a:r>
-            <a:r>
-              <a:rPr lang="en-US" altLang="zh-CN" sz="2200" dirty="0"/>
-              <a:t> </a:t>
-            </a:r>
-            <a:r>
-              <a:rPr lang="zh-CN" altLang="en-US" sz="2200" dirty="0"/>
-              <a:t>半监督方式得到</a:t>
-            </a:r>
-            <a:r>
-              <a:rPr lang="en-US" altLang="zh-CN" sz="2200" dirty="0"/>
-              <a:t>F</a:t>
-            </a:r>
-            <a:r>
-              <a:rPr lang="zh-CN" altLang="en-US" sz="2200" dirty="0"/>
-              <a:t>值</a:t>
-            </a:r>
-            <a:r>
-              <a:rPr lang="en-US" altLang="zh-CN" sz="2200" dirty="0"/>
-              <a:t>89.31%</a:t>
-            </a:r>
-          </a:p>
-          <a:p>
-            <a:pPr marL="457200" lvl="1" indent="-457200">
-              <a:lnSpc>
-                <a:spcPct val="125000"/>
-              </a:lnSpc>
-              <a:spcBef>
-                <a:spcPct val="50000"/>
-              </a:spcBef>
-              <a:buClr>
-                <a:schemeClr val="accent6"/>
-              </a:buClr>
-              <a:buFont typeface="Wingdings" panose="05000000000000000000" pitchFamily="2" charset="2"/>
-              <a:buChar char="l"/>
-            </a:pPr>
-            <a:r>
-              <a:rPr lang="en-US" altLang="zh-CN" sz="2200" dirty="0"/>
-              <a:t>Wang</a:t>
-            </a:r>
-            <a:r>
-              <a:rPr lang="zh-CN" altLang="en-US" sz="2200" dirty="0"/>
-              <a:t>（</a:t>
-            </a:r>
-            <a:r>
-              <a:rPr lang="en-US" altLang="zh-CN" sz="2200" dirty="0"/>
-              <a:t>2015</a:t>
-            </a:r>
-            <a:r>
-              <a:rPr lang="zh-CN" altLang="en-US" sz="2200" dirty="0"/>
-              <a:t>）</a:t>
-            </a:r>
-            <a:r>
-              <a:rPr lang="en-US" altLang="zh-CN" sz="2200" dirty="0"/>
-              <a:t> </a:t>
-            </a:r>
-            <a:r>
-              <a:rPr lang="zh-CN" altLang="en-US" sz="2200" dirty="0"/>
-              <a:t>等人 采用 </a:t>
-            </a:r>
-            <a:r>
-              <a:rPr lang="en-US" altLang="zh-CN" sz="2200" dirty="0" err="1"/>
-              <a:t>BiLSTM</a:t>
-            </a:r>
-            <a:r>
-              <a:rPr lang="zh-CN" altLang="en-US" sz="2200" dirty="0"/>
-              <a:t>模型进行训练，获得</a:t>
-            </a:r>
-            <a:r>
-              <a:rPr lang="en-US" altLang="zh-CN" sz="2200" dirty="0"/>
-              <a:t>F</a:t>
-            </a:r>
-            <a:r>
-              <a:rPr lang="zh-CN" altLang="en-US" sz="2200" dirty="0"/>
-              <a:t>值</a:t>
-            </a:r>
-            <a:r>
-              <a:rPr lang="en-US" altLang="zh-CN" sz="2200" dirty="0"/>
-              <a:t>89.64%</a:t>
-            </a:r>
-          </a:p>
-          <a:p>
-            <a:pPr marL="457200" lvl="1" indent="-457200">
-              <a:lnSpc>
-                <a:spcPct val="125000"/>
-              </a:lnSpc>
-              <a:spcBef>
-                <a:spcPct val="50000"/>
-              </a:spcBef>
-              <a:buClr>
-                <a:schemeClr val="accent6"/>
-              </a:buClr>
-              <a:buFont typeface="Wingdings" panose="05000000000000000000" pitchFamily="2" charset="2"/>
-              <a:buChar char="l"/>
-            </a:pPr>
-            <a:r>
-              <a:rPr lang="en-US" altLang="zh-CN" sz="2200" dirty="0"/>
-              <a:t>Huang</a:t>
-            </a:r>
-            <a:r>
-              <a:rPr lang="zh-CN" altLang="en-US" sz="2200" dirty="0"/>
-              <a:t>等人（</a:t>
-            </a:r>
-            <a:r>
-              <a:rPr lang="en-US" altLang="zh-CN" sz="2200" dirty="0"/>
-              <a:t>2015</a:t>
-            </a:r>
-            <a:r>
-              <a:rPr lang="zh-CN" altLang="en-US" sz="2200" dirty="0"/>
-              <a:t>）采用</a:t>
-            </a:r>
-            <a:r>
-              <a:rPr lang="en-US" altLang="zh-CN" sz="2200" dirty="0" err="1"/>
-              <a:t>BiLSTM</a:t>
-            </a:r>
-            <a:r>
-              <a:rPr lang="en-US" altLang="zh-CN" sz="2200" dirty="0"/>
-              <a:t>-CRF</a:t>
-            </a:r>
-            <a:r>
-              <a:rPr lang="zh-CN" altLang="en-US" sz="2200" dirty="0"/>
-              <a:t>模型进行训练，获得</a:t>
-            </a:r>
-            <a:r>
-              <a:rPr lang="en-US" altLang="zh-CN" sz="2200" dirty="0"/>
-              <a:t>F</a:t>
-            </a:r>
-            <a:r>
-              <a:rPr lang="zh-CN" altLang="en-US" sz="2200" dirty="0"/>
-              <a:t>值</a:t>
-            </a:r>
-            <a:r>
-              <a:rPr lang="en-US" altLang="zh-CN" sz="2200" dirty="0"/>
-              <a:t>90.10%</a:t>
-            </a:r>
-          </a:p>
-          <a:p>
-            <a:pPr lvl="1">
-              <a:lnSpc>
-                <a:spcPct val="125000"/>
-              </a:lnSpc>
-            </a:pPr>
-            <a:endParaRPr lang="en-US" altLang="zh-CN" sz="2200" dirty="0" smtClean="0"/>
-          </a:p>
-          <a:p>
-            <a:pPr marL="338138" lvl="1" indent="0">
-              <a:lnSpc>
-                <a:spcPct val="125000"/>
-              </a:lnSpc>
-              <a:buNone/>
-            </a:pPr>
-            <a:r>
-              <a:rPr lang="en-US" altLang="zh-CN" sz="1400" dirty="0" smtClean="0">
-                <a:solidFill>
-                  <a:schemeClr val="tx1"/>
-                </a:solidFill>
-                <a:cs typeface="微软雅黑" pitchFamily="34" charset="-122"/>
-              </a:rPr>
-              <a:t>Ando </a:t>
-            </a:r>
-            <a:r>
-              <a:rPr lang="en-US" altLang="zh-CN" sz="1400" dirty="0">
-                <a:solidFill>
-                  <a:schemeClr val="tx1"/>
-                </a:solidFill>
-                <a:cs typeface="微软雅黑" pitchFamily="34" charset="-122"/>
-              </a:rPr>
-              <a:t>R K, Zhang T. A framework for learning predictive structures from multiple tasks and unlabeled data[J]. Journal of Machine Learning Research, 2005, 6(Nov): 1817-1853.</a:t>
-            </a:r>
-          </a:p>
-          <a:p>
-            <a:pPr marL="338138" lvl="1" indent="0">
-              <a:lnSpc>
-                <a:spcPct val="125000"/>
-              </a:lnSpc>
-              <a:buNone/>
-            </a:pPr>
-            <a:r>
-              <a:rPr lang="en-US" altLang="zh-CN" sz="1400" dirty="0">
-                <a:solidFill>
-                  <a:schemeClr val="tx1"/>
-                </a:solidFill>
-                <a:cs typeface="微软雅黑" pitchFamily="34" charset="-122"/>
-              </a:rPr>
-              <a:t>Wang P, Qian Y, Soong F K, et al. A Unified Tagging Solution: Bidirectional LSTM Recurrent Neural Network with Word Embedding[J]. </a:t>
-            </a:r>
-            <a:r>
-              <a:rPr lang="en-US" altLang="zh-CN" sz="1400" dirty="0" err="1">
-                <a:solidFill>
-                  <a:schemeClr val="tx1"/>
-                </a:solidFill>
-                <a:cs typeface="微软雅黑" pitchFamily="34" charset="-122"/>
-              </a:rPr>
-              <a:t>arXiv</a:t>
-            </a:r>
-            <a:r>
-              <a:rPr lang="en-US" altLang="zh-CN" sz="1400" dirty="0">
-                <a:solidFill>
-                  <a:schemeClr val="tx1"/>
-                </a:solidFill>
-                <a:cs typeface="微软雅黑" pitchFamily="34" charset="-122"/>
-              </a:rPr>
-              <a:t> preprint arXiv:1511.00215, 2015</a:t>
-            </a:r>
-            <a:r>
-              <a:rPr lang="en-US" altLang="zh-CN" sz="1400" dirty="0" smtClean="0">
-                <a:solidFill>
-                  <a:schemeClr val="tx1"/>
-                </a:solidFill>
-                <a:cs typeface="微软雅黑" pitchFamily="34" charset="-122"/>
-              </a:rPr>
-              <a:t>.</a:t>
-            </a:r>
-            <a:endParaRPr lang="en-US" altLang="zh-CN" sz="1400" dirty="0">
-              <a:solidFill>
-                <a:schemeClr val="tx1"/>
-              </a:solidFill>
-              <a:cs typeface="微软雅黑" pitchFamily="34" charset="-122"/>
-            </a:endParaRPr>
-          </a:p>
-          <a:p>
-            <a:pPr marL="338138" lvl="1" indent="0">
-              <a:lnSpc>
-                <a:spcPct val="125000"/>
-              </a:lnSpc>
-              <a:buNone/>
-            </a:pPr>
-            <a:r>
-              <a:rPr lang="en-US" altLang="zh-CN" sz="1400" dirty="0" smtClean="0">
-                <a:solidFill>
-                  <a:schemeClr val="tx1"/>
-                </a:solidFill>
-                <a:cs typeface="微软雅黑" pitchFamily="34" charset="-122"/>
-              </a:rPr>
-              <a:t>Huang </a:t>
-            </a:r>
-            <a:r>
-              <a:rPr lang="en-US" altLang="zh-CN" sz="1400" dirty="0">
-                <a:solidFill>
-                  <a:schemeClr val="tx1"/>
-                </a:solidFill>
-                <a:cs typeface="微软雅黑" pitchFamily="34" charset="-122"/>
-              </a:rPr>
-              <a:t>Z, Xu W, Yu K. Bidirectional LSTM-CRF models for sequence tagging[J]. </a:t>
-            </a:r>
-            <a:r>
-              <a:rPr lang="en-US" altLang="zh-CN" sz="1400" dirty="0" err="1">
-                <a:solidFill>
-                  <a:schemeClr val="tx1"/>
-                </a:solidFill>
-                <a:cs typeface="微软雅黑" pitchFamily="34" charset="-122"/>
-              </a:rPr>
-              <a:t>arXiv</a:t>
-            </a:r>
-            <a:r>
-              <a:rPr lang="en-US" altLang="zh-CN" sz="1400" dirty="0">
-                <a:solidFill>
-                  <a:schemeClr val="tx1"/>
-                </a:solidFill>
-                <a:cs typeface="微软雅黑" pitchFamily="34" charset="-122"/>
-              </a:rPr>
-              <a:t> preprint arXiv:1508.01991, 2015.</a:t>
-            </a:r>
-          </a:p>
-          <a:p>
-            <a:pPr marL="338138" lvl="1" indent="0">
-              <a:lnSpc>
-                <a:spcPct val="125000"/>
-              </a:lnSpc>
-              <a:buNone/>
-            </a:pPr>
-            <a:endParaRPr lang="en-US" altLang="zh-CN" sz="1400" dirty="0">
-              <a:solidFill>
-                <a:schemeClr val="tx1"/>
-              </a:solidFill>
-              <a:cs typeface="微软雅黑" pitchFamily="34" charset="-122"/>
-            </a:endParaRPr>
-          </a:p>
-          <a:p>
-            <a:pPr marL="338138" lvl="1" indent="0">
-              <a:lnSpc>
-                <a:spcPct val="125000"/>
-              </a:lnSpc>
-              <a:buNone/>
-            </a:pPr>
-            <a:endParaRPr lang="en-US" altLang="zh-CN" sz="1400" dirty="0">
-              <a:solidFill>
-                <a:schemeClr val="tx1"/>
-              </a:solidFill>
-              <a:cs typeface="微软雅黑" pitchFamily="34" charset="-122"/>
-            </a:endParaRPr>
-          </a:p>
-          <a:p>
-            <a:endParaRPr lang="zh-CN" altLang="en-US" sz="1400" b="0" dirty="0"/>
-          </a:p>
-        </p:txBody>
-      </p:sp>
-      <p:sp>
-        <p:nvSpPr>
-          <p:cNvPr id="3" name="标题 2"/>
-          <p:cNvSpPr>
-            <a:spLocks noGrp="1"/>
-          </p:cNvSpPr>
-          <p:nvPr>
-            <p:ph type="title"/>
-          </p:nvPr>
-        </p:nvSpPr>
-        <p:spPr>
-          <a:xfrm>
-            <a:off x="359230" y="188914"/>
-            <a:ext cx="5388427" cy="707886"/>
-          </a:xfrm>
-        </p:spPr>
-        <p:txBody>
-          <a:bodyPr/>
-          <a:lstStyle/>
-          <a:p>
-            <a:r>
-              <a:rPr lang="zh-CN" altLang="en-US" sz="4000" b="1" dirty="0" smtClean="0"/>
-              <a:t>研究现状</a:t>
-            </a:r>
-            <a:endParaRPr lang="zh-CN" altLang="en-US" sz="4000" b="1" dirty="0"/>
-          </a:p>
-        </p:txBody>
-      </p:sp>
-    </p:spTree>
-    <p:extLst>
-      <p:ext uri="{BB962C8B-B14F-4D97-AF65-F5344CB8AC3E}">
-        <p14:creationId xmlns:p14="http://schemas.microsoft.com/office/powerpoint/2010/main" val="4085171900"/>
-      </p:ext>
-    </p:extLst>
-  </p:cSld>
-  <p:clrMapOvr>
-    <a:masterClrMapping/>
-  </p:clrMapOvr>
-  <mc:AlternateContent xmlns:mc="http://schemas.openxmlformats.org/markup-compatibility/2006">
-    <mc:Choice xmlns:p14="http://schemas.microsoft.com/office/powerpoint/2010/main" Requires="p14">
-      <p:transition spd="slow" p14:dur="2000"/>
-    </mc:Choice>
-    <mc:Fallback>
-      <p:transition spd="slow"/>
-    </mc:Fallback>
-  </mc:AlternateContent>
-  <p:timing>
-    <p:tnLst>
-      <p:par>
-        <p:cTn id="1" dur="indefinite" restart="never" nodeType="tmRoot"/>
-      </p:par>
-    </p:tnLst>
-  </p:timing>
-</p:sld>
-</file>
-
-<file path=ppt/slides/slide5.xml><?xml version="1.0" encoding="utf-8"?>
 <p:sld xmlns:a="http://schemas.openxmlformats.org/drawingml/2006/main" xmlns:r="http://schemas.openxmlformats.org/officeDocument/2006/relationships" xmlns:p="http://schemas.openxmlformats.org/presentationml/2006/main">
   <p:cSld>
     <p:spTree>
@@ -38420,7 +39559,11 @@
             </a:r>
             <a:r>
               <a:rPr lang="zh-CN" altLang="en-US" sz="2200" dirty="0" smtClean="0"/>
-              <a:t>情况下，实现关于新疆暴恐事件的命名实体识别。</a:t>
+              <a:t>情况下，实现关于新疆暴恐事件的命名实体识别</a:t>
+            </a:r>
+            <a:r>
+              <a:rPr lang="zh-CN" altLang="en-US" sz="2200" dirty="0" smtClean="0"/>
+              <a:t>。</a:t>
             </a:r>
             <a:endParaRPr lang="en-US" altLang="zh-CN" sz="2200" dirty="0" smtClean="0"/>
           </a:p>
@@ -38496,6 +39639,18 @@
                 <a:spcPct val="125000"/>
               </a:lnSpc>
             </a:pPr>
+            <a:r>
+              <a:rPr lang="zh-CN" altLang="en-US" sz="2200" dirty="0" smtClean="0"/>
+              <a:t>迁移学习</a:t>
+            </a:r>
+            <a:endParaRPr lang="en-US" altLang="zh-CN" sz="2200" dirty="0" smtClean="0"/>
+          </a:p>
+          <a:p>
+            <a:pPr lvl="1">
+              <a:lnSpc>
+                <a:spcPct val="125000"/>
+              </a:lnSpc>
+            </a:pPr>
             <a:endParaRPr lang="en-US" altLang="zh-CN" sz="2200" dirty="0" smtClean="0"/>
           </a:p>
         </p:txBody>
@@ -38548,6 +39703,713 @@
 </p:sld>
 </file>
 
+<file path=ppt/slides/slide5.xml><?xml version="1.0" encoding="utf-8"?>
+<p:sld xmlns:a="http://schemas.openxmlformats.org/drawingml/2006/main" xmlns:r="http://schemas.openxmlformats.org/officeDocument/2006/relationships" xmlns:p="http://schemas.openxmlformats.org/presentationml/2006/main">
+  <p:cSld>
+    <p:spTree>
+      <p:nvGrpSpPr>
+        <p:cNvPr id="1" name=""/>
+        <p:cNvGrpSpPr/>
+        <p:nvPr/>
+      </p:nvGrpSpPr>
+      <p:grpSpPr>
+        <a:xfrm>
+          <a:off x="0" y="0"/>
+          <a:ext cx="0" cy="0"/>
+          <a:chOff x="0" y="0"/>
+          <a:chExt cx="0" cy="0"/>
+        </a:xfrm>
+      </p:grpSpPr>
+      <p:sp>
+        <p:nvSpPr>
+          <p:cNvPr id="2" name="内容占位符 1"/>
+          <p:cNvSpPr>
+            <a:spLocks noGrp="1"/>
+          </p:cNvSpPr>
+          <p:nvPr>
+            <p:ph idx="1"/>
+          </p:nvPr>
+        </p:nvSpPr>
+        <p:spPr/>
+        <p:txBody>
+          <a:bodyPr/>
+          <a:lstStyle/>
+          <a:p>
+            <a:pPr marL="354013" lvl="1" indent="-354013">
+              <a:buClr>
+                <a:srgbClr val="FBB030"/>
+              </a:buClr>
+              <a:buFont typeface="Wingdings" pitchFamily="2" charset="2"/>
+              <a:buChar char="l"/>
+            </a:pPr>
+            <a:r>
+              <a:rPr lang="zh-CN" altLang="en-US" sz="2400" b="1" dirty="0" smtClean="0">
+                <a:solidFill>
+                  <a:schemeClr val="tx1"/>
+                </a:solidFill>
+                <a:cs typeface="微软雅黑" pitchFamily="34" charset="-122"/>
+              </a:rPr>
+              <a:t>语料采集</a:t>
+            </a:r>
+            <a:endParaRPr lang="en-US" altLang="zh-CN" sz="2400" b="1" dirty="0" smtClean="0">
+              <a:solidFill>
+                <a:schemeClr val="tx1"/>
+              </a:solidFill>
+              <a:cs typeface="微软雅黑" pitchFamily="34" charset="-122"/>
+            </a:endParaRPr>
+          </a:p>
+          <a:p>
+            <a:pPr marL="873125" lvl="2"/>
+            <a:r>
+              <a:rPr lang="zh-CN" altLang="en-US" sz="2400" b="1" dirty="0" smtClean="0">
+                <a:solidFill>
+                  <a:schemeClr val="tx1"/>
+                </a:solidFill>
+                <a:cs typeface="微软雅黑" pitchFamily="34" charset="-122"/>
+              </a:rPr>
+              <a:t>来源：</a:t>
+            </a:r>
+            <a:r>
+              <a:rPr lang="en-US" altLang="zh-CN" sz="2400" b="1" dirty="0" smtClean="0">
+                <a:solidFill>
+                  <a:schemeClr val="tx1"/>
+                </a:solidFill>
+                <a:cs typeface="微软雅黑" pitchFamily="34" charset="-122"/>
+              </a:rPr>
+              <a:t>GDELT</a:t>
+            </a:r>
+          </a:p>
+          <a:p>
+            <a:pPr marL="873125" lvl="2"/>
+            <a:r>
+              <a:rPr lang="zh-CN" altLang="en-US" sz="2400" b="1" dirty="0" smtClean="0">
+                <a:solidFill>
+                  <a:schemeClr val="tx1"/>
+                </a:solidFill>
+                <a:cs typeface="微软雅黑" pitchFamily="34" charset="-122"/>
+              </a:rPr>
+              <a:t>采集新闻分布</a:t>
+            </a:r>
+            <a:endParaRPr lang="en-US" altLang="zh-CN" sz="2200" dirty="0"/>
+          </a:p>
+          <a:p>
+            <a:pPr marL="354013" lvl="1" indent="-354013">
+              <a:buClr>
+                <a:srgbClr val="FBB030"/>
+              </a:buClr>
+              <a:buFont typeface="Wingdings" pitchFamily="2" charset="2"/>
+              <a:buChar char="l"/>
+            </a:pPr>
+            <a:endParaRPr lang="en-US" altLang="zh-CN" sz="2400" b="1" dirty="0" smtClean="0">
+              <a:solidFill>
+                <a:schemeClr val="tx1"/>
+              </a:solidFill>
+              <a:cs typeface="微软雅黑" pitchFamily="34" charset="-122"/>
+            </a:endParaRPr>
+          </a:p>
+          <a:p>
+            <a:pPr marL="354013" lvl="1" indent="-354013">
+              <a:buClr>
+                <a:srgbClr val="FBB030"/>
+              </a:buClr>
+              <a:buFont typeface="Wingdings" pitchFamily="2" charset="2"/>
+              <a:buChar char="l"/>
+            </a:pPr>
+            <a:endParaRPr lang="en-US" altLang="zh-CN" sz="2400" b="1" dirty="0">
+              <a:solidFill>
+                <a:schemeClr val="tx1"/>
+              </a:solidFill>
+              <a:cs typeface="微软雅黑" pitchFamily="34" charset="-122"/>
+            </a:endParaRPr>
+          </a:p>
+          <a:p>
+            <a:pPr marL="354013" lvl="1" indent="-354013">
+              <a:buClr>
+                <a:srgbClr val="FBB030"/>
+              </a:buClr>
+              <a:buFont typeface="Wingdings" pitchFamily="2" charset="2"/>
+              <a:buChar char="l"/>
+            </a:pPr>
+            <a:endParaRPr lang="en-US" altLang="zh-CN" sz="2400" b="1" dirty="0" smtClean="0">
+              <a:solidFill>
+                <a:schemeClr val="tx1"/>
+              </a:solidFill>
+              <a:cs typeface="微软雅黑" pitchFamily="34" charset="-122"/>
+            </a:endParaRPr>
+          </a:p>
+          <a:p>
+            <a:pPr marL="354013" lvl="1" indent="-354013">
+              <a:buClr>
+                <a:srgbClr val="FBB030"/>
+              </a:buClr>
+              <a:buFont typeface="Wingdings" pitchFamily="2" charset="2"/>
+              <a:buChar char="l"/>
+            </a:pPr>
+            <a:endParaRPr lang="en-US" altLang="zh-CN" sz="2400" b="1" dirty="0">
+              <a:solidFill>
+                <a:schemeClr val="tx1"/>
+              </a:solidFill>
+              <a:cs typeface="微软雅黑" pitchFamily="34" charset="-122"/>
+            </a:endParaRPr>
+          </a:p>
+          <a:p>
+            <a:pPr marL="354013" lvl="1" indent="-354013">
+              <a:buClr>
+                <a:srgbClr val="FBB030"/>
+              </a:buClr>
+              <a:buFont typeface="Wingdings" pitchFamily="2" charset="2"/>
+              <a:buChar char="l"/>
+            </a:pPr>
+            <a:endParaRPr lang="en-US" altLang="zh-CN" sz="2400" b="1" dirty="0" smtClean="0">
+              <a:solidFill>
+                <a:schemeClr val="tx1"/>
+              </a:solidFill>
+              <a:cs typeface="微软雅黑" pitchFamily="34" charset="-122"/>
+            </a:endParaRPr>
+          </a:p>
+          <a:p>
+            <a:pPr marL="354013" lvl="1" indent="-354013">
+              <a:buClr>
+                <a:srgbClr val="FBB030"/>
+              </a:buClr>
+              <a:buFont typeface="Wingdings" pitchFamily="2" charset="2"/>
+              <a:buChar char="l"/>
+            </a:pPr>
+            <a:endParaRPr lang="en-US" altLang="zh-CN" sz="2400" b="1" dirty="0">
+              <a:solidFill>
+                <a:schemeClr val="tx1"/>
+              </a:solidFill>
+              <a:cs typeface="微软雅黑" pitchFamily="34" charset="-122"/>
+            </a:endParaRPr>
+          </a:p>
+          <a:p>
+            <a:pPr lvl="1"/>
+            <a:endParaRPr lang="en-US" altLang="zh-CN" sz="2000" dirty="0" smtClean="0">
+              <a:solidFill>
+                <a:schemeClr val="tx2"/>
+              </a:solidFill>
+            </a:endParaRPr>
+          </a:p>
+          <a:p>
+            <a:pPr marL="338138" lvl="1" indent="0">
+              <a:buNone/>
+            </a:pPr>
+            <a:endParaRPr lang="zh-CN" altLang="en-US" sz="2000" dirty="0">
+              <a:solidFill>
+                <a:schemeClr val="tx2"/>
+              </a:solidFill>
+            </a:endParaRPr>
+          </a:p>
+        </p:txBody>
+      </p:sp>
+      <p:sp>
+        <p:nvSpPr>
+          <p:cNvPr id="3" name="标题 2"/>
+          <p:cNvSpPr>
+            <a:spLocks noGrp="1"/>
+          </p:cNvSpPr>
+          <p:nvPr>
+            <p:ph type="title"/>
+          </p:nvPr>
+        </p:nvSpPr>
+        <p:spPr>
+          <a:xfrm>
+            <a:off x="359230" y="188914"/>
+            <a:ext cx="5388427" cy="707886"/>
+          </a:xfrm>
+        </p:spPr>
+        <p:txBody>
+          <a:bodyPr/>
+          <a:lstStyle/>
+          <a:p>
+            <a:r>
+              <a:rPr lang="zh-CN" altLang="en-US" sz="4000" b="1" dirty="0" smtClean="0"/>
+              <a:t>已完成工作</a:t>
+            </a:r>
+            <a:endParaRPr lang="zh-CN" altLang="en-US" sz="4000" b="1" dirty="0"/>
+          </a:p>
+        </p:txBody>
+      </p:sp>
+      <p:graphicFrame>
+        <p:nvGraphicFramePr>
+          <p:cNvPr id="4" name="表格 3"/>
+          <p:cNvGraphicFramePr>
+            <a:graphicFrameLocks noGrp="1"/>
+          </p:cNvGraphicFramePr>
+          <p:nvPr>
+            <p:extLst>
+              <p:ext uri="{D42A27DB-BD31-4B8C-83A1-F6EECF244321}">
+                <p14:modId xmlns:p14="http://schemas.microsoft.com/office/powerpoint/2010/main" val="127253426"/>
+              </p:ext>
+            </p:extLst>
+          </p:nvPr>
+        </p:nvGraphicFramePr>
+        <p:xfrm>
+          <a:off x="986016" y="3054885"/>
+          <a:ext cx="4761640" cy="2785740"/>
+        </p:xfrm>
+        <a:graphic>
+          <a:graphicData uri="http://schemas.openxmlformats.org/drawingml/2006/table">
+            <a:tbl>
+              <a:tblPr>
+                <a:tableStyleId>{5C22544A-7EE6-4342-B048-85BDC9FD1C3A}</a:tableStyleId>
+              </a:tblPr>
+              <a:tblGrid>
+                <a:gridCol w="2380820"/>
+                <a:gridCol w="2380820"/>
+              </a:tblGrid>
+              <a:tr h="464290">
+                <a:tc>
+                  <a:txBody>
+                    <a:bodyPr/>
+                    <a:lstStyle/>
+                    <a:p>
+                      <a:pPr algn="ctr">
+                        <a:lnSpc>
+                          <a:spcPct val="150000"/>
+                        </a:lnSpc>
+                        <a:spcAft>
+                          <a:spcPts val="0"/>
+                        </a:spcAft>
+                        <a:tabLst>
+                          <a:tab pos="239395" algn="l"/>
+                        </a:tabLst>
+                      </a:pPr>
+                      <a:r>
+                        <a:rPr lang="zh-CN" sz="2000" kern="100" dirty="0">
+                          <a:effectLst/>
+                          <a:latin typeface="Times New Roman" panose="02020603050405020304" pitchFamily="18" charset="0"/>
+                          <a:cs typeface="Times New Roman" panose="02020603050405020304" pitchFamily="18" charset="0"/>
+                        </a:rPr>
+                        <a:t>新闻来源</a:t>
+                      </a:r>
+                      <a:endParaRPr lang="zh-CN" sz="2000" kern="100" dirty="0">
+                        <a:effectLst/>
+                        <a:latin typeface="Times New Roman" panose="02020603050405020304" pitchFamily="18" charset="0"/>
+                        <a:ea typeface="宋体" panose="02010600030101010101" pitchFamily="2" charset="-122"/>
+                        <a:cs typeface="Times New Roman" panose="02020603050405020304" pitchFamily="18" charset="0"/>
+                      </a:endParaRPr>
+                    </a:p>
+                  </a:txBody>
+                  <a:tcPr marL="68580" marR="68580" marT="0" marB="0" anchor="ctr"/>
+                </a:tc>
+                <a:tc>
+                  <a:txBody>
+                    <a:bodyPr/>
+                    <a:lstStyle/>
+                    <a:p>
+                      <a:pPr algn="ctr">
+                        <a:lnSpc>
+                          <a:spcPct val="150000"/>
+                        </a:lnSpc>
+                        <a:spcAft>
+                          <a:spcPts val="0"/>
+                        </a:spcAft>
+                        <a:tabLst>
+                          <a:tab pos="239395" algn="l"/>
+                        </a:tabLst>
+                      </a:pPr>
+                      <a:r>
+                        <a:rPr lang="zh-CN" sz="2000" kern="100" dirty="0">
+                          <a:effectLst/>
+                          <a:latin typeface="Times New Roman" panose="02020603050405020304" pitchFamily="18" charset="0"/>
+                          <a:cs typeface="Times New Roman" panose="02020603050405020304" pitchFamily="18" charset="0"/>
+                        </a:rPr>
+                        <a:t>数量</a:t>
+                      </a:r>
+                      <a:endParaRPr lang="zh-CN" sz="2000" kern="100" dirty="0">
+                        <a:effectLst/>
+                        <a:latin typeface="Times New Roman" panose="02020603050405020304" pitchFamily="18" charset="0"/>
+                        <a:ea typeface="宋体" panose="02010600030101010101" pitchFamily="2" charset="-122"/>
+                        <a:cs typeface="Times New Roman" panose="02020603050405020304" pitchFamily="18" charset="0"/>
+                      </a:endParaRPr>
+                    </a:p>
+                  </a:txBody>
+                  <a:tcPr marL="68580" marR="68580" marT="0" marB="0" anchor="ctr"/>
+                </a:tc>
+              </a:tr>
+              <a:tr h="464290">
+                <a:tc>
+                  <a:txBody>
+                    <a:bodyPr/>
+                    <a:lstStyle/>
+                    <a:p>
+                      <a:pPr algn="ctr">
+                        <a:lnSpc>
+                          <a:spcPct val="150000"/>
+                        </a:lnSpc>
+                        <a:spcAft>
+                          <a:spcPts val="0"/>
+                        </a:spcAft>
+                        <a:tabLst>
+                          <a:tab pos="239395" algn="l"/>
+                        </a:tabLst>
+                      </a:pPr>
+                      <a:r>
+                        <a:rPr lang="en-US" sz="2000" kern="100">
+                          <a:effectLst/>
+                          <a:latin typeface="Times New Roman" panose="02020603050405020304" pitchFamily="18" charset="0"/>
+                          <a:cs typeface="Times New Roman" panose="02020603050405020304" pitchFamily="18" charset="0"/>
+                        </a:rPr>
+                        <a:t>AsiaNews</a:t>
+                      </a:r>
+                      <a:endParaRPr lang="zh-CN" sz="2000" kern="100">
+                        <a:effectLst/>
+                        <a:latin typeface="Times New Roman" panose="02020603050405020304" pitchFamily="18" charset="0"/>
+                        <a:ea typeface="宋体" panose="02010600030101010101" pitchFamily="2" charset="-122"/>
+                        <a:cs typeface="Times New Roman" panose="02020603050405020304" pitchFamily="18" charset="0"/>
+                      </a:endParaRPr>
+                    </a:p>
+                  </a:txBody>
+                  <a:tcPr marL="68580" marR="68580" marT="0" marB="0" anchor="ctr"/>
+                </a:tc>
+                <a:tc>
+                  <a:txBody>
+                    <a:bodyPr/>
+                    <a:lstStyle/>
+                    <a:p>
+                      <a:pPr algn="ctr">
+                        <a:lnSpc>
+                          <a:spcPct val="150000"/>
+                        </a:lnSpc>
+                        <a:spcAft>
+                          <a:spcPts val="0"/>
+                        </a:spcAft>
+                        <a:tabLst>
+                          <a:tab pos="239395" algn="l"/>
+                        </a:tabLst>
+                      </a:pPr>
+                      <a:r>
+                        <a:rPr lang="en-US" sz="2000" kern="100" dirty="0">
+                          <a:effectLst/>
+                          <a:latin typeface="Times New Roman" panose="02020603050405020304" pitchFamily="18" charset="0"/>
+                          <a:cs typeface="Times New Roman" panose="02020603050405020304" pitchFamily="18" charset="0"/>
+                        </a:rPr>
+                        <a:t>216</a:t>
+                      </a:r>
+                      <a:endParaRPr lang="zh-CN" sz="2000" kern="100" dirty="0">
+                        <a:effectLst/>
+                        <a:latin typeface="Times New Roman" panose="02020603050405020304" pitchFamily="18" charset="0"/>
+                        <a:ea typeface="宋体" panose="02010600030101010101" pitchFamily="2" charset="-122"/>
+                        <a:cs typeface="Times New Roman" panose="02020603050405020304" pitchFamily="18" charset="0"/>
+                      </a:endParaRPr>
+                    </a:p>
+                  </a:txBody>
+                  <a:tcPr marL="68580" marR="68580" marT="0" marB="0" anchor="ctr"/>
+                </a:tc>
+              </a:tr>
+              <a:tr h="464290">
+                <a:tc>
+                  <a:txBody>
+                    <a:bodyPr/>
+                    <a:lstStyle/>
+                    <a:p>
+                      <a:pPr algn="ctr">
+                        <a:lnSpc>
+                          <a:spcPct val="150000"/>
+                        </a:lnSpc>
+                        <a:spcAft>
+                          <a:spcPts val="0"/>
+                        </a:spcAft>
+                        <a:tabLst>
+                          <a:tab pos="239395" algn="l"/>
+                        </a:tabLst>
+                      </a:pPr>
+                      <a:r>
+                        <a:rPr lang="en-US" sz="2000" kern="100">
+                          <a:effectLst/>
+                          <a:latin typeface="Times New Roman" panose="02020603050405020304" pitchFamily="18" charset="0"/>
+                          <a:cs typeface="Times New Roman" panose="02020603050405020304" pitchFamily="18" charset="0"/>
+                        </a:rPr>
+                        <a:t>dWNews</a:t>
+                      </a:r>
+                      <a:endParaRPr lang="zh-CN" sz="2000" kern="100">
+                        <a:effectLst/>
+                        <a:latin typeface="Times New Roman" panose="02020603050405020304" pitchFamily="18" charset="0"/>
+                        <a:ea typeface="宋体" panose="02010600030101010101" pitchFamily="2" charset="-122"/>
+                        <a:cs typeface="Times New Roman" panose="02020603050405020304" pitchFamily="18" charset="0"/>
+                      </a:endParaRPr>
+                    </a:p>
+                  </a:txBody>
+                  <a:tcPr marL="68580" marR="68580" marT="0" marB="0" anchor="ctr"/>
+                </a:tc>
+                <a:tc>
+                  <a:txBody>
+                    <a:bodyPr/>
+                    <a:lstStyle/>
+                    <a:p>
+                      <a:pPr algn="ctr">
+                        <a:lnSpc>
+                          <a:spcPct val="150000"/>
+                        </a:lnSpc>
+                        <a:spcAft>
+                          <a:spcPts val="0"/>
+                        </a:spcAft>
+                        <a:tabLst>
+                          <a:tab pos="239395" algn="l"/>
+                        </a:tabLst>
+                      </a:pPr>
+                      <a:r>
+                        <a:rPr lang="en-US" sz="2000" kern="100">
+                          <a:effectLst/>
+                          <a:latin typeface="Times New Roman" panose="02020603050405020304" pitchFamily="18" charset="0"/>
+                          <a:cs typeface="Times New Roman" panose="02020603050405020304" pitchFamily="18" charset="0"/>
+                        </a:rPr>
+                        <a:t>308</a:t>
+                      </a:r>
+                      <a:endParaRPr lang="zh-CN" sz="2000" kern="100">
+                        <a:effectLst/>
+                        <a:latin typeface="Times New Roman" panose="02020603050405020304" pitchFamily="18" charset="0"/>
+                        <a:ea typeface="宋体" panose="02010600030101010101" pitchFamily="2" charset="-122"/>
+                        <a:cs typeface="Times New Roman" panose="02020603050405020304" pitchFamily="18" charset="0"/>
+                      </a:endParaRPr>
+                    </a:p>
+                  </a:txBody>
+                  <a:tcPr marL="68580" marR="68580" marT="0" marB="0" anchor="ctr"/>
+                </a:tc>
+              </a:tr>
+              <a:tr h="464290">
+                <a:tc>
+                  <a:txBody>
+                    <a:bodyPr/>
+                    <a:lstStyle/>
+                    <a:p>
+                      <a:pPr algn="ctr">
+                        <a:lnSpc>
+                          <a:spcPct val="150000"/>
+                        </a:lnSpc>
+                        <a:spcAft>
+                          <a:spcPts val="0"/>
+                        </a:spcAft>
+                        <a:tabLst>
+                          <a:tab pos="239395" algn="l"/>
+                        </a:tabLst>
+                      </a:pPr>
+                      <a:r>
+                        <a:rPr lang="en-US" sz="2000" kern="100">
+                          <a:effectLst/>
+                          <a:latin typeface="Times New Roman" panose="02020603050405020304" pitchFamily="18" charset="0"/>
+                          <a:cs typeface="Times New Roman" panose="02020603050405020304" pitchFamily="18" charset="0"/>
+                        </a:rPr>
+                        <a:t>RFA</a:t>
+                      </a:r>
+                      <a:endParaRPr lang="zh-CN" sz="2000" kern="100">
+                        <a:effectLst/>
+                        <a:latin typeface="Times New Roman" panose="02020603050405020304" pitchFamily="18" charset="0"/>
+                        <a:ea typeface="宋体" panose="02010600030101010101" pitchFamily="2" charset="-122"/>
+                        <a:cs typeface="Times New Roman" panose="02020603050405020304" pitchFamily="18" charset="0"/>
+                      </a:endParaRPr>
+                    </a:p>
+                  </a:txBody>
+                  <a:tcPr marL="68580" marR="68580" marT="0" marB="0" anchor="ctr"/>
+                </a:tc>
+                <a:tc>
+                  <a:txBody>
+                    <a:bodyPr/>
+                    <a:lstStyle/>
+                    <a:p>
+                      <a:pPr algn="ctr">
+                        <a:lnSpc>
+                          <a:spcPct val="150000"/>
+                        </a:lnSpc>
+                        <a:spcAft>
+                          <a:spcPts val="0"/>
+                        </a:spcAft>
+                        <a:tabLst>
+                          <a:tab pos="239395" algn="l"/>
+                        </a:tabLst>
+                      </a:pPr>
+                      <a:r>
+                        <a:rPr lang="en-US" sz="2000" kern="100" dirty="0">
+                          <a:effectLst/>
+                          <a:latin typeface="Times New Roman" panose="02020603050405020304" pitchFamily="18" charset="0"/>
+                          <a:cs typeface="Times New Roman" panose="02020603050405020304" pitchFamily="18" charset="0"/>
+                        </a:rPr>
+                        <a:t>735</a:t>
+                      </a:r>
+                      <a:endParaRPr lang="zh-CN" sz="2000" kern="100" dirty="0">
+                        <a:effectLst/>
+                        <a:latin typeface="Times New Roman" panose="02020603050405020304" pitchFamily="18" charset="0"/>
+                        <a:ea typeface="宋体" panose="02010600030101010101" pitchFamily="2" charset="-122"/>
+                        <a:cs typeface="Times New Roman" panose="02020603050405020304" pitchFamily="18" charset="0"/>
+                      </a:endParaRPr>
+                    </a:p>
+                  </a:txBody>
+                  <a:tcPr marL="68580" marR="68580" marT="0" marB="0" anchor="ctr"/>
+                </a:tc>
+              </a:tr>
+              <a:tr h="464290">
+                <a:tc>
+                  <a:txBody>
+                    <a:bodyPr/>
+                    <a:lstStyle/>
+                    <a:p>
+                      <a:pPr algn="ctr">
+                        <a:lnSpc>
+                          <a:spcPct val="150000"/>
+                        </a:lnSpc>
+                        <a:spcAft>
+                          <a:spcPts val="0"/>
+                        </a:spcAft>
+                        <a:tabLst>
+                          <a:tab pos="239395" algn="l"/>
+                        </a:tabLst>
+                      </a:pPr>
+                      <a:r>
+                        <a:rPr lang="en-US" sz="2000" kern="100">
+                          <a:effectLst/>
+                          <a:latin typeface="Times New Roman" panose="02020603050405020304" pitchFamily="18" charset="0"/>
+                          <a:cs typeface="Times New Roman" panose="02020603050405020304" pitchFamily="18" charset="0"/>
+                        </a:rPr>
+                        <a:t>CDTNews</a:t>
+                      </a:r>
+                      <a:endParaRPr lang="zh-CN" sz="2000" kern="100">
+                        <a:effectLst/>
+                        <a:latin typeface="Times New Roman" panose="02020603050405020304" pitchFamily="18" charset="0"/>
+                        <a:ea typeface="宋体" panose="02010600030101010101" pitchFamily="2" charset="-122"/>
+                        <a:cs typeface="Times New Roman" panose="02020603050405020304" pitchFamily="18" charset="0"/>
+                      </a:endParaRPr>
+                    </a:p>
+                  </a:txBody>
+                  <a:tcPr marL="68580" marR="68580" marT="0" marB="0" anchor="ctr"/>
+                </a:tc>
+                <a:tc>
+                  <a:txBody>
+                    <a:bodyPr/>
+                    <a:lstStyle/>
+                    <a:p>
+                      <a:pPr algn="ctr">
+                        <a:lnSpc>
+                          <a:spcPct val="150000"/>
+                        </a:lnSpc>
+                        <a:spcAft>
+                          <a:spcPts val="0"/>
+                        </a:spcAft>
+                        <a:tabLst>
+                          <a:tab pos="239395" algn="l"/>
+                        </a:tabLst>
+                      </a:pPr>
+                      <a:r>
+                        <a:rPr lang="en-US" sz="2000" kern="100">
+                          <a:effectLst/>
+                          <a:latin typeface="Times New Roman" panose="02020603050405020304" pitchFamily="18" charset="0"/>
+                          <a:cs typeface="Times New Roman" panose="02020603050405020304" pitchFamily="18" charset="0"/>
+                        </a:rPr>
+                        <a:t>801</a:t>
+                      </a:r>
+                      <a:endParaRPr lang="zh-CN" sz="2000" kern="100">
+                        <a:effectLst/>
+                        <a:latin typeface="Times New Roman" panose="02020603050405020304" pitchFamily="18" charset="0"/>
+                        <a:ea typeface="宋体" panose="02010600030101010101" pitchFamily="2" charset="-122"/>
+                        <a:cs typeface="Times New Roman" panose="02020603050405020304" pitchFamily="18" charset="0"/>
+                      </a:endParaRPr>
+                    </a:p>
+                  </a:txBody>
+                  <a:tcPr marL="68580" marR="68580" marT="0" marB="0" anchor="ctr"/>
+                </a:tc>
+              </a:tr>
+              <a:tr h="464290">
+                <a:tc>
+                  <a:txBody>
+                    <a:bodyPr/>
+                    <a:lstStyle/>
+                    <a:p>
+                      <a:pPr algn="ctr">
+                        <a:lnSpc>
+                          <a:spcPct val="150000"/>
+                        </a:lnSpc>
+                        <a:spcAft>
+                          <a:spcPts val="0"/>
+                        </a:spcAft>
+                        <a:tabLst>
+                          <a:tab pos="239395" algn="l"/>
+                        </a:tabLst>
+                      </a:pPr>
+                      <a:r>
+                        <a:rPr lang="zh-CN" sz="2000" kern="100">
+                          <a:effectLst/>
+                          <a:latin typeface="Times New Roman" panose="02020603050405020304" pitchFamily="18" charset="0"/>
+                          <a:cs typeface="Times New Roman" panose="02020603050405020304" pitchFamily="18" charset="0"/>
+                        </a:rPr>
+                        <a:t>合计</a:t>
+                      </a:r>
+                      <a:endParaRPr lang="zh-CN" sz="2000" kern="100">
+                        <a:effectLst/>
+                        <a:latin typeface="Times New Roman" panose="02020603050405020304" pitchFamily="18" charset="0"/>
+                        <a:ea typeface="宋体" panose="02010600030101010101" pitchFamily="2" charset="-122"/>
+                        <a:cs typeface="Times New Roman" panose="02020603050405020304" pitchFamily="18" charset="0"/>
+                      </a:endParaRPr>
+                    </a:p>
+                  </a:txBody>
+                  <a:tcPr marL="68580" marR="68580" marT="0" marB="0" anchor="ctr"/>
+                </a:tc>
+                <a:tc>
+                  <a:txBody>
+                    <a:bodyPr/>
+                    <a:lstStyle/>
+                    <a:p>
+                      <a:pPr algn="ctr">
+                        <a:lnSpc>
+                          <a:spcPct val="150000"/>
+                        </a:lnSpc>
+                        <a:spcAft>
+                          <a:spcPts val="0"/>
+                        </a:spcAft>
+                        <a:tabLst>
+                          <a:tab pos="239395" algn="l"/>
+                        </a:tabLst>
+                      </a:pPr>
+                      <a:r>
+                        <a:rPr lang="en-US" sz="2000" kern="100" dirty="0">
+                          <a:effectLst/>
+                          <a:latin typeface="Times New Roman" panose="02020603050405020304" pitchFamily="18" charset="0"/>
+                          <a:cs typeface="Times New Roman" panose="02020603050405020304" pitchFamily="18" charset="0"/>
+                        </a:rPr>
+                        <a:t>2060</a:t>
+                      </a:r>
+                      <a:endParaRPr lang="zh-CN" sz="2000" kern="100" dirty="0">
+                        <a:effectLst/>
+                        <a:latin typeface="Times New Roman" panose="02020603050405020304" pitchFamily="18" charset="0"/>
+                        <a:ea typeface="宋体" panose="02010600030101010101" pitchFamily="2" charset="-122"/>
+                        <a:cs typeface="Times New Roman" panose="02020603050405020304" pitchFamily="18" charset="0"/>
+                      </a:endParaRPr>
+                    </a:p>
+                  </a:txBody>
+                  <a:tcPr marL="68580" marR="68580" marT="0" marB="0" anchor="ctr"/>
+                </a:tc>
+              </a:tr>
+            </a:tbl>
+          </a:graphicData>
+        </a:graphic>
+      </p:graphicFrame>
+    </p:spTree>
+    <p:extLst>
+      <p:ext uri="{BB962C8B-B14F-4D97-AF65-F5344CB8AC3E}">
+        <p14:creationId xmlns:p14="http://schemas.microsoft.com/office/powerpoint/2010/main" val="1299971252"/>
+      </p:ext>
+    </p:extLst>
+  </p:cSld>
+  <p:clrMapOvr>
+    <a:masterClrMapping/>
+  </p:clrMapOvr>
+  <mc:AlternateContent xmlns:mc="http://schemas.openxmlformats.org/markup-compatibility/2006" xmlns:p14="http://schemas.microsoft.com/office/powerpoint/2010/main">
+    <mc:Choice Requires="p14">
+      <p:transition spd="slow" p14:dur="2000"/>
+    </mc:Choice>
+    <mc:Fallback xmlns="">
+      <p:transition spd="slow"/>
+    </mc:Fallback>
+  </mc:AlternateContent>
+  <p:timing>
+    <p:tnLst>
+      <p:par>
+        <p:cTn id="1" dur="indefinite" restart="never" nodeType="tmRoot"/>
+      </p:par>
+    </p:tnLst>
+  </p:timing>
+</p:sld>
+</file>
+
 <file path=ppt/slides/slide6.xml><?xml version="1.0" encoding="utf-8"?>
 <p:sld xmlns:a="http://schemas.openxmlformats.org/drawingml/2006/main" xmlns:r="http://schemas.openxmlformats.org/officeDocument/2006/relationships" xmlns:p="http://schemas.openxmlformats.org/presentationml/2006/main">
   <p:cSld>
@@ -38580,104 +40442,144 @@
           <a:bodyPr/>
           <a:lstStyle/>
           <a:p>
+            <a:pPr marL="354013" lvl="1" indent="-354013">
+              <a:buClr>
+                <a:srgbClr val="FBB030"/>
+              </a:buClr>
+              <a:buFont typeface="Wingdings" pitchFamily="2" charset="2"/>
+              <a:buChar char="l"/>
+            </a:pPr>
             <a:r>
-              <a:rPr lang="zh-CN" altLang="en-US" sz="2400" dirty="0" smtClean="0"/>
-              <a:t>例子</a:t>
+              <a:rPr lang="zh-CN" altLang="en-US" sz="2400" b="1" dirty="0" smtClean="0">
+                <a:solidFill>
+                  <a:schemeClr val="tx1"/>
+                </a:solidFill>
+                <a:cs typeface="微软雅黑" pitchFamily="34" charset="-122"/>
+              </a:rPr>
+              <a:t>语料采集</a:t>
             </a:r>
-            <a:endParaRPr lang="en-US" altLang="zh-CN" sz="2400" dirty="0" smtClean="0"/>
+            <a:endParaRPr lang="en-US" altLang="zh-CN" sz="2400" b="1" dirty="0">
+              <a:solidFill>
+                <a:schemeClr val="tx1"/>
+              </a:solidFill>
+              <a:cs typeface="微软雅黑" pitchFamily="34" charset="-122"/>
+            </a:endParaRPr>
           </a:p>
           <a:p>
-            <a:pPr lvl="1"/>
-            <a:r>
-              <a:rPr lang="en-US" altLang="zh-CN" sz="2200" dirty="0" err="1" smtClean="0"/>
-              <a:t>Standford</a:t>
-            </a:r>
-            <a:r>
-              <a:rPr lang="en-US" altLang="zh-CN" sz="2200" dirty="0" smtClean="0"/>
-              <a:t> NER</a:t>
-            </a:r>
+            <a:pPr marL="873125" lvl="2"/>
             <a:r>
               <a:rPr lang="zh-CN" altLang="en-US" sz="2200" dirty="0" smtClean="0"/>
-              <a:t>（</a:t>
-            </a:r>
-            <a:r>
-              <a:rPr lang="en-US" altLang="zh-CN" sz="2200" dirty="0" smtClean="0"/>
-              <a:t>×</a:t>
-            </a:r>
-            <a:r>
-              <a:rPr lang="zh-CN" altLang="en-US" sz="2200" dirty="0" smtClean="0"/>
-              <a:t>）</a:t>
-            </a:r>
-            <a:endParaRPr lang="en-US" altLang="zh-CN" sz="2200" dirty="0" smtClean="0"/>
-          </a:p>
-          <a:p>
-            <a:pPr lvl="1"/>
-            <a:endParaRPr lang="en-US" altLang="zh-CN" sz="2200" dirty="0" smtClean="0"/>
-          </a:p>
-          <a:p>
-            <a:pPr lvl="1"/>
-            <a:endParaRPr lang="en-US" altLang="zh-CN" sz="2200" dirty="0"/>
-          </a:p>
-          <a:p>
-            <a:pPr lvl="1"/>
-            <a:r>
-              <a:rPr lang="zh-CN" altLang="en-US" sz="2200" dirty="0" smtClean="0"/>
-              <a:t>期望 </a:t>
-            </a:r>
-            <a:r>
-              <a:rPr lang="en-US" altLang="zh-CN" sz="2200" dirty="0" smtClean="0"/>
-              <a:t>NER</a:t>
-            </a:r>
-            <a:r>
-              <a:rPr lang="zh-CN" altLang="en-US" sz="2200" dirty="0" smtClean="0"/>
-              <a:t>（√）</a:t>
+              <a:t>文本展示</a:t>
             </a:r>
             <a:endParaRPr lang="en-US" altLang="zh-CN" sz="2200" dirty="0"/>
           </a:p>
           <a:p>
-            <a:endParaRPr lang="en-US" altLang="zh-CN" dirty="0"/>
+            <a:pPr marL="354013" lvl="1" indent="-354013">
+              <a:buClr>
+                <a:srgbClr val="FBB030"/>
+              </a:buClr>
+              <a:buFont typeface="Wingdings" pitchFamily="2" charset="2"/>
+              <a:buChar char="l"/>
+            </a:pPr>
+            <a:endParaRPr lang="en-US" altLang="zh-CN" sz="2400" b="1" dirty="0" smtClean="0">
+              <a:solidFill>
+                <a:schemeClr val="tx1"/>
+              </a:solidFill>
+              <a:cs typeface="微软雅黑" pitchFamily="34" charset="-122"/>
+            </a:endParaRPr>
           </a:p>
           <a:p>
-            <a:endParaRPr lang="en-US" altLang="zh-CN" dirty="0" smtClean="0"/>
+            <a:pPr marL="354013" lvl="1" indent="-354013">
+              <a:buClr>
+                <a:srgbClr val="FBB030"/>
+              </a:buClr>
+              <a:buFont typeface="Wingdings" pitchFamily="2" charset="2"/>
+              <a:buChar char="l"/>
+            </a:pPr>
+            <a:endParaRPr lang="en-US" altLang="zh-CN" sz="2400" b="1" dirty="0">
+              <a:solidFill>
+                <a:schemeClr val="tx1"/>
+              </a:solidFill>
+              <a:cs typeface="微软雅黑" pitchFamily="34" charset="-122"/>
+            </a:endParaRPr>
           </a:p>
           <a:p>
-            <a:endParaRPr lang="en-US" altLang="zh-CN" dirty="0"/>
+            <a:pPr marL="354013" lvl="1" indent="-354013">
+              <a:buClr>
+                <a:srgbClr val="FBB030"/>
+              </a:buClr>
+              <a:buFont typeface="Wingdings" pitchFamily="2" charset="2"/>
+              <a:buChar char="l"/>
+            </a:pPr>
+            <a:endParaRPr lang="en-US" altLang="zh-CN" sz="2400" b="1" dirty="0" smtClean="0">
+              <a:solidFill>
+                <a:schemeClr val="tx1"/>
+              </a:solidFill>
+              <a:cs typeface="微软雅黑" pitchFamily="34" charset="-122"/>
+            </a:endParaRPr>
           </a:p>
           <a:p>
-            <a:endParaRPr lang="en-US" altLang="zh-CN" dirty="0" smtClean="0"/>
+            <a:pPr marL="354013" lvl="1" indent="-354013">
+              <a:buClr>
+                <a:srgbClr val="FBB030"/>
+              </a:buClr>
+              <a:buFont typeface="Wingdings" pitchFamily="2" charset="2"/>
+              <a:buChar char="l"/>
+            </a:pPr>
+            <a:endParaRPr lang="en-US" altLang="zh-CN" sz="2400" b="1" dirty="0">
+              <a:solidFill>
+                <a:schemeClr val="tx1"/>
+              </a:solidFill>
+              <a:cs typeface="微软雅黑" pitchFamily="34" charset="-122"/>
+            </a:endParaRPr>
           </a:p>
           <a:p>
-            <a:endParaRPr lang="en-US" altLang="zh-CN" dirty="0"/>
+            <a:pPr marL="354013" lvl="1" indent="-354013">
+              <a:buClr>
+                <a:srgbClr val="FBB030"/>
+              </a:buClr>
+              <a:buFont typeface="Wingdings" pitchFamily="2" charset="2"/>
+              <a:buChar char="l"/>
+            </a:pPr>
+            <a:endParaRPr lang="en-US" altLang="zh-CN" sz="2400" b="1" dirty="0" smtClean="0">
+              <a:solidFill>
+                <a:schemeClr val="tx1"/>
+              </a:solidFill>
+              <a:cs typeface="微软雅黑" pitchFamily="34" charset="-122"/>
+            </a:endParaRPr>
           </a:p>
           <a:p>
-            <a:pPr marL="0" indent="0">
+            <a:pPr marL="354013" lvl="1" indent="-354013">
+              <a:buClr>
+                <a:srgbClr val="FBB030"/>
+              </a:buClr>
+              <a:buFont typeface="Wingdings" pitchFamily="2" charset="2"/>
+              <a:buChar char="l"/>
+            </a:pPr>
+            <a:endParaRPr lang="en-US" altLang="zh-CN" sz="2400" b="1" dirty="0">
+              <a:solidFill>
+                <a:schemeClr val="tx1"/>
+              </a:solidFill>
+              <a:cs typeface="微软雅黑" pitchFamily="34" charset="-122"/>
+            </a:endParaRPr>
+          </a:p>
+          <a:p>
+            <a:pPr lvl="1"/>
+            <a:endParaRPr lang="en-US" altLang="zh-CN" sz="2000" dirty="0" smtClean="0">
+              <a:solidFill>
+                <a:schemeClr val="tx2"/>
+              </a:solidFill>
+            </a:endParaRPr>
+          </a:p>
+          <a:p>
+            <a:pPr marL="338138" lvl="1" indent="0">
               <a:buNone/>
             </a:pPr>
-            <a:r>
-              <a:rPr lang="zh-CN" altLang="en-US" dirty="0" smtClean="0"/>
-              <a:t>（译文：鲁</a:t>
-            </a:r>
-            <a:r>
-              <a:rPr lang="zh-CN" altLang="en-US" dirty="0"/>
-              <a:t>克沁镇位于</a:t>
-            </a:r>
-            <a:r>
-              <a:rPr lang="zh-CN" altLang="en-US" dirty="0" smtClean="0"/>
-              <a:t>吐鲁番市，距离新疆省会乌鲁木齐</a:t>
-            </a:r>
-            <a:r>
-              <a:rPr lang="zh-CN" altLang="en-US" dirty="0"/>
-              <a:t>东南</a:t>
-            </a:r>
-            <a:r>
-              <a:rPr lang="en-US" altLang="zh-CN" dirty="0"/>
-              <a:t>176</a:t>
-            </a:r>
-            <a:r>
-              <a:rPr lang="zh-CN" altLang="en-US" dirty="0" smtClean="0"/>
-              <a:t>英里。）</a:t>
-            </a:r>
-            <a:endParaRPr lang="zh-CN" altLang="en-US" dirty="0"/>
+            <a:endParaRPr lang="zh-CN" altLang="en-US" sz="2000" dirty="0">
+              <a:solidFill>
+                <a:schemeClr val="tx2"/>
+              </a:solidFill>
+            </a:endParaRPr>
           </a:p>
         </p:txBody>
       </p:sp>
@@ -38703,7 +40605,7 @@
           <a:p>
             <a:r>
               <a:rPr lang="zh-CN" altLang="en-US" sz="4000" b="1" dirty="0" smtClean="0"/>
-              <a:t>存在的问题</a:t>
+              <a:t>已完成工作</a:t>
             </a:r>
             <a:endParaRPr lang="zh-CN" altLang="en-US" sz="4000" b="1" dirty="0"/>
           </a:p>
@@ -38711,10 +40613,8 @@
       </p:sp>
       <p:pic>
         <p:nvPicPr>
-          <p:cNvPr id="4" name="图片 3"/>
-          <p:cNvPicPr>
-            <a:picLocks noChangeAspect="1"/>
-          </p:cNvPicPr>
+          <p:cNvPr id="5" name="图片 4"/>
+          <p:cNvPicPr/>
           <p:nvPr/>
         </p:nvPicPr>
         <p:blipFill>
@@ -38725,32 +40625,8 @@
         </p:blipFill>
         <p:spPr>
           <a:xfrm>
-            <a:off x="359230" y="2289484"/>
-            <a:ext cx="8082381" cy="456768"/>
-          </a:xfrm>
-          <a:prstGeom prst="rect">
-            <a:avLst/>
-          </a:prstGeom>
-        </p:spPr>
-      </p:pic>
-      <p:pic>
-        <p:nvPicPr>
-          <p:cNvPr id="5" name="图片 4"/>
-          <p:cNvPicPr>
-            <a:picLocks noChangeAspect="1"/>
-          </p:cNvPicPr>
-          <p:nvPr/>
-        </p:nvPicPr>
-        <p:blipFill>
-          <a:blip r:embed="rId3"/>
-          <a:stretch>
-            <a:fillRect/>
-          </a:stretch>
-        </p:blipFill>
-        <p:spPr>
-          <a:xfrm>
-            <a:off x="359230" y="4005112"/>
-            <a:ext cx="8178714" cy="485864"/>
+            <a:off x="1078196" y="2374849"/>
+            <a:ext cx="5274310" cy="3378835"/>
           </a:xfrm>
           <a:prstGeom prst="rect">
             <a:avLst/>
@@ -38760,13 +40636,21 @@
     </p:spTree>
     <p:extLst>
       <p:ext uri="{BB962C8B-B14F-4D97-AF65-F5344CB8AC3E}">
-        <p14:creationId xmlns:p14="http://schemas.microsoft.com/office/powerpoint/2010/main" val="4087469167"/>
+        <p14:creationId xmlns:p14="http://schemas.microsoft.com/office/powerpoint/2010/main" val="2264112807"/>
       </p:ext>
     </p:extLst>
   </p:cSld>
   <p:clrMapOvr>
     <a:masterClrMapping/>
   </p:clrMapOvr>
+  <mc:AlternateContent xmlns:mc="http://schemas.openxmlformats.org/markup-compatibility/2006" xmlns:p14="http://schemas.microsoft.com/office/powerpoint/2010/main">
+    <mc:Choice Requires="p14">
+      <p:transition spd="slow" p14:dur="2000"/>
+    </mc:Choice>
+    <mc:Fallback xmlns="">
+      <p:transition spd="slow"/>
+    </mc:Fallback>
+  </mc:AlternateContent>
   <p:timing>
     <p:tnLst>
       <p:par>
@@ -38804,67 +40688,281 @@
             <p:ph idx="1"/>
           </p:nvPr>
         </p:nvSpPr>
-        <p:spPr>
-          <a:xfrm>
-            <a:off x="248597" y="5767409"/>
-            <a:ext cx="8661400" cy="516849"/>
-          </a:xfrm>
-        </p:spPr>
+        <p:spPr/>
         <p:txBody>
           <a:bodyPr/>
           <a:lstStyle/>
           <a:p>
-            <a:pPr marL="338138" lvl="1" indent="0">
-              <a:lnSpc>
-                <a:spcPct val="110000"/>
-              </a:lnSpc>
-              <a:buNone/>
+            <a:pPr marL="354013" lvl="1" indent="-354013">
+              <a:buClr>
+                <a:srgbClr val="FBB030"/>
+              </a:buClr>
+              <a:buFont typeface="Wingdings" pitchFamily="2" charset="2"/>
+              <a:buChar char="l"/>
             </a:pPr>
             <a:r>
-              <a:rPr lang="en-US" altLang="zh-CN" sz="1400" dirty="0" err="1" smtClean="0">
+              <a:rPr lang="zh-CN" altLang="en-US" sz="2400" b="1" dirty="0" smtClean="0">
                 <a:solidFill>
                   <a:schemeClr val="tx1"/>
                 </a:solidFill>
                 <a:cs typeface="微软雅黑" pitchFamily="34" charset="-122"/>
               </a:rPr>
-              <a:t>Collobert</a:t>
+              <a:t>暴恐事件语料库构建</a:t>
+            </a:r>
+            <a:endParaRPr lang="en-US" altLang="zh-CN" sz="2400" b="1" dirty="0" smtClean="0">
+              <a:solidFill>
+                <a:schemeClr val="tx1"/>
+              </a:solidFill>
+              <a:cs typeface="微软雅黑" pitchFamily="34" charset="-122"/>
+            </a:endParaRPr>
+          </a:p>
+          <a:p>
+            <a:pPr lvl="2"/>
+            <a:r>
+              <a:rPr lang="zh-CN" altLang="en-US" sz="2200" dirty="0" smtClean="0"/>
+              <a:t>定义</a:t>
             </a:r>
             <a:r>
-              <a:rPr lang="en-US" altLang="zh-CN" sz="1400" dirty="0" smtClean="0">
-                <a:solidFill>
-                  <a:schemeClr val="tx1"/>
-                </a:solidFill>
-                <a:cs typeface="微软雅黑" pitchFamily="34" charset="-122"/>
-              </a:rPr>
-              <a:t> </a:t>
+              <a:rPr lang="zh-CN" altLang="en-US" sz="2200" dirty="0"/>
+              <a:t>了</a:t>
             </a:r>
             <a:r>
-              <a:rPr lang="en-US" altLang="zh-CN" sz="1400" dirty="0">
-                <a:solidFill>
-                  <a:schemeClr val="tx1"/>
-                </a:solidFill>
-                <a:cs typeface="微软雅黑" pitchFamily="34" charset="-122"/>
-              </a:rPr>
-              <a:t>R, Weston J, </a:t>
+              <a:rPr lang="en-US" altLang="zh-CN" sz="2200" dirty="0"/>
+              <a:t>13</a:t>
             </a:r>
             <a:r>
-              <a:rPr lang="en-US" altLang="zh-CN" sz="1400" dirty="0" err="1">
-                <a:solidFill>
-                  <a:schemeClr val="tx1"/>
-                </a:solidFill>
-                <a:cs typeface="微软雅黑" pitchFamily="34" charset="-122"/>
-              </a:rPr>
-              <a:t>Bottou</a:t>
+              <a:rPr lang="zh-CN" altLang="en-US" sz="2200" dirty="0"/>
+              <a:t>种标记</a:t>
+            </a:r>
+            <a:endParaRPr lang="en-US" altLang="zh-CN" sz="2200" dirty="0"/>
+          </a:p>
+          <a:p>
+            <a:pPr lvl="2"/>
+            <a:r>
+              <a:rPr lang="zh-CN" altLang="en-US" sz="2200" dirty="0"/>
+              <a:t>通常采用</a:t>
             </a:r>
             <a:r>
-              <a:rPr lang="en-US" altLang="zh-CN" sz="1400" dirty="0">
-                <a:solidFill>
-                  <a:schemeClr val="tx1"/>
-                </a:solidFill>
-                <a:cs typeface="微软雅黑" pitchFamily="34" charset="-122"/>
-              </a:rPr>
-              <a:t> L, et al. Natural language processing (almost) from scratch[J]. Journal of Machine Learning Research, 2011, 12(Aug): 2493-2537.</a:t>
+              <a:rPr lang="en-US" altLang="zh-CN" sz="2200" dirty="0"/>
+              <a:t>IOBES</a:t>
             </a:r>
+            <a:r>
+              <a:rPr lang="zh-CN" altLang="en-US" sz="2200" dirty="0"/>
+              <a:t>进行标记</a:t>
+            </a:r>
+            <a:endParaRPr lang="en-US" altLang="zh-CN" sz="2200" dirty="0"/>
+          </a:p>
+          <a:p>
+            <a:pPr lvl="2"/>
+            <a:r>
+              <a:rPr lang="zh-CN" altLang="en-US" sz="2200" dirty="0"/>
+              <a:t>结合</a:t>
+            </a:r>
+            <a:r>
+              <a:rPr lang="en-US" altLang="zh-CN" sz="2200" dirty="0"/>
+              <a:t>PERSON</a:t>
+            </a:r>
+            <a:r>
+              <a:rPr lang="zh-CN" altLang="en-US" sz="2200" dirty="0"/>
+              <a:t>、</a:t>
+            </a:r>
+            <a:r>
+              <a:rPr lang="en-US" altLang="zh-CN" sz="2200" dirty="0"/>
+              <a:t>LOCATION</a:t>
+            </a:r>
+            <a:r>
+              <a:rPr lang="zh-CN" altLang="en-US" sz="2200" dirty="0"/>
+              <a:t>、</a:t>
+            </a:r>
+            <a:r>
+              <a:rPr lang="en-US" altLang="zh-CN" sz="2200" dirty="0" smtClean="0"/>
+              <a:t>ORGANIZATION</a:t>
+            </a:r>
+            <a:endParaRPr lang="en-US" altLang="zh-CN" sz="2200" dirty="0"/>
+          </a:p>
+          <a:p>
+            <a:pPr lvl="2"/>
+            <a:r>
+              <a:rPr lang="zh-CN" altLang="en-US" sz="2200" dirty="0"/>
+              <a:t>形如</a:t>
+            </a:r>
+            <a:r>
+              <a:rPr lang="en-US" altLang="zh-CN" sz="2200" dirty="0"/>
+              <a:t>B_X</a:t>
+            </a:r>
+            <a:r>
+              <a:rPr lang="zh-CN" altLang="en-US" sz="2200" dirty="0"/>
+              <a:t>，</a:t>
+            </a:r>
+            <a:r>
+              <a:rPr lang="en-US" altLang="zh-CN" sz="2200" dirty="0"/>
+              <a:t>X</a:t>
+            </a:r>
+            <a:r>
+              <a:rPr lang="zh-CN" altLang="en-US" sz="2200" dirty="0"/>
+              <a:t>，</a:t>
+            </a:r>
+            <a:r>
+              <a:rPr lang="zh-CN" altLang="en-US" sz="2200" dirty="0" smtClean="0"/>
+              <a:t>如</a:t>
+            </a:r>
+            <a:endParaRPr lang="en-US" altLang="zh-CN" sz="2200" dirty="0" smtClean="0"/>
+          </a:p>
+          <a:p>
+            <a:pPr lvl="3"/>
+            <a:r>
+              <a:rPr lang="en-US" altLang="zh-CN" sz="2200" dirty="0" smtClean="0"/>
+              <a:t>B_PER:</a:t>
+            </a:r>
+            <a:r>
+              <a:rPr lang="zh-CN" altLang="en-US" sz="2200" dirty="0"/>
+              <a:t>人名的开始</a:t>
+            </a:r>
+            <a:r>
+              <a:rPr lang="zh-CN" altLang="en-US" sz="2200" dirty="0" smtClean="0"/>
+              <a:t>；</a:t>
+            </a:r>
+            <a:endParaRPr lang="en-US" altLang="zh-CN" sz="2200" dirty="0" smtClean="0"/>
+          </a:p>
+          <a:p>
+            <a:pPr lvl="3"/>
+            <a:endParaRPr lang="en-US" altLang="zh-CN" sz="2200" dirty="0"/>
+          </a:p>
+          <a:p>
+            <a:pPr lvl="3"/>
+            <a:r>
+              <a:rPr lang="en-US" altLang="zh-CN" sz="2200" dirty="0" smtClean="0"/>
+              <a:t>LOC</a:t>
+            </a:r>
+            <a:r>
+              <a:rPr lang="zh-CN" altLang="en-US" sz="2200" dirty="0" smtClean="0"/>
+              <a:t>：</a:t>
+            </a:r>
+            <a:r>
+              <a:rPr lang="zh-CN" altLang="en-US" sz="2200" dirty="0"/>
+              <a:t>单独的地名</a:t>
+            </a:r>
+            <a:endParaRPr lang="en-US" altLang="zh-CN" sz="2200" dirty="0"/>
+          </a:p>
+          <a:p>
+            <a:pPr lvl="3"/>
+            <a:endParaRPr lang="en-US" altLang="zh-CN" sz="2200" dirty="0"/>
+          </a:p>
+          <a:p>
+            <a:pPr lvl="2"/>
+            <a:endParaRPr lang="en-US" altLang="zh-CN" sz="2200" dirty="0"/>
+          </a:p>
+          <a:p>
+            <a:pPr marL="873125" lvl="2"/>
+            <a:endParaRPr lang="en-US" altLang="zh-CN" sz="2200" dirty="0"/>
+          </a:p>
+          <a:p>
+            <a:pPr marL="354013" lvl="1" indent="-354013">
+              <a:buClr>
+                <a:srgbClr val="FBB030"/>
+              </a:buClr>
+              <a:buFont typeface="Wingdings" pitchFamily="2" charset="2"/>
+              <a:buChar char="l"/>
+            </a:pPr>
+            <a:endParaRPr lang="en-US" altLang="zh-CN" sz="2400" b="1" dirty="0" smtClean="0">
+              <a:solidFill>
+                <a:schemeClr val="tx1"/>
+              </a:solidFill>
+              <a:cs typeface="微软雅黑" pitchFamily="34" charset="-122"/>
+            </a:endParaRPr>
+          </a:p>
+          <a:p>
+            <a:pPr marL="354013" lvl="1" indent="-354013">
+              <a:buClr>
+                <a:srgbClr val="FBB030"/>
+              </a:buClr>
+              <a:buFont typeface="Wingdings" pitchFamily="2" charset="2"/>
+              <a:buChar char="l"/>
+            </a:pPr>
+            <a:endParaRPr lang="en-US" altLang="zh-CN" sz="2400" b="1" dirty="0">
+              <a:solidFill>
+                <a:schemeClr val="tx1"/>
+              </a:solidFill>
+              <a:cs typeface="微软雅黑" pitchFamily="34" charset="-122"/>
+            </a:endParaRPr>
+          </a:p>
+          <a:p>
+            <a:pPr marL="354013" lvl="1" indent="-354013">
+              <a:buClr>
+                <a:srgbClr val="FBB030"/>
+              </a:buClr>
+              <a:buFont typeface="Wingdings" pitchFamily="2" charset="2"/>
+              <a:buChar char="l"/>
+            </a:pPr>
+            <a:endParaRPr lang="en-US" altLang="zh-CN" sz="2400" b="1" dirty="0" smtClean="0">
+              <a:solidFill>
+                <a:schemeClr val="tx1"/>
+              </a:solidFill>
+              <a:cs typeface="微软雅黑" pitchFamily="34" charset="-122"/>
+            </a:endParaRPr>
+          </a:p>
+          <a:p>
+            <a:pPr marL="354013" lvl="1" indent="-354013">
+              <a:buClr>
+                <a:srgbClr val="FBB030"/>
+              </a:buClr>
+              <a:buFont typeface="Wingdings" pitchFamily="2" charset="2"/>
+              <a:buChar char="l"/>
+            </a:pPr>
+            <a:endParaRPr lang="en-US" altLang="zh-CN" sz="2400" b="1" dirty="0">
+              <a:solidFill>
+                <a:schemeClr val="tx1"/>
+              </a:solidFill>
+              <a:cs typeface="微软雅黑" pitchFamily="34" charset="-122"/>
+            </a:endParaRPr>
+          </a:p>
+          <a:p>
+            <a:pPr marL="354013" lvl="1" indent="-354013">
+              <a:buClr>
+                <a:srgbClr val="FBB030"/>
+              </a:buClr>
+              <a:buFont typeface="Wingdings" pitchFamily="2" charset="2"/>
+              <a:buChar char="l"/>
+            </a:pPr>
+            <a:endParaRPr lang="en-US" altLang="zh-CN" sz="2400" b="1" dirty="0" smtClean="0">
+              <a:solidFill>
+                <a:schemeClr val="tx1"/>
+              </a:solidFill>
+              <a:cs typeface="微软雅黑" pitchFamily="34" charset="-122"/>
+            </a:endParaRPr>
+          </a:p>
+          <a:p>
+            <a:pPr marL="354013" lvl="1" indent="-354013">
+              <a:buClr>
+                <a:srgbClr val="FBB030"/>
+              </a:buClr>
+              <a:buFont typeface="Wingdings" pitchFamily="2" charset="2"/>
+              <a:buChar char="l"/>
+            </a:pPr>
+            <a:endParaRPr lang="en-US" altLang="zh-CN" sz="2400" b="1" dirty="0">
+              <a:solidFill>
+                <a:schemeClr val="tx1"/>
+              </a:solidFill>
+              <a:cs typeface="微软雅黑" pitchFamily="34" charset="-122"/>
+            </a:endParaRPr>
+          </a:p>
+          <a:p>
+            <a:pPr lvl="1"/>
+            <a:endParaRPr lang="en-US" altLang="zh-CN" sz="2000" dirty="0" smtClean="0">
+              <a:solidFill>
+                <a:schemeClr val="tx2"/>
+              </a:solidFill>
+            </a:endParaRPr>
+          </a:p>
+          <a:p>
+            <a:pPr marL="338138" lvl="1" indent="0">
+              <a:buNone/>
+            </a:pPr>
+            <a:endParaRPr lang="zh-CN" altLang="en-US" sz="2000" dirty="0">
+              <a:solidFill>
+                <a:schemeClr val="tx2"/>
+              </a:solidFill>
+            </a:endParaRPr>
           </a:p>
         </p:txBody>
       </p:sp>
@@ -38889,177 +40987,40 @@
           <a:lstStyle/>
           <a:p>
             <a:r>
-              <a:rPr lang="zh-CN" altLang="en-US" sz="4000" b="1" dirty="0"/>
-              <a:t>研究</a:t>
+              <a:rPr lang="zh-CN" altLang="en-US" sz="4000" b="1" dirty="0" smtClean="0"/>
+              <a:t>已完成工作</a:t>
             </a:r>
-            <a:r>
-              <a:rPr lang="zh-CN" altLang="en-US" sz="4000" b="1" dirty="0" smtClean="0"/>
-              <a:t>思路</a:t>
-            </a:r>
-            <a:endParaRPr lang="en-US" altLang="zh-CN" sz="4000" b="1" dirty="0"/>
-          </a:p>
-        </p:txBody>
-      </p:sp>
-      <p:sp>
-        <p:nvSpPr>
-          <p:cNvPr id="4" name="文本框 3"/>
-          <p:cNvSpPr txBox="1"/>
-          <p:nvPr/>
-        </p:nvSpPr>
-        <p:spPr>
-          <a:xfrm>
-            <a:off x="436461" y="1324203"/>
-            <a:ext cx="3819016" cy="3970318"/>
-          </a:xfrm>
-          <a:prstGeom prst="rect">
-            <a:avLst/>
-          </a:prstGeom>
-          <a:noFill/>
-        </p:spPr>
-        <p:txBody>
-          <a:bodyPr wrap="square" rtlCol="0">
-            <a:spAutoFit/>
-          </a:bodyPr>
-          <a:lstStyle/>
-          <a:p>
-            <a:pPr lvl="1" indent="-457200">
-              <a:buClr>
-                <a:schemeClr val="accent6"/>
-              </a:buClr>
-              <a:buFont typeface="Wingdings" panose="05000000000000000000" pitchFamily="2" charset="2"/>
-              <a:buChar char="l"/>
-            </a:pPr>
-            <a:r>
-              <a:rPr lang="zh-CN" altLang="en-US" sz="2800" dirty="0" smtClean="0">
-                <a:solidFill>
-                  <a:schemeClr val="tx2"/>
-                </a:solidFill>
-                <a:latin typeface="微软雅黑" pitchFamily="34" charset="-122"/>
-                <a:ea typeface="微软雅黑" pitchFamily="34" charset="-122"/>
-              </a:rPr>
-              <a:t>针对</a:t>
-            </a:r>
-            <a:r>
-              <a:rPr lang="en-US" altLang="zh-CN" sz="2800" dirty="0" smtClean="0">
-                <a:solidFill>
-                  <a:schemeClr val="tx2"/>
-                </a:solidFill>
-                <a:latin typeface="微软雅黑" pitchFamily="34" charset="-122"/>
-                <a:ea typeface="微软雅黑" pitchFamily="34" charset="-122"/>
-              </a:rPr>
-              <a:t>NLP</a:t>
-            </a:r>
-            <a:r>
-              <a:rPr lang="zh-CN" altLang="en-US" sz="2800" dirty="0" smtClean="0">
-                <a:solidFill>
-                  <a:schemeClr val="tx2"/>
-                </a:solidFill>
-                <a:latin typeface="微软雅黑" pitchFamily="34" charset="-122"/>
-                <a:ea typeface="微软雅黑" pitchFamily="34" charset="-122"/>
-              </a:rPr>
-              <a:t>四项任务建立一套统一的模型；</a:t>
-            </a:r>
-            <a:endParaRPr lang="en-US" altLang="zh-CN" sz="2800" dirty="0" smtClean="0">
-              <a:solidFill>
-                <a:schemeClr val="tx2"/>
-              </a:solidFill>
-              <a:latin typeface="微软雅黑" pitchFamily="34" charset="-122"/>
-              <a:ea typeface="微软雅黑" pitchFamily="34" charset="-122"/>
-            </a:endParaRPr>
-          </a:p>
-          <a:p>
-            <a:pPr lvl="1" indent="-457200">
-              <a:buClr>
-                <a:schemeClr val="accent6"/>
-              </a:buClr>
-              <a:buFont typeface="Wingdings" panose="05000000000000000000" pitchFamily="2" charset="2"/>
-              <a:buChar char="l"/>
-            </a:pPr>
-            <a:r>
-              <a:rPr lang="zh-CN" altLang="en-US" sz="2800" dirty="0">
-                <a:solidFill>
-                  <a:schemeClr val="tx2"/>
-                </a:solidFill>
-                <a:latin typeface="微软雅黑" pitchFamily="34" charset="-122"/>
-                <a:ea typeface="微软雅黑" pitchFamily="34" charset="-122"/>
-              </a:rPr>
-              <a:t>引入句级对数似然函数（</a:t>
-            </a:r>
-            <a:r>
-              <a:rPr lang="en-US" altLang="zh-CN" sz="2800" dirty="0">
-                <a:solidFill>
-                  <a:schemeClr val="tx2"/>
-                </a:solidFill>
-                <a:latin typeface="微软雅黑" pitchFamily="34" charset="-122"/>
-                <a:ea typeface="微软雅黑" pitchFamily="34" charset="-122"/>
-              </a:rPr>
-              <a:t>CRF</a:t>
-            </a:r>
-            <a:r>
-              <a:rPr lang="zh-CN" altLang="en-US" sz="2800" dirty="0">
-                <a:solidFill>
-                  <a:schemeClr val="tx2"/>
-                </a:solidFill>
-                <a:latin typeface="微软雅黑" pitchFamily="34" charset="-122"/>
-                <a:ea typeface="微软雅黑" pitchFamily="34" charset="-122"/>
-              </a:rPr>
-              <a:t>层）</a:t>
-            </a:r>
-            <a:r>
-              <a:rPr lang="zh-CN" altLang="en-US" sz="2800" dirty="0" smtClean="0">
-                <a:solidFill>
-                  <a:schemeClr val="tx2"/>
-                </a:solidFill>
-                <a:latin typeface="微软雅黑" pitchFamily="34" charset="-122"/>
-                <a:ea typeface="微软雅黑" pitchFamily="34" charset="-122"/>
-              </a:rPr>
-              <a:t>；</a:t>
-            </a:r>
-            <a:endParaRPr lang="en-US" altLang="zh-CN" sz="2800" dirty="0" smtClean="0">
-              <a:solidFill>
-                <a:schemeClr val="tx2"/>
-              </a:solidFill>
-              <a:latin typeface="微软雅黑" pitchFamily="34" charset="-122"/>
-              <a:ea typeface="微软雅黑" pitchFamily="34" charset="-122"/>
-            </a:endParaRPr>
-          </a:p>
-          <a:p>
-            <a:pPr lvl="1" indent="-457200">
-              <a:buClr>
-                <a:schemeClr val="accent6"/>
-              </a:buClr>
-              <a:buFont typeface="Wingdings" panose="05000000000000000000" pitchFamily="2" charset="2"/>
-              <a:buChar char="l"/>
-            </a:pPr>
-            <a:r>
-              <a:rPr lang="zh-CN" altLang="en-US" sz="2800" dirty="0">
-                <a:solidFill>
-                  <a:schemeClr val="tx2"/>
-                </a:solidFill>
-                <a:latin typeface="微软雅黑" pitchFamily="34" charset="-122"/>
-                <a:ea typeface="微软雅黑" pitchFamily="34" charset="-122"/>
-              </a:rPr>
-              <a:t>提出了一个未去实现想法：比词级更细粒度的字符级</a:t>
-            </a:r>
-            <a:r>
-              <a:rPr lang="zh-CN" altLang="en-US" sz="2800" dirty="0" smtClean="0">
-                <a:solidFill>
-                  <a:schemeClr val="tx2"/>
-                </a:solidFill>
-                <a:latin typeface="微软雅黑" pitchFamily="34" charset="-122"/>
-                <a:ea typeface="微软雅黑" pitchFamily="34" charset="-122"/>
-              </a:rPr>
-              <a:t>向量</a:t>
-            </a:r>
-            <a:endParaRPr lang="zh-CN" altLang="en-US" dirty="0" smtClean="0">
-              <a:latin typeface="Calibri" pitchFamily="34" charset="0"/>
-            </a:endParaRPr>
+            <a:endParaRPr lang="zh-CN" altLang="en-US" sz="4000" b="1" dirty="0"/>
           </a:p>
         </p:txBody>
       </p:sp>
       <p:pic>
         <p:nvPicPr>
-          <p:cNvPr id="5" name="图片 4"/>
+          <p:cNvPr id="6" name="图片 5"/>
+          <p:cNvPicPr>
+            <a:picLocks noChangeAspect="1"/>
+          </p:cNvPicPr>
+          <p:nvPr/>
+        </p:nvPicPr>
+        <p:blipFill>
+          <a:blip r:embed="rId2"/>
+          <a:stretch>
+            <a:fillRect/>
+          </a:stretch>
+        </p:blipFill>
+        <p:spPr>
+          <a:xfrm>
+            <a:off x="359230" y="4159367"/>
+            <a:ext cx="8626311" cy="466409"/>
+          </a:xfrm>
+          <a:prstGeom prst="rect">
+            <a:avLst/>
+          </a:prstGeom>
+        </p:spPr>
+      </p:pic>
+      <p:pic>
+        <p:nvPicPr>
+          <p:cNvPr id="7" name="图片 6"/>
           <p:cNvPicPr>
             <a:picLocks noChangeAspect="1"/>
           </p:cNvPicPr>
@@ -39073,8 +41034,8 @@
         </p:blipFill>
         <p:spPr>
           <a:xfrm>
-            <a:off x="5229686" y="1201111"/>
-            <a:ext cx="3993854" cy="4464913"/>
+            <a:off x="359230" y="5195655"/>
+            <a:ext cx="8178714" cy="485864"/>
           </a:xfrm>
           <a:prstGeom prst="rect">
             <a:avLst/>
@@ -39084,13 +41045,21 @@
     </p:spTree>
     <p:extLst>
       <p:ext uri="{BB962C8B-B14F-4D97-AF65-F5344CB8AC3E}">
-        <p14:creationId xmlns:p14="http://schemas.microsoft.com/office/powerpoint/2010/main" val="222061776"/>
+        <p14:creationId xmlns:p14="http://schemas.microsoft.com/office/powerpoint/2010/main" val="1684241808"/>
       </p:ext>
     </p:extLst>
   </p:cSld>
   <p:clrMapOvr>
     <a:masterClrMapping/>
   </p:clrMapOvr>
+  <mc:AlternateContent xmlns:mc="http://schemas.openxmlformats.org/markup-compatibility/2006" xmlns:p14="http://schemas.microsoft.com/office/powerpoint/2010/main">
+    <mc:Choice Requires="p14">
+      <p:transition spd="slow" p14:dur="2000"/>
+    </mc:Choice>
+    <mc:Fallback xmlns="">
+      <p:transition spd="slow"/>
+    </mc:Fallback>
+  </mc:AlternateContent>
   <p:timing>
     <p:tnLst>
       <p:par>
@@ -39120,43 +41089,12 @@
       </p:grpSpPr>
       <p:sp>
         <p:nvSpPr>
-          <p:cNvPr id="7" name="文本占位符 6"/>
+          <p:cNvPr id="2" name="内容占位符 1"/>
           <p:cNvSpPr>
             <a:spLocks noGrp="1"/>
           </p:cNvSpPr>
           <p:nvPr>
-            <p:ph type="body" idx="1"/>
-          </p:nvPr>
-        </p:nvSpPr>
-        <p:spPr/>
-        <p:txBody>
-          <a:bodyPr/>
-          <a:lstStyle/>
-          <a:p>
-            <a:r>
-              <a:rPr lang="en-US" altLang="zh-CN" sz="1400" b="0" dirty="0"/>
-              <a:t>dos Santos C N, </a:t>
-            </a:r>
-            <a:r>
-              <a:rPr lang="en-US" altLang="zh-CN" sz="1400" b="0" dirty="0" err="1"/>
-              <a:t>Zadrozny</a:t>
-            </a:r>
-            <a:r>
-              <a:rPr lang="en-US" altLang="zh-CN" sz="1400" b="0" dirty="0"/>
-              <a:t> B. Learning Character-level Representations for Part-of-Speech Tagging[C]//ICML. 2014: 1818-1826.</a:t>
-            </a:r>
-            <a:endParaRPr lang="zh-CN" altLang="en-US" sz="1400" b="0" dirty="0"/>
-          </a:p>
-        </p:txBody>
-      </p:sp>
-      <p:sp>
-        <p:nvSpPr>
-          <p:cNvPr id="8" name="内容占位符 7"/>
-          <p:cNvSpPr>
-            <a:spLocks noGrp="1"/>
-          </p:cNvSpPr>
-          <p:nvPr>
-            <p:ph sz="half" idx="2"/>
+            <p:ph idx="1"/>
           </p:nvPr>
         </p:nvSpPr>
         <p:spPr/>
@@ -39172,101 +41110,33 @@
               <a:buChar char="l"/>
             </a:pPr>
             <a:r>
-              <a:rPr lang="en-US" altLang="zh-CN" dirty="0" err="1"/>
-              <a:t>CharWNN</a:t>
+              <a:rPr lang="zh-CN" altLang="en-US" sz="2400" b="1" dirty="0" smtClean="0">
+                <a:solidFill>
+                  <a:schemeClr val="tx1"/>
+                </a:solidFill>
+                <a:cs typeface="微软雅黑" pitchFamily="34" charset="-122"/>
+              </a:rPr>
+              <a:t>语料标注</a:t>
             </a:r>
-            <a:r>
-              <a:rPr lang="en-US" altLang="zh-CN" dirty="0"/>
-              <a:t> </a:t>
-            </a:r>
-            <a:r>
-              <a:rPr lang="zh-CN" altLang="en-US" dirty="0"/>
-              <a:t>应用于 </a:t>
-            </a:r>
-            <a:r>
-              <a:rPr lang="en-US" altLang="zh-CN" dirty="0" smtClean="0"/>
-              <a:t>POS</a:t>
-            </a:r>
-            <a:endParaRPr lang="en-US" altLang="zh-CN" dirty="0"/>
+            <a:endParaRPr lang="en-US" altLang="zh-CN" sz="2400" b="1" dirty="0" smtClean="0">
+              <a:solidFill>
+                <a:schemeClr val="tx1"/>
+              </a:solidFill>
+              <a:cs typeface="微软雅黑" pitchFamily="34" charset="-122"/>
+            </a:endParaRPr>
           </a:p>
           <a:p>
-            <a:pPr marL="0" indent="0">
-              <a:buNone/>
-            </a:pPr>
-            <a:endParaRPr lang="zh-CN" altLang="en-US" dirty="0"/>
+            <a:pPr lvl="2"/>
+            <a:r>
+              <a:rPr lang="zh-CN" altLang="en-US" sz="2200" dirty="0" smtClean="0"/>
+              <a:t>通用实体在语料中的分布</a:t>
+            </a:r>
+            <a:endParaRPr lang="en-US" altLang="zh-CN" sz="2200" dirty="0"/>
           </a:p>
-        </p:txBody>
-      </p:sp>
-      <p:sp>
-        <p:nvSpPr>
-          <p:cNvPr id="11" name="文本占位符 10"/>
-          <p:cNvSpPr>
-            <a:spLocks noGrp="1"/>
-          </p:cNvSpPr>
-          <p:nvPr>
-            <p:ph type="body" sz="quarter" idx="3"/>
-          </p:nvPr>
-        </p:nvSpPr>
-        <p:spPr>
-          <a:xfrm>
-            <a:off x="4645025" y="5011947"/>
-            <a:ext cx="4041775" cy="1147726"/>
-          </a:xfrm>
-        </p:spPr>
-        <p:txBody>
-          <a:bodyPr/>
-          <a:lstStyle/>
           <a:p>
-            <a:r>
-              <a:rPr lang="en-US" altLang="zh-CN" sz="1400" b="0" dirty="0"/>
-              <a:t>dos Santos C, </a:t>
-            </a:r>
-            <a:r>
-              <a:rPr lang="en-US" altLang="zh-CN" sz="1400" b="0" dirty="0" err="1"/>
-              <a:t>Guimaraes</a:t>
-            </a:r>
-            <a:r>
-              <a:rPr lang="en-US" altLang="zh-CN" sz="1400" b="0" dirty="0"/>
-              <a:t> V, </a:t>
-            </a:r>
-            <a:r>
-              <a:rPr lang="en-US" altLang="zh-CN" sz="1400" b="0" dirty="0" err="1"/>
-              <a:t>Niterói</a:t>
-            </a:r>
-            <a:r>
-              <a:rPr lang="en-US" altLang="zh-CN" sz="1400" b="0" dirty="0"/>
-              <a:t> R J, et al. Boosting named entity recognition with neural character </a:t>
-            </a:r>
-            <a:r>
-              <a:rPr lang="en-US" altLang="zh-CN" sz="1400" b="0" dirty="0" err="1" smtClean="0"/>
-              <a:t>embeddings</a:t>
-            </a:r>
-            <a:r>
-              <a:rPr lang="en-US" altLang="zh-CN" sz="1400" b="0" dirty="0" smtClean="0"/>
-              <a:t>[C] //</a:t>
-            </a:r>
-            <a:r>
-              <a:rPr lang="en-US" altLang="zh-CN" sz="1400" b="0" dirty="0"/>
-              <a:t>Proceedings of NEWS 2015 The Fifth Named Entities Workshop. 2015: 25.</a:t>
-            </a:r>
-            <a:endParaRPr lang="zh-CN" altLang="en-US" sz="1400" b="0" dirty="0"/>
+            <a:pPr marL="873125" lvl="2"/>
+            <a:endParaRPr lang="en-US" altLang="zh-CN" sz="2200" dirty="0"/>
           </a:p>
-        </p:txBody>
-      </p:sp>
-      <p:sp>
-        <p:nvSpPr>
-          <p:cNvPr id="12" name="内容占位符 11"/>
-          <p:cNvSpPr>
-            <a:spLocks noGrp="1"/>
-          </p:cNvSpPr>
-          <p:nvPr>
-            <p:ph sz="quarter" idx="4"/>
-          </p:nvPr>
-        </p:nvSpPr>
-        <p:spPr/>
-        <p:txBody>
-          <a:bodyPr/>
-          <a:lstStyle/>
           <a:p>
             <a:pPr marL="354013" lvl="1" indent="-354013">
               <a:buClr>
@@ -39275,36 +41145,111 @@
               <a:buFont typeface="Wingdings" pitchFamily="2" charset="2"/>
               <a:buChar char="l"/>
             </a:pPr>
-            <a:r>
-              <a:rPr lang="en-US" altLang="zh-CN" dirty="0" err="1"/>
-              <a:t>CharWNN</a:t>
-            </a:r>
-            <a:r>
-              <a:rPr lang="en-US" altLang="zh-CN" dirty="0"/>
-              <a:t> </a:t>
-            </a:r>
-            <a:r>
-              <a:rPr lang="zh-CN" altLang="en-US" dirty="0"/>
-              <a:t>应用于 </a:t>
-            </a:r>
-            <a:r>
-              <a:rPr lang="zh-CN" altLang="en-US" dirty="0" smtClean="0"/>
-              <a:t>西班牙、葡萄牙的</a:t>
-            </a:r>
-            <a:r>
-              <a:rPr lang="en-US" altLang="zh-CN" dirty="0" smtClean="0"/>
-              <a:t>NER</a:t>
-            </a:r>
-            <a:endParaRPr lang="en-US" altLang="zh-CN" dirty="0"/>
+            <a:endParaRPr lang="en-US" altLang="zh-CN" sz="2400" b="1" dirty="0" smtClean="0">
+              <a:solidFill>
+                <a:schemeClr val="tx1"/>
+              </a:solidFill>
+              <a:cs typeface="微软雅黑" pitchFamily="34" charset="-122"/>
+            </a:endParaRPr>
           </a:p>
           <a:p>
-            <a:endParaRPr lang="zh-CN" altLang="en-US" dirty="0"/>
+            <a:pPr marL="354013" lvl="1" indent="-354013">
+              <a:buClr>
+                <a:srgbClr val="FBB030"/>
+              </a:buClr>
+              <a:buFont typeface="Wingdings" pitchFamily="2" charset="2"/>
+              <a:buChar char="l"/>
+            </a:pPr>
+            <a:endParaRPr lang="en-US" altLang="zh-CN" sz="2400" b="1" dirty="0">
+              <a:solidFill>
+                <a:schemeClr val="tx1"/>
+              </a:solidFill>
+              <a:cs typeface="微软雅黑" pitchFamily="34" charset="-122"/>
+            </a:endParaRPr>
+          </a:p>
+          <a:p>
+            <a:pPr marL="354013" lvl="1" indent="-354013">
+              <a:buClr>
+                <a:srgbClr val="FBB030"/>
+              </a:buClr>
+              <a:buFont typeface="Wingdings" pitchFamily="2" charset="2"/>
+              <a:buChar char="l"/>
+            </a:pPr>
+            <a:endParaRPr lang="en-US" altLang="zh-CN" sz="2400" b="1" dirty="0" smtClean="0">
+              <a:solidFill>
+                <a:schemeClr val="tx1"/>
+              </a:solidFill>
+              <a:cs typeface="微软雅黑" pitchFamily="34" charset="-122"/>
+            </a:endParaRPr>
+          </a:p>
+          <a:p>
+            <a:pPr marL="354013" lvl="1" indent="-354013">
+              <a:buClr>
+                <a:srgbClr val="FBB030"/>
+              </a:buClr>
+              <a:buFont typeface="Wingdings" pitchFamily="2" charset="2"/>
+              <a:buChar char="l"/>
+            </a:pPr>
+            <a:endParaRPr lang="en-US" altLang="zh-CN" sz="2400" b="1" dirty="0">
+              <a:solidFill>
+                <a:schemeClr val="tx1"/>
+              </a:solidFill>
+              <a:cs typeface="微软雅黑" pitchFamily="34" charset="-122"/>
+            </a:endParaRPr>
+          </a:p>
+          <a:p>
+            <a:pPr marL="354013" lvl="1" indent="-354013">
+              <a:buClr>
+                <a:srgbClr val="FBB030"/>
+              </a:buClr>
+              <a:buFont typeface="Wingdings" pitchFamily="2" charset="2"/>
+              <a:buChar char="l"/>
+            </a:pPr>
+            <a:endParaRPr lang="en-US" altLang="zh-CN" sz="2400" b="1" dirty="0" smtClean="0">
+              <a:solidFill>
+                <a:schemeClr val="tx1"/>
+              </a:solidFill>
+              <a:cs typeface="微软雅黑" pitchFamily="34" charset="-122"/>
+            </a:endParaRPr>
+          </a:p>
+          <a:p>
+            <a:pPr marL="354013" lvl="1" indent="-354013">
+              <a:buClr>
+                <a:srgbClr val="FBB030"/>
+              </a:buClr>
+              <a:buFont typeface="Wingdings" pitchFamily="2" charset="2"/>
+              <a:buChar char="l"/>
+            </a:pPr>
+            <a:endParaRPr lang="en-US" altLang="zh-CN" sz="2400" b="1" dirty="0">
+              <a:solidFill>
+                <a:schemeClr val="tx1"/>
+              </a:solidFill>
+              <a:cs typeface="微软雅黑" pitchFamily="34" charset="-122"/>
+            </a:endParaRPr>
+          </a:p>
+          <a:p>
+            <a:pPr lvl="1"/>
+            <a:endParaRPr lang="en-US" altLang="zh-CN" sz="2000" dirty="0" smtClean="0">
+              <a:solidFill>
+                <a:schemeClr val="tx2"/>
+              </a:solidFill>
+            </a:endParaRPr>
+          </a:p>
+          <a:p>
+            <a:pPr marL="338138" lvl="1" indent="0">
+              <a:buNone/>
+            </a:pPr>
+            <a:endParaRPr lang="zh-CN" altLang="en-US" sz="2000" dirty="0">
+              <a:solidFill>
+                <a:schemeClr val="tx2"/>
+              </a:solidFill>
+            </a:endParaRPr>
           </a:p>
         </p:txBody>
       </p:sp>
       <p:sp>
         <p:nvSpPr>
-          <p:cNvPr id="4" name="标题 3"/>
+          <p:cNvPr id="3" name="标题 2"/>
           <p:cNvSpPr>
             <a:spLocks noGrp="1"/>
           </p:cNvSpPr>
@@ -39323,146 +41268,771 @@
           <a:lstStyle/>
           <a:p>
             <a:r>
-              <a:rPr lang="zh-CN" altLang="en-US" sz="4000" b="1" dirty="0"/>
-              <a:t>研究</a:t>
+              <a:rPr lang="zh-CN" altLang="en-US" sz="4000" b="1" dirty="0" smtClean="0"/>
+              <a:t>已完成工作</a:t>
             </a:r>
-            <a:r>
-              <a:rPr lang="zh-CN" altLang="en-US" sz="4000" b="1" dirty="0" smtClean="0"/>
-              <a:t>思路</a:t>
-            </a:r>
-            <a:endParaRPr lang="en-US" altLang="zh-CN" sz="4000" b="1" dirty="0"/>
+            <a:endParaRPr lang="zh-CN" altLang="en-US" sz="4000" b="1" dirty="0"/>
           </a:p>
         </p:txBody>
       </p:sp>
-      <p:pic>
-        <p:nvPicPr>
-          <p:cNvPr id="13" name="图片 12"/>
-          <p:cNvPicPr>
-            <a:picLocks noChangeAspect="1"/>
-          </p:cNvPicPr>
-          <p:nvPr/>
-        </p:nvPicPr>
-        <p:blipFill>
-          <a:blip r:embed="rId2"/>
-          <a:stretch>
-            <a:fillRect/>
-          </a:stretch>
-        </p:blipFill>
-        <p:spPr>
-          <a:xfrm>
-            <a:off x="880897" y="1860509"/>
-            <a:ext cx="2807655" cy="3531001"/>
-          </a:xfrm>
-          <a:prstGeom prst="rect">
-            <a:avLst/>
-          </a:prstGeom>
-        </p:spPr>
-      </p:pic>
-      <p:pic>
-        <p:nvPicPr>
-          <p:cNvPr id="14" name="图片 13"/>
-          <p:cNvPicPr>
-            <a:picLocks noChangeAspect="1"/>
-          </p:cNvPicPr>
-          <p:nvPr/>
-        </p:nvPicPr>
-        <p:blipFill>
-          <a:blip r:embed="rId3"/>
-          <a:stretch>
-            <a:fillRect/>
-          </a:stretch>
-        </p:blipFill>
-        <p:spPr>
-          <a:xfrm>
-            <a:off x="4927878" y="2232837"/>
-            <a:ext cx="3630440" cy="2779109"/>
-          </a:xfrm>
-          <a:prstGeom prst="rect">
-            <a:avLst/>
-          </a:prstGeom>
-        </p:spPr>
-      </p:pic>
-      <p:sp>
-        <p:nvSpPr>
-          <p:cNvPr id="22" name="右箭头 21"/>
-          <p:cNvSpPr/>
-          <p:nvPr/>
-        </p:nvSpPr>
-        <p:spPr bwMode="auto">
-          <a:xfrm>
-            <a:off x="3688552" y="3383693"/>
-            <a:ext cx="978408" cy="484632"/>
-          </a:xfrm>
-          <a:prstGeom prst="rightArrow">
-            <a:avLst/>
-          </a:prstGeom>
-          <a:ln>
-            <a:headEnd type="none" w="med" len="med"/>
-            <a:tailEnd type="none" w="med" len="med"/>
-          </a:ln>
-        </p:spPr>
-        <p:style>
-          <a:lnRef idx="2">
-            <a:schemeClr val="dk1"/>
-          </a:lnRef>
-          <a:fillRef idx="1">
-            <a:schemeClr val="lt1"/>
-          </a:fillRef>
-          <a:effectRef idx="0">
-            <a:schemeClr val="dk1"/>
-          </a:effectRef>
-          <a:fontRef idx="minor">
-            <a:schemeClr val="dk1"/>
-          </a:fontRef>
-        </p:style>
-        <p:txBody>
-          <a:bodyPr vert="horz" wrap="square" lIns="91440" tIns="45720" rIns="91440" bIns="45720" numCol="1" rtlCol="0" anchor="t" anchorCtr="0" compatLnSpc="1">
-            <a:prstTxWarp prst="textNoShape">
-              <a:avLst/>
-            </a:prstTxWarp>
-            <a:spAutoFit/>
-          </a:bodyPr>
-          <a:lstStyle/>
-          <a:p>
-            <a:pPr marL="355600" marR="0" indent="-355600" algn="l" defTabSz="914400" rtl="0" eaLnBrk="1" fontAlgn="base" latinLnBrk="0" hangingPunct="1">
-              <a:lnSpc>
-                <a:spcPct val="100000"/>
-              </a:lnSpc>
-              <a:spcBef>
-                <a:spcPct val="50000"/>
-              </a:spcBef>
-              <a:spcAft>
-                <a:spcPct val="0"/>
-              </a:spcAft>
-              <a:buClrTx/>
-              <a:buSzTx/>
-              <a:buFontTx/>
-              <a:buChar char="•"/>
-              <a:tabLst/>
-            </a:pPr>
-            <a:endParaRPr kumimoji="0" lang="zh-CN" altLang="en-US" sz="1800" b="0" i="0" u="none" strike="noStrike" cap="none" normalizeH="0" baseline="0" smtClean="0">
-              <a:ln>
-                <a:noFill/>
-              </a:ln>
-              <a:solidFill>
-                <a:srgbClr val="4D4D4D"/>
-              </a:solidFill>
-              <a:effectLst/>
-              <a:latin typeface="Segoe" pitchFamily="34" charset="0"/>
-            </a:endParaRPr>
-          </a:p>
-        </p:txBody>
-      </p:sp>
+      <p:graphicFrame>
+        <p:nvGraphicFramePr>
+          <p:cNvPr id="8" name="表格 7"/>
+          <p:cNvGraphicFramePr>
+            <a:graphicFrameLocks noGrp="1"/>
+          </p:cNvGraphicFramePr>
+          <p:nvPr>
+            <p:extLst>
+              <p:ext uri="{D42A27DB-BD31-4B8C-83A1-F6EECF244321}">
+                <p14:modId xmlns:p14="http://schemas.microsoft.com/office/powerpoint/2010/main" val="3160374132"/>
+              </p:ext>
+            </p:extLst>
+          </p:nvPr>
+        </p:nvGraphicFramePr>
+        <p:xfrm>
+          <a:off x="916338" y="2400364"/>
+          <a:ext cx="6275296" cy="3094273"/>
+        </p:xfrm>
+        <a:graphic>
+          <a:graphicData uri="http://schemas.openxmlformats.org/drawingml/2006/table">
+            <a:tbl>
+              <a:tblPr>
+                <a:tableStyleId>{5C22544A-7EE6-4342-B048-85BDC9FD1C3A}</a:tableStyleId>
+              </a:tblPr>
+              <a:tblGrid>
+                <a:gridCol w="1568824"/>
+                <a:gridCol w="1568824"/>
+                <a:gridCol w="1568824"/>
+                <a:gridCol w="1568824"/>
+              </a:tblGrid>
+              <a:tr h="994081">
+                <a:tc>
+                  <a:txBody>
+                    <a:bodyPr/>
+                    <a:lstStyle/>
+                    <a:p>
+                      <a:pPr algn="ctr">
+                        <a:lnSpc>
+                          <a:spcPct val="150000"/>
+                        </a:lnSpc>
+                        <a:spcAft>
+                          <a:spcPts val="0"/>
+                        </a:spcAft>
+                        <a:tabLst>
+                          <a:tab pos="239395" algn="l"/>
+                        </a:tabLst>
+                      </a:pPr>
+                      <a:r>
+                        <a:rPr lang="zh-CN" sz="2000" kern="100" dirty="0">
+                          <a:effectLst/>
+                          <a:latin typeface="Times New Roman" panose="02020603050405020304" pitchFamily="18" charset="0"/>
+                          <a:cs typeface="Times New Roman" panose="02020603050405020304" pitchFamily="18" charset="0"/>
+                        </a:rPr>
+                        <a:t>新闻来源</a:t>
+                      </a:r>
+                      <a:r>
+                        <a:rPr lang="en-US" sz="2000" kern="100" dirty="0">
+                          <a:effectLst/>
+                          <a:latin typeface="Times New Roman" panose="02020603050405020304" pitchFamily="18" charset="0"/>
+                          <a:cs typeface="Times New Roman" panose="02020603050405020304" pitchFamily="18" charset="0"/>
+                        </a:rPr>
+                        <a:t>\</a:t>
+                      </a:r>
+                      <a:r>
+                        <a:rPr lang="zh-CN" sz="2000" kern="100" dirty="0">
+                          <a:effectLst/>
+                          <a:latin typeface="Times New Roman" panose="02020603050405020304" pitchFamily="18" charset="0"/>
+                          <a:cs typeface="Times New Roman" panose="02020603050405020304" pitchFamily="18" charset="0"/>
+                        </a:rPr>
+                        <a:t>实体类型</a:t>
+                      </a:r>
+                      <a:endParaRPr lang="zh-CN" sz="2000" kern="100" dirty="0">
+                        <a:effectLst/>
+                        <a:latin typeface="Times New Roman" panose="02020603050405020304" pitchFamily="18" charset="0"/>
+                        <a:ea typeface="宋体" panose="02010600030101010101" pitchFamily="2" charset="-122"/>
+                        <a:cs typeface="Times New Roman" panose="02020603050405020304" pitchFamily="18" charset="0"/>
+                      </a:endParaRPr>
+                    </a:p>
+                  </a:txBody>
+                  <a:tcPr marL="68580" marR="68580" marT="0" marB="0" anchor="ctr"/>
+                </a:tc>
+                <a:tc>
+                  <a:txBody>
+                    <a:bodyPr/>
+                    <a:lstStyle/>
+                    <a:p>
+                      <a:pPr algn="ctr">
+                        <a:lnSpc>
+                          <a:spcPct val="150000"/>
+                        </a:lnSpc>
+                        <a:spcAft>
+                          <a:spcPts val="0"/>
+                        </a:spcAft>
+                        <a:tabLst>
+                          <a:tab pos="239395" algn="l"/>
+                        </a:tabLst>
+                      </a:pPr>
+                      <a:r>
+                        <a:rPr lang="en-US" sz="2000" kern="100">
+                          <a:effectLst/>
+                          <a:latin typeface="Times New Roman" panose="02020603050405020304" pitchFamily="18" charset="0"/>
+                          <a:cs typeface="Times New Roman" panose="02020603050405020304" pitchFamily="18" charset="0"/>
+                        </a:rPr>
+                        <a:t>LOC</a:t>
+                      </a:r>
+                      <a:endParaRPr lang="zh-CN" sz="2000" kern="100">
+                        <a:effectLst/>
+                        <a:latin typeface="Times New Roman" panose="02020603050405020304" pitchFamily="18" charset="0"/>
+                        <a:ea typeface="宋体" panose="02010600030101010101" pitchFamily="2" charset="-122"/>
+                        <a:cs typeface="Times New Roman" panose="02020603050405020304" pitchFamily="18" charset="0"/>
+                      </a:endParaRPr>
+                    </a:p>
+                  </a:txBody>
+                  <a:tcPr marL="68580" marR="68580" marT="0" marB="0" anchor="ctr"/>
+                </a:tc>
+                <a:tc>
+                  <a:txBody>
+                    <a:bodyPr/>
+                    <a:lstStyle/>
+                    <a:p>
+                      <a:pPr algn="ctr">
+                        <a:lnSpc>
+                          <a:spcPct val="150000"/>
+                        </a:lnSpc>
+                        <a:spcAft>
+                          <a:spcPts val="0"/>
+                        </a:spcAft>
+                        <a:tabLst>
+                          <a:tab pos="239395" algn="l"/>
+                        </a:tabLst>
+                      </a:pPr>
+                      <a:r>
+                        <a:rPr lang="en-US" sz="2000" kern="100">
+                          <a:effectLst/>
+                          <a:latin typeface="Times New Roman" panose="02020603050405020304" pitchFamily="18" charset="0"/>
+                          <a:cs typeface="Times New Roman" panose="02020603050405020304" pitchFamily="18" charset="0"/>
+                        </a:rPr>
+                        <a:t>ORG</a:t>
+                      </a:r>
+                      <a:endParaRPr lang="zh-CN" sz="2000" kern="100">
+                        <a:effectLst/>
+                        <a:latin typeface="Times New Roman" panose="02020603050405020304" pitchFamily="18" charset="0"/>
+                        <a:ea typeface="宋体" panose="02010600030101010101" pitchFamily="2" charset="-122"/>
+                        <a:cs typeface="Times New Roman" panose="02020603050405020304" pitchFamily="18" charset="0"/>
+                      </a:endParaRPr>
+                    </a:p>
+                  </a:txBody>
+                  <a:tcPr marL="68580" marR="68580" marT="0" marB="0" anchor="ctr"/>
+                </a:tc>
+                <a:tc>
+                  <a:txBody>
+                    <a:bodyPr/>
+                    <a:lstStyle/>
+                    <a:p>
+                      <a:pPr algn="ctr">
+                        <a:lnSpc>
+                          <a:spcPct val="150000"/>
+                        </a:lnSpc>
+                        <a:spcAft>
+                          <a:spcPts val="0"/>
+                        </a:spcAft>
+                        <a:tabLst>
+                          <a:tab pos="239395" algn="l"/>
+                        </a:tabLst>
+                      </a:pPr>
+                      <a:r>
+                        <a:rPr lang="en-US" sz="2000" kern="100">
+                          <a:effectLst/>
+                          <a:latin typeface="Times New Roman" panose="02020603050405020304" pitchFamily="18" charset="0"/>
+                          <a:cs typeface="Times New Roman" panose="02020603050405020304" pitchFamily="18" charset="0"/>
+                        </a:rPr>
+                        <a:t>PER</a:t>
+                      </a:r>
+                      <a:endParaRPr lang="zh-CN" sz="2000" kern="100">
+                        <a:effectLst/>
+                        <a:latin typeface="Times New Roman" panose="02020603050405020304" pitchFamily="18" charset="0"/>
+                        <a:ea typeface="宋体" panose="02010600030101010101" pitchFamily="2" charset="-122"/>
+                        <a:cs typeface="Times New Roman" panose="02020603050405020304" pitchFamily="18" charset="0"/>
+                      </a:endParaRPr>
+                    </a:p>
+                  </a:txBody>
+                  <a:tcPr marL="68580" marR="68580" marT="0" marB="0" anchor="ctr"/>
+                </a:tc>
+              </a:tr>
+              <a:tr h="525048">
+                <a:tc>
+                  <a:txBody>
+                    <a:bodyPr/>
+                    <a:lstStyle/>
+                    <a:p>
+                      <a:pPr algn="ctr">
+                        <a:lnSpc>
+                          <a:spcPct val="150000"/>
+                        </a:lnSpc>
+                        <a:spcAft>
+                          <a:spcPts val="0"/>
+                        </a:spcAft>
+                        <a:tabLst>
+                          <a:tab pos="239395" algn="l"/>
+                        </a:tabLst>
+                      </a:pPr>
+                      <a:r>
+                        <a:rPr lang="en-US" sz="2000" kern="100">
+                          <a:effectLst/>
+                          <a:latin typeface="Times New Roman" panose="02020603050405020304" pitchFamily="18" charset="0"/>
+                          <a:cs typeface="Times New Roman" panose="02020603050405020304" pitchFamily="18" charset="0"/>
+                        </a:rPr>
+                        <a:t>AsiaView</a:t>
+                      </a:r>
+                      <a:endParaRPr lang="zh-CN" sz="2000" kern="100">
+                        <a:effectLst/>
+                        <a:latin typeface="Times New Roman" panose="02020603050405020304" pitchFamily="18" charset="0"/>
+                        <a:ea typeface="宋体" panose="02010600030101010101" pitchFamily="2" charset="-122"/>
+                        <a:cs typeface="Times New Roman" panose="02020603050405020304" pitchFamily="18" charset="0"/>
+                      </a:endParaRPr>
+                    </a:p>
+                  </a:txBody>
+                  <a:tcPr marL="68580" marR="68580" marT="0" marB="0" anchor="ctr"/>
+                </a:tc>
+                <a:tc>
+                  <a:txBody>
+                    <a:bodyPr/>
+                    <a:lstStyle/>
+                    <a:p>
+                      <a:pPr algn="ctr">
+                        <a:lnSpc>
+                          <a:spcPct val="150000"/>
+                        </a:lnSpc>
+                        <a:spcAft>
+                          <a:spcPts val="0"/>
+                        </a:spcAft>
+                        <a:tabLst>
+                          <a:tab pos="239395" algn="l"/>
+                        </a:tabLst>
+                      </a:pPr>
+                      <a:r>
+                        <a:rPr lang="en-US" sz="2000" kern="100">
+                          <a:effectLst/>
+                          <a:latin typeface="Times New Roman" panose="02020603050405020304" pitchFamily="18" charset="0"/>
+                          <a:cs typeface="Times New Roman" panose="02020603050405020304" pitchFamily="18" charset="0"/>
+                        </a:rPr>
+                        <a:t>2422</a:t>
+                      </a:r>
+                      <a:endParaRPr lang="zh-CN" sz="2000" kern="100">
+                        <a:effectLst/>
+                        <a:latin typeface="Times New Roman" panose="02020603050405020304" pitchFamily="18" charset="0"/>
+                        <a:ea typeface="宋体" panose="02010600030101010101" pitchFamily="2" charset="-122"/>
+                        <a:cs typeface="Times New Roman" panose="02020603050405020304" pitchFamily="18" charset="0"/>
+                      </a:endParaRPr>
+                    </a:p>
+                  </a:txBody>
+                  <a:tcPr marL="68580" marR="68580" marT="0" marB="0" anchor="ctr"/>
+                </a:tc>
+                <a:tc>
+                  <a:txBody>
+                    <a:bodyPr/>
+                    <a:lstStyle/>
+                    <a:p>
+                      <a:pPr algn="ctr">
+                        <a:lnSpc>
+                          <a:spcPct val="150000"/>
+                        </a:lnSpc>
+                        <a:spcAft>
+                          <a:spcPts val="0"/>
+                        </a:spcAft>
+                        <a:tabLst>
+                          <a:tab pos="239395" algn="l"/>
+                        </a:tabLst>
+                      </a:pPr>
+                      <a:r>
+                        <a:rPr lang="en-US" sz="2000" kern="100">
+                          <a:effectLst/>
+                          <a:latin typeface="Times New Roman" panose="02020603050405020304" pitchFamily="18" charset="0"/>
+                          <a:cs typeface="Times New Roman" panose="02020603050405020304" pitchFamily="18" charset="0"/>
+                        </a:rPr>
+                        <a:t>1034</a:t>
+                      </a:r>
+                      <a:endParaRPr lang="zh-CN" sz="2000" kern="100">
+                        <a:effectLst/>
+                        <a:latin typeface="Times New Roman" panose="02020603050405020304" pitchFamily="18" charset="0"/>
+                        <a:ea typeface="宋体" panose="02010600030101010101" pitchFamily="2" charset="-122"/>
+                        <a:cs typeface="Times New Roman" panose="02020603050405020304" pitchFamily="18" charset="0"/>
+                      </a:endParaRPr>
+                    </a:p>
+                  </a:txBody>
+                  <a:tcPr marL="68580" marR="68580" marT="0" marB="0" anchor="ctr"/>
+                </a:tc>
+                <a:tc>
+                  <a:txBody>
+                    <a:bodyPr/>
+                    <a:lstStyle/>
+                    <a:p>
+                      <a:pPr algn="ctr">
+                        <a:lnSpc>
+                          <a:spcPct val="150000"/>
+                        </a:lnSpc>
+                        <a:spcAft>
+                          <a:spcPts val="0"/>
+                        </a:spcAft>
+                        <a:tabLst>
+                          <a:tab pos="239395" algn="l"/>
+                        </a:tabLst>
+                      </a:pPr>
+                      <a:r>
+                        <a:rPr lang="en-US" sz="2000" kern="100">
+                          <a:effectLst/>
+                          <a:latin typeface="Times New Roman" panose="02020603050405020304" pitchFamily="18" charset="0"/>
+                          <a:cs typeface="Times New Roman" panose="02020603050405020304" pitchFamily="18" charset="0"/>
+                        </a:rPr>
+                        <a:t>781</a:t>
+                      </a:r>
+                      <a:endParaRPr lang="zh-CN" sz="2000" kern="100">
+                        <a:effectLst/>
+                        <a:latin typeface="Times New Roman" panose="02020603050405020304" pitchFamily="18" charset="0"/>
+                        <a:ea typeface="宋体" panose="02010600030101010101" pitchFamily="2" charset="-122"/>
+                        <a:cs typeface="Times New Roman" panose="02020603050405020304" pitchFamily="18" charset="0"/>
+                      </a:endParaRPr>
+                    </a:p>
+                  </a:txBody>
+                  <a:tcPr marL="68580" marR="68580" marT="0" marB="0" anchor="ctr"/>
+                </a:tc>
+              </a:tr>
+              <a:tr h="525048">
+                <a:tc>
+                  <a:txBody>
+                    <a:bodyPr/>
+                    <a:lstStyle/>
+                    <a:p>
+                      <a:pPr algn="ctr">
+                        <a:lnSpc>
+                          <a:spcPct val="150000"/>
+                        </a:lnSpc>
+                        <a:spcAft>
+                          <a:spcPts val="0"/>
+                        </a:spcAft>
+                        <a:tabLst>
+                          <a:tab pos="239395" algn="l"/>
+                        </a:tabLst>
+                      </a:pPr>
+                      <a:r>
+                        <a:rPr lang="en-US" sz="2000" kern="100" dirty="0" err="1">
+                          <a:effectLst/>
+                          <a:latin typeface="Times New Roman" panose="02020603050405020304" pitchFamily="18" charset="0"/>
+                          <a:cs typeface="Times New Roman" panose="02020603050405020304" pitchFamily="18" charset="0"/>
+                        </a:rPr>
+                        <a:t>dWNews</a:t>
+                      </a:r>
+                      <a:endParaRPr lang="zh-CN" sz="2000" kern="100" dirty="0">
+                        <a:effectLst/>
+                        <a:latin typeface="Times New Roman" panose="02020603050405020304" pitchFamily="18" charset="0"/>
+                        <a:ea typeface="宋体" panose="02010600030101010101" pitchFamily="2" charset="-122"/>
+                        <a:cs typeface="Times New Roman" panose="02020603050405020304" pitchFamily="18" charset="0"/>
+                      </a:endParaRPr>
+                    </a:p>
+                  </a:txBody>
+                  <a:tcPr marL="68580" marR="68580" marT="0" marB="0" anchor="ctr"/>
+                </a:tc>
+                <a:tc>
+                  <a:txBody>
+                    <a:bodyPr/>
+                    <a:lstStyle/>
+                    <a:p>
+                      <a:pPr algn="ctr">
+                        <a:lnSpc>
+                          <a:spcPct val="150000"/>
+                        </a:lnSpc>
+                        <a:spcAft>
+                          <a:spcPts val="0"/>
+                        </a:spcAft>
+                        <a:tabLst>
+                          <a:tab pos="239395" algn="l"/>
+                        </a:tabLst>
+                      </a:pPr>
+                      <a:r>
+                        <a:rPr lang="en-US" sz="2000" kern="100">
+                          <a:effectLst/>
+                          <a:latin typeface="Times New Roman" panose="02020603050405020304" pitchFamily="18" charset="0"/>
+                          <a:cs typeface="Times New Roman" panose="02020603050405020304" pitchFamily="18" charset="0"/>
+                        </a:rPr>
+                        <a:t>9608</a:t>
+                      </a:r>
+                      <a:endParaRPr lang="zh-CN" sz="2000" kern="100">
+                        <a:effectLst/>
+                        <a:latin typeface="Times New Roman" panose="02020603050405020304" pitchFamily="18" charset="0"/>
+                        <a:ea typeface="宋体" panose="02010600030101010101" pitchFamily="2" charset="-122"/>
+                        <a:cs typeface="Times New Roman" panose="02020603050405020304" pitchFamily="18" charset="0"/>
+                      </a:endParaRPr>
+                    </a:p>
+                  </a:txBody>
+                  <a:tcPr marL="68580" marR="68580" marT="0" marB="0" anchor="ctr"/>
+                </a:tc>
+                <a:tc>
+                  <a:txBody>
+                    <a:bodyPr/>
+                    <a:lstStyle/>
+                    <a:p>
+                      <a:pPr algn="ctr">
+                        <a:lnSpc>
+                          <a:spcPct val="150000"/>
+                        </a:lnSpc>
+                        <a:spcAft>
+                          <a:spcPts val="0"/>
+                        </a:spcAft>
+                        <a:tabLst>
+                          <a:tab pos="239395" algn="l"/>
+                        </a:tabLst>
+                      </a:pPr>
+                      <a:r>
+                        <a:rPr lang="en-US" sz="2000" kern="100" dirty="0">
+                          <a:effectLst/>
+                          <a:latin typeface="Times New Roman" panose="02020603050405020304" pitchFamily="18" charset="0"/>
+                          <a:cs typeface="Times New Roman" panose="02020603050405020304" pitchFamily="18" charset="0"/>
+                        </a:rPr>
+                        <a:t>3100</a:t>
+                      </a:r>
+                      <a:endParaRPr lang="zh-CN" sz="2000" kern="100" dirty="0">
+                        <a:effectLst/>
+                        <a:latin typeface="Times New Roman" panose="02020603050405020304" pitchFamily="18" charset="0"/>
+                        <a:ea typeface="宋体" panose="02010600030101010101" pitchFamily="2" charset="-122"/>
+                        <a:cs typeface="Times New Roman" panose="02020603050405020304" pitchFamily="18" charset="0"/>
+                      </a:endParaRPr>
+                    </a:p>
+                  </a:txBody>
+                  <a:tcPr marL="68580" marR="68580" marT="0" marB="0" anchor="ctr"/>
+                </a:tc>
+                <a:tc>
+                  <a:txBody>
+                    <a:bodyPr/>
+                    <a:lstStyle/>
+                    <a:p>
+                      <a:pPr algn="ctr">
+                        <a:lnSpc>
+                          <a:spcPct val="150000"/>
+                        </a:lnSpc>
+                        <a:spcAft>
+                          <a:spcPts val="0"/>
+                        </a:spcAft>
+                        <a:tabLst>
+                          <a:tab pos="239395" algn="l"/>
+                        </a:tabLst>
+                      </a:pPr>
+                      <a:r>
+                        <a:rPr lang="en-US" sz="2000" kern="100">
+                          <a:effectLst/>
+                          <a:latin typeface="Times New Roman" panose="02020603050405020304" pitchFamily="18" charset="0"/>
+                          <a:cs typeface="Times New Roman" panose="02020603050405020304" pitchFamily="18" charset="0"/>
+                        </a:rPr>
+                        <a:t>3079</a:t>
+                      </a:r>
+                      <a:endParaRPr lang="zh-CN" sz="2000" kern="100">
+                        <a:effectLst/>
+                        <a:latin typeface="Times New Roman" panose="02020603050405020304" pitchFamily="18" charset="0"/>
+                        <a:ea typeface="宋体" panose="02010600030101010101" pitchFamily="2" charset="-122"/>
+                        <a:cs typeface="Times New Roman" panose="02020603050405020304" pitchFamily="18" charset="0"/>
+                      </a:endParaRPr>
+                    </a:p>
+                  </a:txBody>
+                  <a:tcPr marL="68580" marR="68580" marT="0" marB="0" anchor="ctr"/>
+                </a:tc>
+              </a:tr>
+              <a:tr h="525048">
+                <a:tc>
+                  <a:txBody>
+                    <a:bodyPr/>
+                    <a:lstStyle/>
+                    <a:p>
+                      <a:pPr algn="ctr">
+                        <a:lnSpc>
+                          <a:spcPct val="150000"/>
+                        </a:lnSpc>
+                        <a:spcAft>
+                          <a:spcPts val="0"/>
+                        </a:spcAft>
+                        <a:tabLst>
+                          <a:tab pos="239395" algn="l"/>
+                        </a:tabLst>
+                      </a:pPr>
+                      <a:r>
+                        <a:rPr lang="en-US" sz="2000" kern="100">
+                          <a:effectLst/>
+                          <a:latin typeface="Times New Roman" panose="02020603050405020304" pitchFamily="18" charset="0"/>
+                          <a:cs typeface="Times New Roman" panose="02020603050405020304" pitchFamily="18" charset="0"/>
+                        </a:rPr>
+                        <a:t>RFA</a:t>
+                      </a:r>
+                      <a:endParaRPr lang="zh-CN" sz="2000" kern="100">
+                        <a:effectLst/>
+                        <a:latin typeface="Times New Roman" panose="02020603050405020304" pitchFamily="18" charset="0"/>
+                        <a:ea typeface="宋体" panose="02010600030101010101" pitchFamily="2" charset="-122"/>
+                        <a:cs typeface="Times New Roman" panose="02020603050405020304" pitchFamily="18" charset="0"/>
+                      </a:endParaRPr>
+                    </a:p>
+                  </a:txBody>
+                  <a:tcPr marL="68580" marR="68580" marT="0" marB="0" anchor="ctr"/>
+                </a:tc>
+                <a:tc>
+                  <a:txBody>
+                    <a:bodyPr/>
+                    <a:lstStyle/>
+                    <a:p>
+                      <a:pPr algn="ctr">
+                        <a:lnSpc>
+                          <a:spcPct val="150000"/>
+                        </a:lnSpc>
+                        <a:spcAft>
+                          <a:spcPts val="0"/>
+                        </a:spcAft>
+                        <a:tabLst>
+                          <a:tab pos="239395" algn="l"/>
+                        </a:tabLst>
+                      </a:pPr>
+                      <a:r>
+                        <a:rPr lang="en-US" sz="2000" kern="100">
+                          <a:effectLst/>
+                          <a:latin typeface="Times New Roman" panose="02020603050405020304" pitchFamily="18" charset="0"/>
+                          <a:cs typeface="Times New Roman" panose="02020603050405020304" pitchFamily="18" charset="0"/>
+                        </a:rPr>
+                        <a:t>7740</a:t>
+                      </a:r>
+                      <a:endParaRPr lang="zh-CN" sz="2000" kern="100">
+                        <a:effectLst/>
+                        <a:latin typeface="Times New Roman" panose="02020603050405020304" pitchFamily="18" charset="0"/>
+                        <a:ea typeface="宋体" panose="02010600030101010101" pitchFamily="2" charset="-122"/>
+                        <a:cs typeface="Times New Roman" panose="02020603050405020304" pitchFamily="18" charset="0"/>
+                      </a:endParaRPr>
+                    </a:p>
+                  </a:txBody>
+                  <a:tcPr marL="68580" marR="68580" marT="0" marB="0" anchor="ctr"/>
+                </a:tc>
+                <a:tc>
+                  <a:txBody>
+                    <a:bodyPr/>
+                    <a:lstStyle/>
+                    <a:p>
+                      <a:pPr algn="ctr">
+                        <a:lnSpc>
+                          <a:spcPct val="150000"/>
+                        </a:lnSpc>
+                        <a:spcAft>
+                          <a:spcPts val="0"/>
+                        </a:spcAft>
+                        <a:tabLst>
+                          <a:tab pos="239395" algn="l"/>
+                        </a:tabLst>
+                      </a:pPr>
+                      <a:r>
+                        <a:rPr lang="en-US" sz="2000" kern="100">
+                          <a:effectLst/>
+                          <a:latin typeface="Times New Roman" panose="02020603050405020304" pitchFamily="18" charset="0"/>
+                          <a:cs typeface="Times New Roman" panose="02020603050405020304" pitchFamily="18" charset="0"/>
+                        </a:rPr>
+                        <a:t>4901</a:t>
+                      </a:r>
+                      <a:endParaRPr lang="zh-CN" sz="2000" kern="100">
+                        <a:effectLst/>
+                        <a:latin typeface="Times New Roman" panose="02020603050405020304" pitchFamily="18" charset="0"/>
+                        <a:ea typeface="宋体" panose="02010600030101010101" pitchFamily="2" charset="-122"/>
+                        <a:cs typeface="Times New Roman" panose="02020603050405020304" pitchFamily="18" charset="0"/>
+                      </a:endParaRPr>
+                    </a:p>
+                  </a:txBody>
+                  <a:tcPr marL="68580" marR="68580" marT="0" marB="0" anchor="ctr"/>
+                </a:tc>
+                <a:tc>
+                  <a:txBody>
+                    <a:bodyPr/>
+                    <a:lstStyle/>
+                    <a:p>
+                      <a:pPr algn="ctr">
+                        <a:lnSpc>
+                          <a:spcPct val="150000"/>
+                        </a:lnSpc>
+                        <a:spcAft>
+                          <a:spcPts val="0"/>
+                        </a:spcAft>
+                        <a:tabLst>
+                          <a:tab pos="239395" algn="l"/>
+                        </a:tabLst>
+                      </a:pPr>
+                      <a:r>
+                        <a:rPr lang="en-US" sz="2000" kern="100">
+                          <a:effectLst/>
+                          <a:latin typeface="Times New Roman" panose="02020603050405020304" pitchFamily="18" charset="0"/>
+                          <a:cs typeface="Times New Roman" panose="02020603050405020304" pitchFamily="18" charset="0"/>
+                        </a:rPr>
+                        <a:t>3147</a:t>
+                      </a:r>
+                      <a:endParaRPr lang="zh-CN" sz="2000" kern="100">
+                        <a:effectLst/>
+                        <a:latin typeface="Times New Roman" panose="02020603050405020304" pitchFamily="18" charset="0"/>
+                        <a:ea typeface="宋体" panose="02010600030101010101" pitchFamily="2" charset="-122"/>
+                        <a:cs typeface="Times New Roman" panose="02020603050405020304" pitchFamily="18" charset="0"/>
+                      </a:endParaRPr>
+                    </a:p>
+                  </a:txBody>
+                  <a:tcPr marL="68580" marR="68580" marT="0" marB="0" anchor="ctr"/>
+                </a:tc>
+              </a:tr>
+              <a:tr h="525048">
+                <a:tc>
+                  <a:txBody>
+                    <a:bodyPr/>
+                    <a:lstStyle/>
+                    <a:p>
+                      <a:pPr algn="ctr">
+                        <a:lnSpc>
+                          <a:spcPct val="150000"/>
+                        </a:lnSpc>
+                        <a:spcAft>
+                          <a:spcPts val="0"/>
+                        </a:spcAft>
+                        <a:tabLst>
+                          <a:tab pos="239395" algn="l"/>
+                        </a:tabLst>
+                      </a:pPr>
+                      <a:r>
+                        <a:rPr lang="zh-CN" sz="2000" kern="100">
+                          <a:effectLst/>
+                          <a:latin typeface="Times New Roman" panose="02020603050405020304" pitchFamily="18" charset="0"/>
+                          <a:cs typeface="Times New Roman" panose="02020603050405020304" pitchFamily="18" charset="0"/>
+                        </a:rPr>
+                        <a:t>合计</a:t>
+                      </a:r>
+                      <a:endParaRPr lang="zh-CN" sz="2000" kern="100">
+                        <a:effectLst/>
+                        <a:latin typeface="Times New Roman" panose="02020603050405020304" pitchFamily="18" charset="0"/>
+                        <a:ea typeface="宋体" panose="02010600030101010101" pitchFamily="2" charset="-122"/>
+                        <a:cs typeface="Times New Roman" panose="02020603050405020304" pitchFamily="18" charset="0"/>
+                      </a:endParaRPr>
+                    </a:p>
+                  </a:txBody>
+                  <a:tcPr marL="68580" marR="68580" marT="0" marB="0" anchor="ctr"/>
+                </a:tc>
+                <a:tc>
+                  <a:txBody>
+                    <a:bodyPr/>
+                    <a:lstStyle/>
+                    <a:p>
+                      <a:pPr algn="ctr">
+                        <a:lnSpc>
+                          <a:spcPct val="150000"/>
+                        </a:lnSpc>
+                        <a:spcAft>
+                          <a:spcPts val="0"/>
+                        </a:spcAft>
+                        <a:tabLst>
+                          <a:tab pos="239395" algn="l"/>
+                        </a:tabLst>
+                      </a:pPr>
+                      <a:r>
+                        <a:rPr lang="en-US" sz="2000" kern="100">
+                          <a:effectLst/>
+                          <a:latin typeface="Times New Roman" panose="02020603050405020304" pitchFamily="18" charset="0"/>
+                          <a:cs typeface="Times New Roman" panose="02020603050405020304" pitchFamily="18" charset="0"/>
+                        </a:rPr>
+                        <a:t>19770</a:t>
+                      </a:r>
+                      <a:endParaRPr lang="zh-CN" sz="2000" kern="100">
+                        <a:effectLst/>
+                        <a:latin typeface="Times New Roman" panose="02020603050405020304" pitchFamily="18" charset="0"/>
+                        <a:ea typeface="宋体" panose="02010600030101010101" pitchFamily="2" charset="-122"/>
+                        <a:cs typeface="Times New Roman" panose="02020603050405020304" pitchFamily="18" charset="0"/>
+                      </a:endParaRPr>
+                    </a:p>
+                  </a:txBody>
+                  <a:tcPr marL="68580" marR="68580" marT="0" marB="0" anchor="ctr"/>
+                </a:tc>
+                <a:tc>
+                  <a:txBody>
+                    <a:bodyPr/>
+                    <a:lstStyle/>
+                    <a:p>
+                      <a:pPr algn="ctr">
+                        <a:lnSpc>
+                          <a:spcPct val="150000"/>
+                        </a:lnSpc>
+                        <a:spcAft>
+                          <a:spcPts val="0"/>
+                        </a:spcAft>
+                        <a:tabLst>
+                          <a:tab pos="239395" algn="l"/>
+                        </a:tabLst>
+                      </a:pPr>
+                      <a:r>
+                        <a:rPr lang="en-US" sz="2000" kern="100">
+                          <a:effectLst/>
+                          <a:latin typeface="Times New Roman" panose="02020603050405020304" pitchFamily="18" charset="0"/>
+                          <a:cs typeface="Times New Roman" panose="02020603050405020304" pitchFamily="18" charset="0"/>
+                        </a:rPr>
+                        <a:t>9035</a:t>
+                      </a:r>
+                      <a:endParaRPr lang="zh-CN" sz="2000" kern="100">
+                        <a:effectLst/>
+                        <a:latin typeface="Times New Roman" panose="02020603050405020304" pitchFamily="18" charset="0"/>
+                        <a:ea typeface="宋体" panose="02010600030101010101" pitchFamily="2" charset="-122"/>
+                        <a:cs typeface="Times New Roman" panose="02020603050405020304" pitchFamily="18" charset="0"/>
+                      </a:endParaRPr>
+                    </a:p>
+                  </a:txBody>
+                  <a:tcPr marL="68580" marR="68580" marT="0" marB="0" anchor="ctr"/>
+                </a:tc>
+                <a:tc>
+                  <a:txBody>
+                    <a:bodyPr/>
+                    <a:lstStyle/>
+                    <a:p>
+                      <a:pPr algn="ctr">
+                        <a:lnSpc>
+                          <a:spcPct val="150000"/>
+                        </a:lnSpc>
+                        <a:spcAft>
+                          <a:spcPts val="0"/>
+                        </a:spcAft>
+                        <a:tabLst>
+                          <a:tab pos="239395" algn="l"/>
+                        </a:tabLst>
+                      </a:pPr>
+                      <a:r>
+                        <a:rPr lang="en-US" sz="2000" kern="100" dirty="0">
+                          <a:effectLst/>
+                          <a:latin typeface="Times New Roman" panose="02020603050405020304" pitchFamily="18" charset="0"/>
+                          <a:cs typeface="Times New Roman" panose="02020603050405020304" pitchFamily="18" charset="0"/>
+                        </a:rPr>
+                        <a:t>7007</a:t>
+                      </a:r>
+                      <a:endParaRPr lang="zh-CN" sz="2000" kern="100" dirty="0">
+                        <a:effectLst/>
+                        <a:latin typeface="Times New Roman" panose="02020603050405020304" pitchFamily="18" charset="0"/>
+                        <a:ea typeface="宋体" panose="02010600030101010101" pitchFamily="2" charset="-122"/>
+                        <a:cs typeface="Times New Roman" panose="02020603050405020304" pitchFamily="18" charset="0"/>
+                      </a:endParaRPr>
+                    </a:p>
+                  </a:txBody>
+                  <a:tcPr marL="68580" marR="68580" marT="0" marB="0" anchor="ctr"/>
+                </a:tc>
+              </a:tr>
+            </a:tbl>
+          </a:graphicData>
+        </a:graphic>
+      </p:graphicFrame>
     </p:spTree>
     <p:extLst>
       <p:ext uri="{BB962C8B-B14F-4D97-AF65-F5344CB8AC3E}">
-        <p14:creationId xmlns:p14="http://schemas.microsoft.com/office/powerpoint/2010/main" val="786803565"/>
+        <p14:creationId xmlns:p14="http://schemas.microsoft.com/office/powerpoint/2010/main" val="1103454401"/>
       </p:ext>
     </p:extLst>
   </p:cSld>
   <p:clrMapOvr>
     <a:masterClrMapping/>
   </p:clrMapOvr>
+  <mc:AlternateContent xmlns:mc="http://schemas.openxmlformats.org/markup-compatibility/2006" xmlns:p14="http://schemas.microsoft.com/office/powerpoint/2010/main">
+    <mc:Choice Requires="p14">
+      <p:transition spd="slow" p14:dur="2000"/>
+    </mc:Choice>
+    <mc:Fallback xmlns="">
+      <p:transition spd="slow"/>
+    </mc:Fallback>
+  </mc:AlternateContent>
   <p:timing>
     <p:tnLst>
       <p:par>
@@ -39505,81 +42075,148 @@
           <a:bodyPr/>
           <a:lstStyle/>
           <a:p>
+            <a:pPr marL="354013" lvl="1" indent="-354013">
+              <a:buClr>
+                <a:srgbClr val="FBB030"/>
+              </a:buClr>
+              <a:buFont typeface="Wingdings" pitchFamily="2" charset="2"/>
+              <a:buChar char="l"/>
+            </a:pPr>
             <a:r>
-              <a:rPr lang="en-US" altLang="zh-CN" sz="2200" dirty="0" smtClean="0"/>
-              <a:t>GDELT</a:t>
+              <a:rPr lang="zh-CN" altLang="en-US" sz="2400" b="1" dirty="0" smtClean="0">
+                <a:solidFill>
+                  <a:schemeClr val="tx1"/>
+                </a:solidFill>
+                <a:cs typeface="微软雅黑" pitchFamily="34" charset="-122"/>
+              </a:rPr>
+              <a:t>语料标注</a:t>
             </a:r>
+            <a:endParaRPr lang="en-US" altLang="zh-CN" sz="2400" b="1" dirty="0" smtClean="0">
+              <a:solidFill>
+                <a:schemeClr val="tx1"/>
+              </a:solidFill>
+              <a:cs typeface="微软雅黑" pitchFamily="34" charset="-122"/>
+            </a:endParaRPr>
+          </a:p>
+          <a:p>
+            <a:pPr lvl="2"/>
             <a:r>
               <a:rPr lang="zh-CN" altLang="en-US" sz="2200" dirty="0" smtClean="0"/>
-              <a:t>、</a:t>
+              <a:t>新疆实体在语料中的分布</a:t>
             </a:r>
-            <a:r>
-              <a:rPr lang="en-US" altLang="zh-CN" sz="2200" dirty="0" smtClean="0"/>
-              <a:t>Google </a:t>
-            </a:r>
-            <a:r>
-              <a:rPr lang="en-US" altLang="zh-CN" sz="2200" dirty="0" err="1" smtClean="0"/>
-              <a:t>BigQuery</a:t>
-            </a:r>
-            <a:r>
-              <a:rPr lang="en-US" altLang="zh-CN" sz="2200" dirty="0" smtClean="0"/>
-              <a:t> </a:t>
-            </a:r>
-            <a:r>
-              <a:rPr lang="zh-CN" altLang="en-US" sz="2200" dirty="0" smtClean="0"/>
-              <a:t>调研</a:t>
-            </a:r>
-            <a:endParaRPr lang="en-US" altLang="zh-CN" sz="2200" dirty="0" smtClean="0"/>
+            <a:endParaRPr lang="en-US" altLang="zh-CN" sz="2200" dirty="0"/>
+          </a:p>
+          <a:p>
+            <a:pPr marL="873125" lvl="2"/>
+            <a:endParaRPr lang="en-US" altLang="zh-CN" sz="2200" dirty="0"/>
+          </a:p>
+          <a:p>
+            <a:pPr marL="354013" lvl="1" indent="-354013">
+              <a:buClr>
+                <a:srgbClr val="FBB030"/>
+              </a:buClr>
+              <a:buFont typeface="Wingdings" pitchFamily="2" charset="2"/>
+              <a:buChar char="l"/>
+            </a:pPr>
+            <a:endParaRPr lang="en-US" altLang="zh-CN" sz="2400" b="1" dirty="0" smtClean="0">
+              <a:solidFill>
+                <a:schemeClr val="tx1"/>
+              </a:solidFill>
+              <a:cs typeface="微软雅黑" pitchFamily="34" charset="-122"/>
+            </a:endParaRPr>
+          </a:p>
+          <a:p>
+            <a:pPr marL="354013" lvl="1" indent="-354013">
+              <a:buClr>
+                <a:srgbClr val="FBB030"/>
+              </a:buClr>
+              <a:buFont typeface="Wingdings" pitchFamily="2" charset="2"/>
+              <a:buChar char="l"/>
+            </a:pPr>
+            <a:endParaRPr lang="en-US" altLang="zh-CN" sz="2400" b="1" dirty="0">
+              <a:solidFill>
+                <a:schemeClr val="tx1"/>
+              </a:solidFill>
+              <a:cs typeface="微软雅黑" pitchFamily="34" charset="-122"/>
+            </a:endParaRPr>
+          </a:p>
+          <a:p>
+            <a:pPr marL="354013" lvl="1" indent="-354013">
+              <a:buClr>
+                <a:srgbClr val="FBB030"/>
+              </a:buClr>
+              <a:buFont typeface="Wingdings" pitchFamily="2" charset="2"/>
+              <a:buChar char="l"/>
+            </a:pPr>
+            <a:endParaRPr lang="en-US" altLang="zh-CN" sz="2400" b="1" dirty="0" smtClean="0">
+              <a:solidFill>
+                <a:schemeClr val="tx1"/>
+              </a:solidFill>
+              <a:cs typeface="微软雅黑" pitchFamily="34" charset="-122"/>
+            </a:endParaRPr>
+          </a:p>
+          <a:p>
+            <a:pPr marL="354013" lvl="1" indent="-354013">
+              <a:buClr>
+                <a:srgbClr val="FBB030"/>
+              </a:buClr>
+              <a:buFont typeface="Wingdings" pitchFamily="2" charset="2"/>
+              <a:buChar char="l"/>
+            </a:pPr>
+            <a:endParaRPr lang="en-US" altLang="zh-CN" sz="2400" b="1" dirty="0">
+              <a:solidFill>
+                <a:schemeClr val="tx1"/>
+              </a:solidFill>
+              <a:cs typeface="微软雅黑" pitchFamily="34" charset="-122"/>
+            </a:endParaRPr>
+          </a:p>
+          <a:p>
+            <a:pPr marL="354013" lvl="1" indent="-354013">
+              <a:buClr>
+                <a:srgbClr val="FBB030"/>
+              </a:buClr>
+              <a:buFont typeface="Wingdings" pitchFamily="2" charset="2"/>
+              <a:buChar char="l"/>
+            </a:pPr>
+            <a:endParaRPr lang="en-US" altLang="zh-CN" sz="2400" b="1" dirty="0" smtClean="0">
+              <a:solidFill>
+                <a:schemeClr val="tx1"/>
+              </a:solidFill>
+              <a:cs typeface="微软雅黑" pitchFamily="34" charset="-122"/>
+            </a:endParaRPr>
+          </a:p>
+          <a:p>
+            <a:pPr marL="354013" lvl="1" indent="-354013">
+              <a:buClr>
+                <a:srgbClr val="FBB030"/>
+              </a:buClr>
+              <a:buFont typeface="Wingdings" pitchFamily="2" charset="2"/>
+              <a:buChar char="l"/>
+            </a:pPr>
+            <a:endParaRPr lang="en-US" altLang="zh-CN" sz="2400" b="1" dirty="0">
+              <a:solidFill>
+                <a:schemeClr val="tx1"/>
+              </a:solidFill>
+              <a:cs typeface="微软雅黑" pitchFamily="34" charset="-122"/>
+            </a:endParaRPr>
           </a:p>
           <a:p>
             <a:pPr lvl="1"/>
-            <a:endParaRPr lang="en-US" altLang="zh-CN" sz="2000" dirty="0" smtClean="0"/>
+            <a:endParaRPr lang="en-US" altLang="zh-CN" sz="2000" dirty="0" smtClean="0">
+              <a:solidFill>
+                <a:schemeClr val="tx2"/>
+              </a:solidFill>
+            </a:endParaRPr>
           </a:p>
           <a:p>
-            <a:r>
-              <a:rPr lang="zh-CN" altLang="en-US" sz="2200" dirty="0" smtClean="0"/>
-              <a:t>语料采集工作</a:t>
-            </a:r>
-            <a:endParaRPr lang="en-US" altLang="zh-CN" sz="2200" dirty="0" smtClean="0"/>
-          </a:p>
-          <a:p>
-            <a:pPr lvl="1"/>
-            <a:r>
-              <a:rPr lang="zh-CN" altLang="en-US" sz="2200" dirty="0" smtClean="0"/>
-              <a:t>完成</a:t>
-            </a:r>
-            <a:r>
-              <a:rPr lang="en-US" altLang="zh-CN" sz="2200" dirty="0" smtClean="0"/>
-              <a:t>6000</a:t>
-            </a:r>
-            <a:r>
-              <a:rPr lang="zh-CN" altLang="en-US" sz="2200" dirty="0" smtClean="0"/>
-              <a:t>余篇新疆暴恐事件的</a:t>
-            </a:r>
-            <a:r>
-              <a:rPr lang="zh-CN" altLang="en-US" sz="2200" dirty="0"/>
-              <a:t>语料</a:t>
-            </a:r>
-            <a:r>
-              <a:rPr lang="zh-CN" altLang="en-US" sz="2200" dirty="0" smtClean="0"/>
-              <a:t>采集工作</a:t>
-            </a:r>
-            <a:endParaRPr lang="en-US" altLang="zh-CN" sz="2200" dirty="0" smtClean="0"/>
-          </a:p>
-          <a:p>
-            <a:pPr lvl="1"/>
-            <a:endParaRPr lang="en-US" altLang="zh-CN" sz="2200" dirty="0"/>
-          </a:p>
-          <a:p>
-            <a:r>
-              <a:rPr lang="zh-CN" altLang="en-US" sz="2400" dirty="0" smtClean="0"/>
-              <a:t>相关论文学习</a:t>
-            </a:r>
-            <a:endParaRPr lang="en-US" altLang="zh-CN" sz="2400" dirty="0" smtClean="0"/>
-          </a:p>
-          <a:p>
-            <a:pPr lvl="1"/>
-            <a:endParaRPr lang="en-US" altLang="zh-CN" sz="2000" dirty="0"/>
+            <a:pPr marL="338138" lvl="1" indent="0">
+              <a:buNone/>
+            </a:pPr>
+            <a:endParaRPr lang="zh-CN" altLang="en-US" sz="2000" dirty="0">
+              <a:solidFill>
+                <a:schemeClr val="tx2"/>
+              </a:solidFill>
+            </a:endParaRPr>
           </a:p>
         </p:txBody>
       </p:sp>
@@ -39605,22 +42242,770 @@
           <a:p>
             <a:r>
               <a:rPr lang="zh-CN" altLang="en-US" sz="4000" b="1" dirty="0" smtClean="0"/>
-              <a:t>前期准备</a:t>
+              <a:t>已完成工作</a:t>
             </a:r>
             <a:endParaRPr lang="zh-CN" altLang="en-US" sz="4000" b="1" dirty="0"/>
           </a:p>
         </p:txBody>
       </p:sp>
+      <p:graphicFrame>
+        <p:nvGraphicFramePr>
+          <p:cNvPr id="4" name="表格 3"/>
+          <p:cNvGraphicFramePr>
+            <a:graphicFrameLocks noGrp="1"/>
+          </p:cNvGraphicFramePr>
+          <p:nvPr>
+            <p:extLst>
+              <p:ext uri="{D42A27DB-BD31-4B8C-83A1-F6EECF244321}">
+                <p14:modId xmlns:p14="http://schemas.microsoft.com/office/powerpoint/2010/main" val="1832161221"/>
+              </p:ext>
+            </p:extLst>
+          </p:nvPr>
+        </p:nvGraphicFramePr>
+        <p:xfrm>
+          <a:off x="1031839" y="2361864"/>
+          <a:ext cx="6159792" cy="3272819"/>
+        </p:xfrm>
+        <a:graphic>
+          <a:graphicData uri="http://schemas.openxmlformats.org/drawingml/2006/table">
+            <a:tbl>
+              <a:tblPr>
+                <a:tableStyleId>{5C22544A-7EE6-4342-B048-85BDC9FD1C3A}</a:tableStyleId>
+              </a:tblPr>
+              <a:tblGrid>
+                <a:gridCol w="1539948"/>
+                <a:gridCol w="1539948"/>
+                <a:gridCol w="1539948"/>
+                <a:gridCol w="1539948"/>
+              </a:tblGrid>
+              <a:tr h="1051443">
+                <a:tc>
+                  <a:txBody>
+                    <a:bodyPr/>
+                    <a:lstStyle/>
+                    <a:p>
+                      <a:pPr algn="ctr">
+                        <a:lnSpc>
+                          <a:spcPct val="150000"/>
+                        </a:lnSpc>
+                        <a:spcAft>
+                          <a:spcPts val="0"/>
+                        </a:spcAft>
+                        <a:tabLst>
+                          <a:tab pos="239395" algn="l"/>
+                        </a:tabLst>
+                      </a:pPr>
+                      <a:r>
+                        <a:rPr lang="zh-CN" sz="2000" kern="100" dirty="0">
+                          <a:effectLst/>
+                          <a:latin typeface="Times New Roman" panose="02020603050405020304" pitchFamily="18" charset="0"/>
+                          <a:cs typeface="Times New Roman" panose="02020603050405020304" pitchFamily="18" charset="0"/>
+                        </a:rPr>
+                        <a:t>新闻来源</a:t>
+                      </a:r>
+                      <a:r>
+                        <a:rPr lang="en-US" sz="2000" kern="100" dirty="0">
+                          <a:effectLst/>
+                          <a:latin typeface="Times New Roman" panose="02020603050405020304" pitchFamily="18" charset="0"/>
+                          <a:cs typeface="Times New Roman" panose="02020603050405020304" pitchFamily="18" charset="0"/>
+                        </a:rPr>
+                        <a:t>\</a:t>
+                      </a:r>
+                      <a:r>
+                        <a:rPr lang="zh-CN" sz="2000" kern="100" dirty="0">
+                          <a:effectLst/>
+                          <a:latin typeface="Times New Roman" panose="02020603050405020304" pitchFamily="18" charset="0"/>
+                          <a:cs typeface="Times New Roman" panose="02020603050405020304" pitchFamily="18" charset="0"/>
+                        </a:rPr>
+                        <a:t>实体类型</a:t>
+                      </a:r>
+                      <a:endParaRPr lang="zh-CN" sz="2000" kern="100" dirty="0">
+                        <a:effectLst/>
+                        <a:latin typeface="Times New Roman" panose="02020603050405020304" pitchFamily="18" charset="0"/>
+                        <a:ea typeface="宋体" panose="02010600030101010101" pitchFamily="2" charset="-122"/>
+                        <a:cs typeface="Times New Roman" panose="02020603050405020304" pitchFamily="18" charset="0"/>
+                      </a:endParaRPr>
+                    </a:p>
+                  </a:txBody>
+                  <a:tcPr marL="68580" marR="68580" marT="0" marB="0" anchor="ctr"/>
+                </a:tc>
+                <a:tc>
+                  <a:txBody>
+                    <a:bodyPr/>
+                    <a:lstStyle/>
+                    <a:p>
+                      <a:pPr algn="ctr">
+                        <a:lnSpc>
+                          <a:spcPct val="150000"/>
+                        </a:lnSpc>
+                        <a:spcAft>
+                          <a:spcPts val="0"/>
+                        </a:spcAft>
+                        <a:tabLst>
+                          <a:tab pos="239395" algn="l"/>
+                        </a:tabLst>
+                      </a:pPr>
+                      <a:r>
+                        <a:rPr lang="en-US" sz="2000" kern="100">
+                          <a:effectLst/>
+                          <a:latin typeface="Times New Roman" panose="02020603050405020304" pitchFamily="18" charset="0"/>
+                          <a:cs typeface="Times New Roman" panose="02020603050405020304" pitchFamily="18" charset="0"/>
+                        </a:rPr>
+                        <a:t>LOC</a:t>
+                      </a:r>
+                      <a:endParaRPr lang="zh-CN" sz="2000" kern="100">
+                        <a:effectLst/>
+                        <a:latin typeface="Times New Roman" panose="02020603050405020304" pitchFamily="18" charset="0"/>
+                        <a:ea typeface="宋体" panose="02010600030101010101" pitchFamily="2" charset="-122"/>
+                        <a:cs typeface="Times New Roman" panose="02020603050405020304" pitchFamily="18" charset="0"/>
+                      </a:endParaRPr>
+                    </a:p>
+                  </a:txBody>
+                  <a:tcPr marL="68580" marR="68580" marT="0" marB="0" anchor="ctr"/>
+                </a:tc>
+                <a:tc>
+                  <a:txBody>
+                    <a:bodyPr/>
+                    <a:lstStyle/>
+                    <a:p>
+                      <a:pPr algn="ctr">
+                        <a:lnSpc>
+                          <a:spcPct val="150000"/>
+                        </a:lnSpc>
+                        <a:spcAft>
+                          <a:spcPts val="0"/>
+                        </a:spcAft>
+                        <a:tabLst>
+                          <a:tab pos="239395" algn="l"/>
+                        </a:tabLst>
+                      </a:pPr>
+                      <a:r>
+                        <a:rPr lang="en-US" sz="2000" kern="100">
+                          <a:effectLst/>
+                          <a:latin typeface="Times New Roman" panose="02020603050405020304" pitchFamily="18" charset="0"/>
+                          <a:cs typeface="Times New Roman" panose="02020603050405020304" pitchFamily="18" charset="0"/>
+                        </a:rPr>
+                        <a:t>ORG</a:t>
+                      </a:r>
+                      <a:endParaRPr lang="zh-CN" sz="2000" kern="100">
+                        <a:effectLst/>
+                        <a:latin typeface="Times New Roman" panose="02020603050405020304" pitchFamily="18" charset="0"/>
+                        <a:ea typeface="宋体" panose="02010600030101010101" pitchFamily="2" charset="-122"/>
+                        <a:cs typeface="Times New Roman" panose="02020603050405020304" pitchFamily="18" charset="0"/>
+                      </a:endParaRPr>
+                    </a:p>
+                  </a:txBody>
+                  <a:tcPr marL="68580" marR="68580" marT="0" marB="0" anchor="ctr"/>
+                </a:tc>
+                <a:tc>
+                  <a:txBody>
+                    <a:bodyPr/>
+                    <a:lstStyle/>
+                    <a:p>
+                      <a:pPr algn="ctr">
+                        <a:lnSpc>
+                          <a:spcPct val="150000"/>
+                        </a:lnSpc>
+                        <a:spcAft>
+                          <a:spcPts val="0"/>
+                        </a:spcAft>
+                        <a:tabLst>
+                          <a:tab pos="239395" algn="l"/>
+                        </a:tabLst>
+                      </a:pPr>
+                      <a:r>
+                        <a:rPr lang="en-US" sz="2000" kern="100">
+                          <a:effectLst/>
+                          <a:latin typeface="Times New Roman" panose="02020603050405020304" pitchFamily="18" charset="0"/>
+                          <a:cs typeface="Times New Roman" panose="02020603050405020304" pitchFamily="18" charset="0"/>
+                        </a:rPr>
+                        <a:t>PER</a:t>
+                      </a:r>
+                      <a:endParaRPr lang="zh-CN" sz="2000" kern="100">
+                        <a:effectLst/>
+                        <a:latin typeface="Times New Roman" panose="02020603050405020304" pitchFamily="18" charset="0"/>
+                        <a:ea typeface="宋体" panose="02010600030101010101" pitchFamily="2" charset="-122"/>
+                        <a:cs typeface="Times New Roman" panose="02020603050405020304" pitchFamily="18" charset="0"/>
+                      </a:endParaRPr>
+                    </a:p>
+                  </a:txBody>
+                  <a:tcPr marL="68580" marR="68580" marT="0" marB="0" anchor="ctr"/>
+                </a:tc>
+              </a:tr>
+              <a:tr h="555344">
+                <a:tc>
+                  <a:txBody>
+                    <a:bodyPr/>
+                    <a:lstStyle/>
+                    <a:p>
+                      <a:pPr algn="ctr">
+                        <a:lnSpc>
+                          <a:spcPct val="150000"/>
+                        </a:lnSpc>
+                        <a:spcAft>
+                          <a:spcPts val="0"/>
+                        </a:spcAft>
+                        <a:tabLst>
+                          <a:tab pos="239395" algn="l"/>
+                        </a:tabLst>
+                      </a:pPr>
+                      <a:r>
+                        <a:rPr lang="en-US" sz="2000" kern="100">
+                          <a:effectLst/>
+                          <a:latin typeface="Times New Roman" panose="02020603050405020304" pitchFamily="18" charset="0"/>
+                          <a:cs typeface="Times New Roman" panose="02020603050405020304" pitchFamily="18" charset="0"/>
+                        </a:rPr>
+                        <a:t>AsiaView</a:t>
+                      </a:r>
+                      <a:endParaRPr lang="zh-CN" sz="2000" kern="100">
+                        <a:effectLst/>
+                        <a:latin typeface="Times New Roman" panose="02020603050405020304" pitchFamily="18" charset="0"/>
+                        <a:ea typeface="宋体" panose="02010600030101010101" pitchFamily="2" charset="-122"/>
+                        <a:cs typeface="Times New Roman" panose="02020603050405020304" pitchFamily="18" charset="0"/>
+                      </a:endParaRPr>
+                    </a:p>
+                  </a:txBody>
+                  <a:tcPr marL="68580" marR="68580" marT="0" marB="0" anchor="ctr"/>
+                </a:tc>
+                <a:tc>
+                  <a:txBody>
+                    <a:bodyPr/>
+                    <a:lstStyle/>
+                    <a:p>
+                      <a:pPr algn="ctr">
+                        <a:lnSpc>
+                          <a:spcPct val="150000"/>
+                        </a:lnSpc>
+                        <a:spcAft>
+                          <a:spcPts val="0"/>
+                        </a:spcAft>
+                        <a:tabLst>
+                          <a:tab pos="239395" algn="l"/>
+                        </a:tabLst>
+                      </a:pPr>
+                      <a:r>
+                        <a:rPr lang="en-US" sz="2000" kern="100">
+                          <a:effectLst/>
+                          <a:latin typeface="Times New Roman" panose="02020603050405020304" pitchFamily="18" charset="0"/>
+                          <a:cs typeface="Times New Roman" panose="02020603050405020304" pitchFamily="18" charset="0"/>
+                        </a:rPr>
+                        <a:t>1025</a:t>
+                      </a:r>
+                      <a:endParaRPr lang="zh-CN" sz="2000" kern="100">
+                        <a:effectLst/>
+                        <a:latin typeface="Times New Roman" panose="02020603050405020304" pitchFamily="18" charset="0"/>
+                        <a:ea typeface="宋体" panose="02010600030101010101" pitchFamily="2" charset="-122"/>
+                        <a:cs typeface="Times New Roman" panose="02020603050405020304" pitchFamily="18" charset="0"/>
+                      </a:endParaRPr>
+                    </a:p>
+                  </a:txBody>
+                  <a:tcPr marL="68580" marR="68580" marT="0" marB="0" anchor="ctr"/>
+                </a:tc>
+                <a:tc>
+                  <a:txBody>
+                    <a:bodyPr/>
+                    <a:lstStyle/>
+                    <a:p>
+                      <a:pPr algn="ctr">
+                        <a:lnSpc>
+                          <a:spcPct val="150000"/>
+                        </a:lnSpc>
+                        <a:spcAft>
+                          <a:spcPts val="0"/>
+                        </a:spcAft>
+                        <a:tabLst>
+                          <a:tab pos="239395" algn="l"/>
+                        </a:tabLst>
+                      </a:pPr>
+                      <a:r>
+                        <a:rPr lang="en-US" sz="2000" kern="100">
+                          <a:effectLst/>
+                          <a:latin typeface="Times New Roman" panose="02020603050405020304" pitchFamily="18" charset="0"/>
+                          <a:cs typeface="Times New Roman" panose="02020603050405020304" pitchFamily="18" charset="0"/>
+                        </a:rPr>
+                        <a:t>141</a:t>
+                      </a:r>
+                      <a:endParaRPr lang="zh-CN" sz="2000" kern="100">
+                        <a:effectLst/>
+                        <a:latin typeface="Times New Roman" panose="02020603050405020304" pitchFamily="18" charset="0"/>
+                        <a:ea typeface="宋体" panose="02010600030101010101" pitchFamily="2" charset="-122"/>
+                        <a:cs typeface="Times New Roman" panose="02020603050405020304" pitchFamily="18" charset="0"/>
+                      </a:endParaRPr>
+                    </a:p>
+                  </a:txBody>
+                  <a:tcPr marL="68580" marR="68580" marT="0" marB="0" anchor="ctr"/>
+                </a:tc>
+                <a:tc>
+                  <a:txBody>
+                    <a:bodyPr/>
+                    <a:lstStyle/>
+                    <a:p>
+                      <a:pPr algn="ctr">
+                        <a:lnSpc>
+                          <a:spcPct val="150000"/>
+                        </a:lnSpc>
+                        <a:spcAft>
+                          <a:spcPts val="0"/>
+                        </a:spcAft>
+                        <a:tabLst>
+                          <a:tab pos="239395" algn="l"/>
+                        </a:tabLst>
+                      </a:pPr>
+                      <a:r>
+                        <a:rPr lang="en-US" sz="2000" kern="100">
+                          <a:effectLst/>
+                          <a:latin typeface="Times New Roman" panose="02020603050405020304" pitchFamily="18" charset="0"/>
+                          <a:cs typeface="Times New Roman" panose="02020603050405020304" pitchFamily="18" charset="0"/>
+                        </a:rPr>
+                        <a:t>383</a:t>
+                      </a:r>
+                      <a:endParaRPr lang="zh-CN" sz="2000" kern="100">
+                        <a:effectLst/>
+                        <a:latin typeface="Times New Roman" panose="02020603050405020304" pitchFamily="18" charset="0"/>
+                        <a:ea typeface="宋体" panose="02010600030101010101" pitchFamily="2" charset="-122"/>
+                        <a:cs typeface="Times New Roman" panose="02020603050405020304" pitchFamily="18" charset="0"/>
+                      </a:endParaRPr>
+                    </a:p>
+                  </a:txBody>
+                  <a:tcPr marL="68580" marR="68580" marT="0" marB="0" anchor="ctr"/>
+                </a:tc>
+              </a:tr>
+              <a:tr h="555344">
+                <a:tc>
+                  <a:txBody>
+                    <a:bodyPr/>
+                    <a:lstStyle/>
+                    <a:p>
+                      <a:pPr algn="ctr">
+                        <a:lnSpc>
+                          <a:spcPct val="150000"/>
+                        </a:lnSpc>
+                        <a:spcAft>
+                          <a:spcPts val="0"/>
+                        </a:spcAft>
+                        <a:tabLst>
+                          <a:tab pos="239395" algn="l"/>
+                        </a:tabLst>
+                      </a:pPr>
+                      <a:r>
+                        <a:rPr lang="en-US" sz="2000" kern="100">
+                          <a:effectLst/>
+                          <a:latin typeface="Times New Roman" panose="02020603050405020304" pitchFamily="18" charset="0"/>
+                          <a:cs typeface="Times New Roman" panose="02020603050405020304" pitchFamily="18" charset="0"/>
+                        </a:rPr>
+                        <a:t>dWNews</a:t>
+                      </a:r>
+                      <a:endParaRPr lang="zh-CN" sz="2000" kern="100">
+                        <a:effectLst/>
+                        <a:latin typeface="Times New Roman" panose="02020603050405020304" pitchFamily="18" charset="0"/>
+                        <a:ea typeface="宋体" panose="02010600030101010101" pitchFamily="2" charset="-122"/>
+                        <a:cs typeface="Times New Roman" panose="02020603050405020304" pitchFamily="18" charset="0"/>
+                      </a:endParaRPr>
+                    </a:p>
+                  </a:txBody>
+                  <a:tcPr marL="68580" marR="68580" marT="0" marB="0" anchor="ctr"/>
+                </a:tc>
+                <a:tc>
+                  <a:txBody>
+                    <a:bodyPr/>
+                    <a:lstStyle/>
+                    <a:p>
+                      <a:pPr algn="ctr">
+                        <a:lnSpc>
+                          <a:spcPct val="150000"/>
+                        </a:lnSpc>
+                        <a:spcAft>
+                          <a:spcPts val="0"/>
+                        </a:spcAft>
+                        <a:tabLst>
+                          <a:tab pos="239395" algn="l"/>
+                        </a:tabLst>
+                      </a:pPr>
+                      <a:r>
+                        <a:rPr lang="en-US" sz="2000" kern="100">
+                          <a:effectLst/>
+                          <a:latin typeface="Times New Roman" panose="02020603050405020304" pitchFamily="18" charset="0"/>
+                          <a:cs typeface="Times New Roman" panose="02020603050405020304" pitchFamily="18" charset="0"/>
+                        </a:rPr>
+                        <a:t>116</a:t>
+                      </a:r>
+                      <a:endParaRPr lang="zh-CN" sz="2000" kern="100">
+                        <a:effectLst/>
+                        <a:latin typeface="Times New Roman" panose="02020603050405020304" pitchFamily="18" charset="0"/>
+                        <a:ea typeface="宋体" panose="02010600030101010101" pitchFamily="2" charset="-122"/>
+                        <a:cs typeface="Times New Roman" panose="02020603050405020304" pitchFamily="18" charset="0"/>
+                      </a:endParaRPr>
+                    </a:p>
+                  </a:txBody>
+                  <a:tcPr marL="68580" marR="68580" marT="0" marB="0" anchor="ctr"/>
+                </a:tc>
+                <a:tc>
+                  <a:txBody>
+                    <a:bodyPr/>
+                    <a:lstStyle/>
+                    <a:p>
+                      <a:pPr algn="ctr">
+                        <a:lnSpc>
+                          <a:spcPct val="150000"/>
+                        </a:lnSpc>
+                        <a:spcAft>
+                          <a:spcPts val="0"/>
+                        </a:spcAft>
+                        <a:tabLst>
+                          <a:tab pos="239395" algn="l"/>
+                        </a:tabLst>
+                      </a:pPr>
+                      <a:r>
+                        <a:rPr lang="en-US" sz="2000" kern="100" dirty="0">
+                          <a:effectLst/>
+                          <a:latin typeface="Times New Roman" panose="02020603050405020304" pitchFamily="18" charset="0"/>
+                          <a:cs typeface="Times New Roman" panose="02020603050405020304" pitchFamily="18" charset="0"/>
+                        </a:rPr>
+                        <a:t>122</a:t>
+                      </a:r>
+                      <a:endParaRPr lang="zh-CN" sz="2000" kern="100" dirty="0">
+                        <a:effectLst/>
+                        <a:latin typeface="Times New Roman" panose="02020603050405020304" pitchFamily="18" charset="0"/>
+                        <a:ea typeface="宋体" panose="02010600030101010101" pitchFamily="2" charset="-122"/>
+                        <a:cs typeface="Times New Roman" panose="02020603050405020304" pitchFamily="18" charset="0"/>
+                      </a:endParaRPr>
+                    </a:p>
+                  </a:txBody>
+                  <a:tcPr marL="68580" marR="68580" marT="0" marB="0" anchor="ctr"/>
+                </a:tc>
+                <a:tc>
+                  <a:txBody>
+                    <a:bodyPr/>
+                    <a:lstStyle/>
+                    <a:p>
+                      <a:pPr algn="ctr">
+                        <a:lnSpc>
+                          <a:spcPct val="150000"/>
+                        </a:lnSpc>
+                        <a:spcAft>
+                          <a:spcPts val="0"/>
+                        </a:spcAft>
+                        <a:tabLst>
+                          <a:tab pos="239395" algn="l"/>
+                        </a:tabLst>
+                      </a:pPr>
+                      <a:r>
+                        <a:rPr lang="en-US" sz="2000" kern="100" dirty="0">
+                          <a:effectLst/>
+                          <a:latin typeface="Times New Roman" panose="02020603050405020304" pitchFamily="18" charset="0"/>
+                          <a:cs typeface="Times New Roman" panose="02020603050405020304" pitchFamily="18" charset="0"/>
+                        </a:rPr>
+                        <a:t>262</a:t>
+                      </a:r>
+                      <a:endParaRPr lang="zh-CN" sz="2000" kern="100" dirty="0">
+                        <a:effectLst/>
+                        <a:latin typeface="Times New Roman" panose="02020603050405020304" pitchFamily="18" charset="0"/>
+                        <a:ea typeface="宋体" panose="02010600030101010101" pitchFamily="2" charset="-122"/>
+                        <a:cs typeface="Times New Roman" panose="02020603050405020304" pitchFamily="18" charset="0"/>
+                      </a:endParaRPr>
+                    </a:p>
+                  </a:txBody>
+                  <a:tcPr marL="68580" marR="68580" marT="0" marB="0" anchor="ctr"/>
+                </a:tc>
+              </a:tr>
+              <a:tr h="555344">
+                <a:tc>
+                  <a:txBody>
+                    <a:bodyPr/>
+                    <a:lstStyle/>
+                    <a:p>
+                      <a:pPr algn="ctr">
+                        <a:lnSpc>
+                          <a:spcPct val="150000"/>
+                        </a:lnSpc>
+                        <a:spcAft>
+                          <a:spcPts val="0"/>
+                        </a:spcAft>
+                        <a:tabLst>
+                          <a:tab pos="239395" algn="l"/>
+                        </a:tabLst>
+                      </a:pPr>
+                      <a:r>
+                        <a:rPr lang="en-US" sz="2000" kern="100">
+                          <a:effectLst/>
+                          <a:latin typeface="Times New Roman" panose="02020603050405020304" pitchFamily="18" charset="0"/>
+                          <a:cs typeface="Times New Roman" panose="02020603050405020304" pitchFamily="18" charset="0"/>
+                        </a:rPr>
+                        <a:t>RFA</a:t>
+                      </a:r>
+                      <a:endParaRPr lang="zh-CN" sz="2000" kern="100">
+                        <a:effectLst/>
+                        <a:latin typeface="Times New Roman" panose="02020603050405020304" pitchFamily="18" charset="0"/>
+                        <a:ea typeface="宋体" panose="02010600030101010101" pitchFamily="2" charset="-122"/>
+                        <a:cs typeface="Times New Roman" panose="02020603050405020304" pitchFamily="18" charset="0"/>
+                      </a:endParaRPr>
+                    </a:p>
+                  </a:txBody>
+                  <a:tcPr marL="68580" marR="68580" marT="0" marB="0" anchor="ctr"/>
+                </a:tc>
+                <a:tc>
+                  <a:txBody>
+                    <a:bodyPr/>
+                    <a:lstStyle/>
+                    <a:p>
+                      <a:pPr algn="ctr">
+                        <a:lnSpc>
+                          <a:spcPct val="150000"/>
+                        </a:lnSpc>
+                        <a:spcAft>
+                          <a:spcPts val="0"/>
+                        </a:spcAft>
+                        <a:tabLst>
+                          <a:tab pos="239395" algn="l"/>
+                        </a:tabLst>
+                      </a:pPr>
+                      <a:r>
+                        <a:rPr lang="en-US" sz="2000" kern="100">
+                          <a:effectLst/>
+                          <a:latin typeface="Times New Roman" panose="02020603050405020304" pitchFamily="18" charset="0"/>
+                          <a:cs typeface="Times New Roman" panose="02020603050405020304" pitchFamily="18" charset="0"/>
+                        </a:rPr>
+                        <a:t>9392</a:t>
+                      </a:r>
+                      <a:endParaRPr lang="zh-CN" sz="2000" kern="100">
+                        <a:effectLst/>
+                        <a:latin typeface="Times New Roman" panose="02020603050405020304" pitchFamily="18" charset="0"/>
+                        <a:ea typeface="宋体" panose="02010600030101010101" pitchFamily="2" charset="-122"/>
+                        <a:cs typeface="Times New Roman" panose="02020603050405020304" pitchFamily="18" charset="0"/>
+                      </a:endParaRPr>
+                    </a:p>
+                  </a:txBody>
+                  <a:tcPr marL="68580" marR="68580" marT="0" marB="0" anchor="ctr"/>
+                </a:tc>
+                <a:tc>
+                  <a:txBody>
+                    <a:bodyPr/>
+                    <a:lstStyle/>
+                    <a:p>
+                      <a:pPr algn="ctr">
+                        <a:lnSpc>
+                          <a:spcPct val="150000"/>
+                        </a:lnSpc>
+                        <a:spcAft>
+                          <a:spcPts val="0"/>
+                        </a:spcAft>
+                        <a:tabLst>
+                          <a:tab pos="239395" algn="l"/>
+                        </a:tabLst>
+                      </a:pPr>
+                      <a:r>
+                        <a:rPr lang="en-US" sz="2000" kern="100">
+                          <a:effectLst/>
+                          <a:latin typeface="Times New Roman" panose="02020603050405020304" pitchFamily="18" charset="0"/>
+                          <a:cs typeface="Times New Roman" panose="02020603050405020304" pitchFamily="18" charset="0"/>
+                        </a:rPr>
+                        <a:t>1706</a:t>
+                      </a:r>
+                      <a:endParaRPr lang="zh-CN" sz="2000" kern="100">
+                        <a:effectLst/>
+                        <a:latin typeface="Times New Roman" panose="02020603050405020304" pitchFamily="18" charset="0"/>
+                        <a:ea typeface="宋体" panose="02010600030101010101" pitchFamily="2" charset="-122"/>
+                        <a:cs typeface="Times New Roman" panose="02020603050405020304" pitchFamily="18" charset="0"/>
+                      </a:endParaRPr>
+                    </a:p>
+                  </a:txBody>
+                  <a:tcPr marL="68580" marR="68580" marT="0" marB="0" anchor="ctr"/>
+                </a:tc>
+                <a:tc>
+                  <a:txBody>
+                    <a:bodyPr/>
+                    <a:lstStyle/>
+                    <a:p>
+                      <a:pPr algn="ctr">
+                        <a:lnSpc>
+                          <a:spcPct val="150000"/>
+                        </a:lnSpc>
+                        <a:spcAft>
+                          <a:spcPts val="0"/>
+                        </a:spcAft>
+                        <a:tabLst>
+                          <a:tab pos="239395" algn="l"/>
+                        </a:tabLst>
+                      </a:pPr>
+                      <a:r>
+                        <a:rPr lang="en-US" sz="2000" kern="100">
+                          <a:effectLst/>
+                          <a:latin typeface="Times New Roman" panose="02020603050405020304" pitchFamily="18" charset="0"/>
+                          <a:cs typeface="Times New Roman" panose="02020603050405020304" pitchFamily="18" charset="0"/>
+                        </a:rPr>
+                        <a:t>7440</a:t>
+                      </a:r>
+                      <a:endParaRPr lang="zh-CN" sz="2000" kern="100">
+                        <a:effectLst/>
+                        <a:latin typeface="Times New Roman" panose="02020603050405020304" pitchFamily="18" charset="0"/>
+                        <a:ea typeface="宋体" panose="02010600030101010101" pitchFamily="2" charset="-122"/>
+                        <a:cs typeface="Times New Roman" panose="02020603050405020304" pitchFamily="18" charset="0"/>
+                      </a:endParaRPr>
+                    </a:p>
+                  </a:txBody>
+                  <a:tcPr marL="68580" marR="68580" marT="0" marB="0" anchor="ctr"/>
+                </a:tc>
+              </a:tr>
+              <a:tr h="555344">
+                <a:tc>
+                  <a:txBody>
+                    <a:bodyPr/>
+                    <a:lstStyle/>
+                    <a:p>
+                      <a:pPr algn="ctr">
+                        <a:lnSpc>
+                          <a:spcPct val="150000"/>
+                        </a:lnSpc>
+                        <a:spcAft>
+                          <a:spcPts val="0"/>
+                        </a:spcAft>
+                        <a:tabLst>
+                          <a:tab pos="239395" algn="l"/>
+                        </a:tabLst>
+                      </a:pPr>
+                      <a:r>
+                        <a:rPr lang="zh-CN" sz="2000" kern="100">
+                          <a:effectLst/>
+                          <a:latin typeface="Times New Roman" panose="02020603050405020304" pitchFamily="18" charset="0"/>
+                          <a:cs typeface="Times New Roman" panose="02020603050405020304" pitchFamily="18" charset="0"/>
+                        </a:rPr>
+                        <a:t>合计</a:t>
+                      </a:r>
+                      <a:endParaRPr lang="zh-CN" sz="2000" kern="100">
+                        <a:effectLst/>
+                        <a:latin typeface="Times New Roman" panose="02020603050405020304" pitchFamily="18" charset="0"/>
+                        <a:ea typeface="宋体" panose="02010600030101010101" pitchFamily="2" charset="-122"/>
+                        <a:cs typeface="Times New Roman" panose="02020603050405020304" pitchFamily="18" charset="0"/>
+                      </a:endParaRPr>
+                    </a:p>
+                  </a:txBody>
+                  <a:tcPr marL="68580" marR="68580" marT="0" marB="0" anchor="ctr"/>
+                </a:tc>
+                <a:tc>
+                  <a:txBody>
+                    <a:bodyPr/>
+                    <a:lstStyle/>
+                    <a:p>
+                      <a:pPr algn="ctr">
+                        <a:lnSpc>
+                          <a:spcPct val="150000"/>
+                        </a:lnSpc>
+                        <a:spcAft>
+                          <a:spcPts val="0"/>
+                        </a:spcAft>
+                        <a:tabLst>
+                          <a:tab pos="239395" algn="l"/>
+                        </a:tabLst>
+                      </a:pPr>
+                      <a:r>
+                        <a:rPr lang="en-US" sz="2000" kern="100">
+                          <a:effectLst/>
+                          <a:latin typeface="Times New Roman" panose="02020603050405020304" pitchFamily="18" charset="0"/>
+                          <a:cs typeface="Times New Roman" panose="02020603050405020304" pitchFamily="18" charset="0"/>
+                        </a:rPr>
+                        <a:t>10533</a:t>
+                      </a:r>
+                      <a:endParaRPr lang="zh-CN" sz="2000" kern="100">
+                        <a:effectLst/>
+                        <a:latin typeface="Times New Roman" panose="02020603050405020304" pitchFamily="18" charset="0"/>
+                        <a:ea typeface="宋体" panose="02010600030101010101" pitchFamily="2" charset="-122"/>
+                        <a:cs typeface="Times New Roman" panose="02020603050405020304" pitchFamily="18" charset="0"/>
+                      </a:endParaRPr>
+                    </a:p>
+                  </a:txBody>
+                  <a:tcPr marL="68580" marR="68580" marT="0" marB="0" anchor="ctr"/>
+                </a:tc>
+                <a:tc>
+                  <a:txBody>
+                    <a:bodyPr/>
+                    <a:lstStyle/>
+                    <a:p>
+                      <a:pPr algn="ctr">
+                        <a:lnSpc>
+                          <a:spcPct val="150000"/>
+                        </a:lnSpc>
+                        <a:spcAft>
+                          <a:spcPts val="0"/>
+                        </a:spcAft>
+                        <a:tabLst>
+                          <a:tab pos="239395" algn="l"/>
+                        </a:tabLst>
+                      </a:pPr>
+                      <a:r>
+                        <a:rPr lang="en-US" sz="2000" kern="100">
+                          <a:effectLst/>
+                          <a:latin typeface="Times New Roman" panose="02020603050405020304" pitchFamily="18" charset="0"/>
+                          <a:cs typeface="Times New Roman" panose="02020603050405020304" pitchFamily="18" charset="0"/>
+                        </a:rPr>
+                        <a:t>1969</a:t>
+                      </a:r>
+                      <a:endParaRPr lang="zh-CN" sz="2000" kern="100">
+                        <a:effectLst/>
+                        <a:latin typeface="Times New Roman" panose="02020603050405020304" pitchFamily="18" charset="0"/>
+                        <a:ea typeface="宋体" panose="02010600030101010101" pitchFamily="2" charset="-122"/>
+                        <a:cs typeface="Times New Roman" panose="02020603050405020304" pitchFamily="18" charset="0"/>
+                      </a:endParaRPr>
+                    </a:p>
+                  </a:txBody>
+                  <a:tcPr marL="68580" marR="68580" marT="0" marB="0" anchor="ctr"/>
+                </a:tc>
+                <a:tc>
+                  <a:txBody>
+                    <a:bodyPr/>
+                    <a:lstStyle/>
+                    <a:p>
+                      <a:pPr algn="ctr">
+                        <a:lnSpc>
+                          <a:spcPct val="150000"/>
+                        </a:lnSpc>
+                        <a:spcAft>
+                          <a:spcPts val="0"/>
+                        </a:spcAft>
+                        <a:tabLst>
+                          <a:tab pos="239395" algn="l"/>
+                        </a:tabLst>
+                      </a:pPr>
+                      <a:r>
+                        <a:rPr lang="en-US" sz="2000" kern="100" dirty="0">
+                          <a:effectLst/>
+                          <a:latin typeface="Times New Roman" panose="02020603050405020304" pitchFamily="18" charset="0"/>
+                          <a:cs typeface="Times New Roman" panose="02020603050405020304" pitchFamily="18" charset="0"/>
+                        </a:rPr>
+                        <a:t>8085</a:t>
+                      </a:r>
+                      <a:endParaRPr lang="zh-CN" sz="2000" kern="100" dirty="0">
+                        <a:effectLst/>
+                        <a:latin typeface="Times New Roman" panose="02020603050405020304" pitchFamily="18" charset="0"/>
+                        <a:ea typeface="宋体" panose="02010600030101010101" pitchFamily="2" charset="-122"/>
+                        <a:cs typeface="Times New Roman" panose="02020603050405020304" pitchFamily="18" charset="0"/>
+                      </a:endParaRPr>
+                    </a:p>
+                  </a:txBody>
+                  <a:tcPr marL="68580" marR="68580" marT="0" marB="0" anchor="ctr"/>
+                </a:tc>
+              </a:tr>
+            </a:tbl>
+          </a:graphicData>
+        </a:graphic>
+      </p:graphicFrame>
     </p:spTree>
     <p:extLst>
       <p:ext uri="{BB962C8B-B14F-4D97-AF65-F5344CB8AC3E}">
-        <p14:creationId xmlns:p14="http://schemas.microsoft.com/office/powerpoint/2010/main" val="1647871461"/>
+        <p14:creationId xmlns:p14="http://schemas.microsoft.com/office/powerpoint/2010/main" val="2451227603"/>
       </p:ext>
     </p:extLst>
   </p:cSld>
   <p:clrMapOvr>
     <a:masterClrMapping/>
   </p:clrMapOvr>
+  <mc:AlternateContent xmlns:mc="http://schemas.openxmlformats.org/markup-compatibility/2006" xmlns:p14="http://schemas.microsoft.com/office/powerpoint/2010/main">
+    <mc:Choice Requires="p14">
+      <p:transition spd="slow" p14:dur="2000"/>
+    </mc:Choice>
+    <mc:Fallback xmlns="">
+      <p:transition spd="slow"/>
+    </mc:Fallback>
+  </mc:AlternateContent>
   <p:timing>
     <p:tnLst>
       <p:par>
